--- a/myMD_Planungsphase.pptx
+++ b/myMD_Planungsphase.pptx
@@ -5,7 +5,7 @@
     <p:sldMasterId id="2147483648" r:id="rId1"/>
   </p:sldMasterIdLst>
   <p:notesMasterIdLst>
-    <p:notesMasterId r:id="rId29"/>
+    <p:notesMasterId r:id="rId28"/>
   </p:notesMasterIdLst>
   <p:sldIdLst>
     <p:sldId id="256" r:id="rId2"/>
@@ -23,18 +23,17 @@
     <p:sldId id="268" r:id="rId14"/>
     <p:sldId id="269" r:id="rId15"/>
     <p:sldId id="270" r:id="rId16"/>
-    <p:sldId id="271" r:id="rId17"/>
-    <p:sldId id="272" r:id="rId18"/>
-    <p:sldId id="273" r:id="rId19"/>
-    <p:sldId id="274" r:id="rId20"/>
-    <p:sldId id="275" r:id="rId21"/>
-    <p:sldId id="276" r:id="rId22"/>
-    <p:sldId id="277" r:id="rId23"/>
-    <p:sldId id="278" r:id="rId24"/>
-    <p:sldId id="279" r:id="rId25"/>
-    <p:sldId id="281" r:id="rId26"/>
-    <p:sldId id="282" r:id="rId27"/>
-    <p:sldId id="280" r:id="rId28"/>
+    <p:sldId id="272" r:id="rId17"/>
+    <p:sldId id="273" r:id="rId18"/>
+    <p:sldId id="274" r:id="rId19"/>
+    <p:sldId id="275" r:id="rId20"/>
+    <p:sldId id="276" r:id="rId21"/>
+    <p:sldId id="277" r:id="rId22"/>
+    <p:sldId id="278" r:id="rId23"/>
+    <p:sldId id="279" r:id="rId24"/>
+    <p:sldId id="281" r:id="rId25"/>
+    <p:sldId id="282" r:id="rId26"/>
+    <p:sldId id="280" r:id="rId27"/>
   </p:sldIdLst>
   <p:sldSz cx="12192000" cy="6858000"/>
   <p:notesSz cx="6858000" cy="9144000"/>
@@ -150,6 +149,10 @@
     </p:ext>
   </p:extLst>
 </p:presentation>
+</file>
+
+<file path=ppt/revisionInfo.xml><?xml version="1.0" encoding="utf-8"?>
+<p1510:revInfo xmlns:a="http://schemas.openxmlformats.org/drawingml/2006/main" xmlns:r="http://schemas.openxmlformats.org/officeDocument/2006/relationships" xmlns:p1510="http://schemas.microsoft.com/office/powerpoint/2015/10/main"/>
 </file>
 
 <file path=ppt/notesMasters/notesMaster1.xml><?xml version="1.0" encoding="utf-8"?>
@@ -745,7 +748,7 @@
           <a:graphicData uri="http://schemas.openxmlformats.org/presentationml/2006/ole">
             <mc:AlternateContent xmlns:mc="http://schemas.openxmlformats.org/markup-compatibility/2006">
               <mc:Choice xmlns:v="urn:schemas-microsoft-com:vml" Requires="v">
-                <p:oleObj spid="_x0000_s1035" name="Acrobat Document" r:id="rId3" imgW="1866722" imgH="857250" progId="AcroExch.Document.DC">
+                <p:oleObj spid="_x0000_s1043" name="Acrobat Document" r:id="rId3" imgW="1866722" imgH="857250" progId="AcroExch.Document.DC">
                   <p:embed/>
                 </p:oleObj>
               </mc:Choice>
@@ -826,6 +829,18 @@
   <p:clrMapOvr>
     <a:masterClrMapping/>
   </p:clrMapOvr>
+  <mc:AlternateContent xmlns:mc="http://schemas.openxmlformats.org/markup-compatibility/2006">
+    <mc:Choice xmlns:p14="http://schemas.microsoft.com/office/powerpoint/2010/main" Requires="p14">
+      <p:transition spd="med" p14:dur="700">
+        <p:fade/>
+      </p:transition>
+    </mc:Choice>
+    <mc:Fallback>
+      <p:transition spd="med">
+        <p:fade/>
+      </p:transition>
+    </mc:Fallback>
+  </mc:AlternateContent>
 </p:sldLayout>
 </file>
 
@@ -1026,6 +1041,18 @@
   <p:clrMapOvr>
     <a:masterClrMapping/>
   </p:clrMapOvr>
+  <mc:AlternateContent xmlns:mc="http://schemas.openxmlformats.org/markup-compatibility/2006">
+    <mc:Choice xmlns:p14="http://schemas.microsoft.com/office/powerpoint/2010/main" Requires="p14">
+      <p:transition spd="med" p14:dur="700">
+        <p:fade/>
+      </p:transition>
+    </mc:Choice>
+    <mc:Fallback>
+      <p:transition spd="med">
+        <p:fade/>
+      </p:transition>
+    </mc:Fallback>
+  </mc:AlternateContent>
 </p:sldLayout>
 </file>
 
@@ -1236,6 +1263,18 @@
   <p:clrMapOvr>
     <a:masterClrMapping/>
   </p:clrMapOvr>
+  <mc:AlternateContent xmlns:mc="http://schemas.openxmlformats.org/markup-compatibility/2006">
+    <mc:Choice xmlns:p14="http://schemas.microsoft.com/office/powerpoint/2010/main" Requires="p14">
+      <p:transition spd="med" p14:dur="700">
+        <p:fade/>
+      </p:transition>
+    </mc:Choice>
+    <mc:Fallback>
+      <p:transition spd="med">
+        <p:fade/>
+      </p:transition>
+    </mc:Fallback>
+  </mc:AlternateContent>
 </p:sldLayout>
 </file>
 
@@ -1499,7 +1538,7 @@
           <a:graphicData uri="http://schemas.openxmlformats.org/presentationml/2006/ole">
             <mc:AlternateContent xmlns:mc="http://schemas.openxmlformats.org/markup-compatibility/2006">
               <mc:Choice xmlns:v="urn:schemas-microsoft-com:vml" Requires="v">
-                <p:oleObj spid="_x0000_s2054" name="Acrobat Document" r:id="rId3" imgW="1866722" imgH="857250" progId="AcroExch.Document.DC">
+                <p:oleObj spid="_x0000_s2062" name="Acrobat Document" r:id="rId3" imgW="1866722" imgH="857250" progId="AcroExch.Document.DC">
                   <p:embed/>
                 </p:oleObj>
               </mc:Choice>
@@ -1586,6 +1625,18 @@
   <p:clrMapOvr>
     <a:masterClrMapping/>
   </p:clrMapOvr>
+  <mc:AlternateContent xmlns:mc="http://schemas.openxmlformats.org/markup-compatibility/2006">
+    <mc:Choice xmlns:p14="http://schemas.microsoft.com/office/powerpoint/2010/main" Requires="p14">
+      <p:transition spd="med" p14:dur="700">
+        <p:fade/>
+      </p:transition>
+    </mc:Choice>
+    <mc:Fallback>
+      <p:transition spd="med">
+        <p:fade/>
+      </p:transition>
+    </mc:Fallback>
+  </mc:AlternateContent>
 </p:sldLayout>
 </file>
 
@@ -1863,6 +1914,18 @@
   <p:clrMapOvr>
     <a:masterClrMapping/>
   </p:clrMapOvr>
+  <mc:AlternateContent xmlns:mc="http://schemas.openxmlformats.org/markup-compatibility/2006">
+    <mc:Choice xmlns:p14="http://schemas.microsoft.com/office/powerpoint/2010/main" Requires="p14">
+      <p:transition spd="med" p14:dur="700">
+        <p:fade/>
+      </p:transition>
+    </mc:Choice>
+    <mc:Fallback>
+      <p:transition spd="med">
+        <p:fade/>
+      </p:transition>
+    </mc:Fallback>
+  </mc:AlternateContent>
 </p:sldLayout>
 </file>
 
@@ -2130,6 +2193,18 @@
   <p:clrMapOvr>
     <a:masterClrMapping/>
   </p:clrMapOvr>
+  <mc:AlternateContent xmlns:mc="http://schemas.openxmlformats.org/markup-compatibility/2006">
+    <mc:Choice xmlns:p14="http://schemas.microsoft.com/office/powerpoint/2010/main" Requires="p14">
+      <p:transition spd="med" p14:dur="700">
+        <p:fade/>
+      </p:transition>
+    </mc:Choice>
+    <mc:Fallback>
+      <p:transition spd="med">
+        <p:fade/>
+      </p:transition>
+    </mc:Fallback>
+  </mc:AlternateContent>
 </p:sldLayout>
 </file>
 
@@ -2544,6 +2619,18 @@
   <p:clrMapOvr>
     <a:masterClrMapping/>
   </p:clrMapOvr>
+  <mc:AlternateContent xmlns:mc="http://schemas.openxmlformats.org/markup-compatibility/2006">
+    <mc:Choice xmlns:p14="http://schemas.microsoft.com/office/powerpoint/2010/main" Requires="p14">
+      <p:transition spd="med" p14:dur="700">
+        <p:fade/>
+      </p:transition>
+    </mc:Choice>
+    <mc:Fallback>
+      <p:transition spd="med">
+        <p:fade/>
+      </p:transition>
+    </mc:Fallback>
+  </mc:AlternateContent>
 </p:sldLayout>
 </file>
 
@@ -2687,6 +2774,18 @@
   <p:clrMapOvr>
     <a:masterClrMapping/>
   </p:clrMapOvr>
+  <mc:AlternateContent xmlns:mc="http://schemas.openxmlformats.org/markup-compatibility/2006">
+    <mc:Choice xmlns:p14="http://schemas.microsoft.com/office/powerpoint/2010/main" Requires="p14">
+      <p:transition spd="med" p14:dur="700">
+        <p:fade/>
+      </p:transition>
+    </mc:Choice>
+    <mc:Fallback>
+      <p:transition spd="med">
+        <p:fade/>
+      </p:transition>
+    </mc:Fallback>
+  </mc:AlternateContent>
 </p:sldLayout>
 </file>
 
@@ -2802,6 +2901,18 @@
   <p:clrMapOvr>
     <a:masterClrMapping/>
   </p:clrMapOvr>
+  <mc:AlternateContent xmlns:mc="http://schemas.openxmlformats.org/markup-compatibility/2006">
+    <mc:Choice xmlns:p14="http://schemas.microsoft.com/office/powerpoint/2010/main" Requires="p14">
+      <p:transition spd="med" p14:dur="700">
+        <p:fade/>
+      </p:transition>
+    </mc:Choice>
+    <mc:Fallback>
+      <p:transition spd="med">
+        <p:fade/>
+      </p:transition>
+    </mc:Fallback>
+  </mc:AlternateContent>
 </p:sldLayout>
 </file>
 
@@ -3115,6 +3226,18 @@
   <p:clrMapOvr>
     <a:masterClrMapping/>
   </p:clrMapOvr>
+  <mc:AlternateContent xmlns:mc="http://schemas.openxmlformats.org/markup-compatibility/2006">
+    <mc:Choice xmlns:p14="http://schemas.microsoft.com/office/powerpoint/2010/main" Requires="p14">
+      <p:transition spd="med" p14:dur="700">
+        <p:fade/>
+      </p:transition>
+    </mc:Choice>
+    <mc:Fallback>
+      <p:transition spd="med">
+        <p:fade/>
+      </p:transition>
+    </mc:Fallback>
+  </mc:AlternateContent>
 </p:sldLayout>
 </file>
 
@@ -3405,6 +3528,18 @@
   <p:clrMapOvr>
     <a:masterClrMapping/>
   </p:clrMapOvr>
+  <mc:AlternateContent xmlns:mc="http://schemas.openxmlformats.org/markup-compatibility/2006">
+    <mc:Choice xmlns:p14="http://schemas.microsoft.com/office/powerpoint/2010/main" Requires="p14">
+      <p:transition spd="med" p14:dur="700">
+        <p:fade/>
+      </p:transition>
+    </mc:Choice>
+    <mc:Fallback>
+      <p:transition spd="med">
+        <p:fade/>
+      </p:transition>
+    </mc:Fallback>
+  </mc:AlternateContent>
 </p:sldLayout>
 </file>
 
@@ -3695,6 +3830,18 @@
     <p:sldLayoutId id="2147483658" r:id="rId10"/>
     <p:sldLayoutId id="2147483659" r:id="rId11"/>
   </p:sldLayoutIdLst>
+  <mc:AlternateContent xmlns:mc="http://schemas.openxmlformats.org/markup-compatibility/2006">
+    <mc:Choice xmlns:p14="http://schemas.microsoft.com/office/powerpoint/2010/main" Requires="p14">
+      <p:transition spd="med" p14:dur="700">
+        <p:fade/>
+      </p:transition>
+    </mc:Choice>
+    <mc:Fallback>
+      <p:transition spd="med">
+        <p:fade/>
+      </p:transition>
+    </mc:Fallback>
+  </mc:AlternateContent>
   <p:hf hdr="0"/>
   <p:txStyles>
     <p:titleStyle>
@@ -4064,6 +4211,18 @@
   <p:clrMapOvr>
     <a:masterClrMapping/>
   </p:clrMapOvr>
+  <mc:AlternateContent xmlns:mc="http://schemas.openxmlformats.org/markup-compatibility/2006">
+    <mc:Choice xmlns:p14="http://schemas.microsoft.com/office/powerpoint/2010/main" Requires="p14">
+      <p:transition spd="med" p14:dur="700">
+        <p:fade/>
+      </p:transition>
+    </mc:Choice>
+    <mc:Fallback>
+      <p:transition spd="med">
+        <p:fade/>
+      </p:transition>
+    </mc:Fallback>
+  </mc:AlternateContent>
 </p:sld>
 </file>
 
@@ -4267,6 +4426,306 @@
   <p:clrMapOvr>
     <a:masterClrMapping/>
   </p:clrMapOvr>
+  <mc:AlternateContent xmlns:mc="http://schemas.openxmlformats.org/markup-compatibility/2006">
+    <mc:Choice xmlns:p14="http://schemas.microsoft.com/office/powerpoint/2010/main" Requires="p14">
+      <p:transition spd="med" p14:dur="700">
+        <p:fade/>
+      </p:transition>
+    </mc:Choice>
+    <mc:Fallback>
+      <p:transition spd="med">
+        <p:fade/>
+      </p:transition>
+    </mc:Fallback>
+  </mc:AlternateContent>
+  <p:timing>
+    <p:tnLst>
+      <p:par>
+        <p:cTn id="1" dur="indefinite" restart="never" nodeType="tmRoot">
+          <p:childTnLst>
+            <p:seq concurrent="1" nextAc="seek">
+              <p:cTn id="2" dur="indefinite" nodeType="mainSeq">
+                <p:childTnLst>
+                  <p:par>
+                    <p:cTn id="3" fill="hold">
+                      <p:stCondLst>
+                        <p:cond delay="indefinite"/>
+                      </p:stCondLst>
+                      <p:childTnLst>
+                        <p:par>
+                          <p:cTn id="4" fill="hold">
+                            <p:stCondLst>
+                              <p:cond delay="0"/>
+                            </p:stCondLst>
+                            <p:childTnLst>
+                              <p:par>
+                                <p:cTn id="5" presetID="1" presetClass="entr" presetSubtype="0" fill="hold" nodeType="clickEffect">
+                                  <p:stCondLst>
+                                    <p:cond delay="0"/>
+                                  </p:stCondLst>
+                                  <p:childTnLst>
+                                    <p:set>
+                                      <p:cBhvr>
+                                        <p:cTn id="6" dur="1" fill="hold">
+                                          <p:stCondLst>
+                                            <p:cond delay="0"/>
+                                          </p:stCondLst>
+                                        </p:cTn>
+                                        <p:tgtEl>
+                                          <p:spTgt spid="3">
+                                            <p:txEl>
+                                              <p:pRg st="0" end="0"/>
+                                            </p:txEl>
+                                          </p:spTgt>
+                                        </p:tgtEl>
+                                        <p:attrNameLst>
+                                          <p:attrName>style.visibility</p:attrName>
+                                        </p:attrNameLst>
+                                      </p:cBhvr>
+                                      <p:to>
+                                        <p:strVal val="visible"/>
+                                      </p:to>
+                                    </p:set>
+                                  </p:childTnLst>
+                                </p:cTn>
+                              </p:par>
+                              <p:par>
+                                <p:cTn id="7" presetID="1" presetClass="entr" presetSubtype="0" fill="hold" nodeType="withEffect">
+                                  <p:stCondLst>
+                                    <p:cond delay="0"/>
+                                  </p:stCondLst>
+                                  <p:childTnLst>
+                                    <p:set>
+                                      <p:cBhvr>
+                                        <p:cTn id="8" dur="1" fill="hold">
+                                          <p:stCondLst>
+                                            <p:cond delay="0"/>
+                                          </p:stCondLst>
+                                        </p:cTn>
+                                        <p:tgtEl>
+                                          <p:spTgt spid="3">
+                                            <p:txEl>
+                                              <p:pRg st="1" end="1"/>
+                                            </p:txEl>
+                                          </p:spTgt>
+                                        </p:tgtEl>
+                                        <p:attrNameLst>
+                                          <p:attrName>style.visibility</p:attrName>
+                                        </p:attrNameLst>
+                                      </p:cBhvr>
+                                      <p:to>
+                                        <p:strVal val="visible"/>
+                                      </p:to>
+                                    </p:set>
+                                  </p:childTnLst>
+                                </p:cTn>
+                              </p:par>
+                            </p:childTnLst>
+                          </p:cTn>
+                        </p:par>
+                      </p:childTnLst>
+                    </p:cTn>
+                  </p:par>
+                  <p:par>
+                    <p:cTn id="9" fill="hold">
+                      <p:stCondLst>
+                        <p:cond delay="indefinite"/>
+                      </p:stCondLst>
+                      <p:childTnLst>
+                        <p:par>
+                          <p:cTn id="10" fill="hold">
+                            <p:stCondLst>
+                              <p:cond delay="0"/>
+                            </p:stCondLst>
+                            <p:childTnLst>
+                              <p:par>
+                                <p:cTn id="11" presetID="1" presetClass="entr" presetSubtype="0" fill="hold" nodeType="clickEffect">
+                                  <p:stCondLst>
+                                    <p:cond delay="0"/>
+                                  </p:stCondLst>
+                                  <p:childTnLst>
+                                    <p:set>
+                                      <p:cBhvr>
+                                        <p:cTn id="12" dur="1" fill="hold">
+                                          <p:stCondLst>
+                                            <p:cond delay="0"/>
+                                          </p:stCondLst>
+                                        </p:cTn>
+                                        <p:tgtEl>
+                                          <p:spTgt spid="3">
+                                            <p:txEl>
+                                              <p:pRg st="2" end="2"/>
+                                            </p:txEl>
+                                          </p:spTgt>
+                                        </p:tgtEl>
+                                        <p:attrNameLst>
+                                          <p:attrName>style.visibility</p:attrName>
+                                        </p:attrNameLst>
+                                      </p:cBhvr>
+                                      <p:to>
+                                        <p:strVal val="visible"/>
+                                      </p:to>
+                                    </p:set>
+                                  </p:childTnLst>
+                                </p:cTn>
+                              </p:par>
+                              <p:par>
+                                <p:cTn id="13" presetID="1" presetClass="entr" presetSubtype="0" fill="hold" nodeType="withEffect">
+                                  <p:stCondLst>
+                                    <p:cond delay="0"/>
+                                  </p:stCondLst>
+                                  <p:childTnLst>
+                                    <p:set>
+                                      <p:cBhvr>
+                                        <p:cTn id="14" dur="1" fill="hold">
+                                          <p:stCondLst>
+                                            <p:cond delay="0"/>
+                                          </p:stCondLst>
+                                        </p:cTn>
+                                        <p:tgtEl>
+                                          <p:spTgt spid="3">
+                                            <p:txEl>
+                                              <p:pRg st="3" end="3"/>
+                                            </p:txEl>
+                                          </p:spTgt>
+                                        </p:tgtEl>
+                                        <p:attrNameLst>
+                                          <p:attrName>style.visibility</p:attrName>
+                                        </p:attrNameLst>
+                                      </p:cBhvr>
+                                      <p:to>
+                                        <p:strVal val="visible"/>
+                                      </p:to>
+                                    </p:set>
+                                  </p:childTnLst>
+                                </p:cTn>
+                              </p:par>
+                            </p:childTnLst>
+                          </p:cTn>
+                        </p:par>
+                      </p:childTnLst>
+                    </p:cTn>
+                  </p:par>
+                  <p:par>
+                    <p:cTn id="15" fill="hold">
+                      <p:stCondLst>
+                        <p:cond delay="indefinite"/>
+                      </p:stCondLst>
+                      <p:childTnLst>
+                        <p:par>
+                          <p:cTn id="16" fill="hold">
+                            <p:stCondLst>
+                              <p:cond delay="0"/>
+                            </p:stCondLst>
+                            <p:childTnLst>
+                              <p:par>
+                                <p:cTn id="17" presetID="1" presetClass="entr" presetSubtype="0" fill="hold" nodeType="clickEffect">
+                                  <p:stCondLst>
+                                    <p:cond delay="0"/>
+                                  </p:stCondLst>
+                                  <p:childTnLst>
+                                    <p:set>
+                                      <p:cBhvr>
+                                        <p:cTn id="18" dur="1" fill="hold">
+                                          <p:stCondLst>
+                                            <p:cond delay="0"/>
+                                          </p:stCondLst>
+                                        </p:cTn>
+                                        <p:tgtEl>
+                                          <p:spTgt spid="3">
+                                            <p:txEl>
+                                              <p:pRg st="4" end="4"/>
+                                            </p:txEl>
+                                          </p:spTgt>
+                                        </p:tgtEl>
+                                        <p:attrNameLst>
+                                          <p:attrName>style.visibility</p:attrName>
+                                        </p:attrNameLst>
+                                      </p:cBhvr>
+                                      <p:to>
+                                        <p:strVal val="visible"/>
+                                      </p:to>
+                                    </p:set>
+                                  </p:childTnLst>
+                                </p:cTn>
+                              </p:par>
+                            </p:childTnLst>
+                          </p:cTn>
+                        </p:par>
+                      </p:childTnLst>
+                    </p:cTn>
+                  </p:par>
+                  <p:par>
+                    <p:cTn id="19" fill="hold">
+                      <p:stCondLst>
+                        <p:cond delay="indefinite"/>
+                      </p:stCondLst>
+                      <p:childTnLst>
+                        <p:par>
+                          <p:cTn id="20" fill="hold">
+                            <p:stCondLst>
+                              <p:cond delay="0"/>
+                            </p:stCondLst>
+                            <p:childTnLst>
+                              <p:par>
+                                <p:cTn id="21" presetID="1" presetClass="entr" presetSubtype="0" fill="hold" nodeType="clickEffect">
+                                  <p:stCondLst>
+                                    <p:cond delay="0"/>
+                                  </p:stCondLst>
+                                  <p:childTnLst>
+                                    <p:set>
+                                      <p:cBhvr>
+                                        <p:cTn id="22" dur="1" fill="hold">
+                                          <p:stCondLst>
+                                            <p:cond delay="0"/>
+                                          </p:stCondLst>
+                                        </p:cTn>
+                                        <p:tgtEl>
+                                          <p:spTgt spid="3">
+                                            <p:txEl>
+                                              <p:pRg st="5" end="5"/>
+                                            </p:txEl>
+                                          </p:spTgt>
+                                        </p:tgtEl>
+                                        <p:attrNameLst>
+                                          <p:attrName>style.visibility</p:attrName>
+                                        </p:attrNameLst>
+                                      </p:cBhvr>
+                                      <p:to>
+                                        <p:strVal val="visible"/>
+                                      </p:to>
+                                    </p:set>
+                                  </p:childTnLst>
+                                </p:cTn>
+                              </p:par>
+                            </p:childTnLst>
+                          </p:cTn>
+                        </p:par>
+                      </p:childTnLst>
+                    </p:cTn>
+                  </p:par>
+                </p:childTnLst>
+              </p:cTn>
+              <p:prevCondLst>
+                <p:cond evt="onPrev" delay="0">
+                  <p:tgtEl>
+                    <p:sldTgt/>
+                  </p:tgtEl>
+                </p:cond>
+              </p:prevCondLst>
+              <p:nextCondLst>
+                <p:cond evt="onNext" delay="0">
+                  <p:tgtEl>
+                    <p:sldTgt/>
+                  </p:tgtEl>
+                </p:cond>
+              </p:nextCondLst>
+            </p:seq>
+          </p:childTnLst>
+        </p:cTn>
+      </p:par>
+    </p:tnLst>
+  </p:timing>
 </p:sld>
 </file>
 
@@ -4462,6 +4921,293 @@
   <p:clrMapOvr>
     <a:masterClrMapping/>
   </p:clrMapOvr>
+  <mc:AlternateContent xmlns:mc="http://schemas.openxmlformats.org/markup-compatibility/2006">
+    <mc:Choice xmlns:p14="http://schemas.microsoft.com/office/powerpoint/2010/main" Requires="p14">
+      <p:transition spd="med" p14:dur="700">
+        <p:fade/>
+      </p:transition>
+    </mc:Choice>
+    <mc:Fallback>
+      <p:transition spd="med">
+        <p:fade/>
+      </p:transition>
+    </mc:Fallback>
+  </mc:AlternateContent>
+  <p:timing>
+    <p:tnLst>
+      <p:par>
+        <p:cTn id="1" dur="indefinite" restart="never" nodeType="tmRoot">
+          <p:childTnLst>
+            <p:seq concurrent="1" nextAc="seek">
+              <p:cTn id="2" dur="indefinite" nodeType="mainSeq">
+                <p:childTnLst>
+                  <p:par>
+                    <p:cTn id="3" fill="hold">
+                      <p:stCondLst>
+                        <p:cond delay="indefinite"/>
+                      </p:stCondLst>
+                      <p:childTnLst>
+                        <p:par>
+                          <p:cTn id="4" fill="hold">
+                            <p:stCondLst>
+                              <p:cond delay="0"/>
+                            </p:stCondLst>
+                            <p:childTnLst>
+                              <p:par>
+                                <p:cTn id="5" presetID="1" presetClass="entr" presetSubtype="0" fill="hold" nodeType="clickEffect">
+                                  <p:stCondLst>
+                                    <p:cond delay="0"/>
+                                  </p:stCondLst>
+                                  <p:childTnLst>
+                                    <p:set>
+                                      <p:cBhvr>
+                                        <p:cTn id="6" dur="1" fill="hold">
+                                          <p:stCondLst>
+                                            <p:cond delay="0"/>
+                                          </p:stCondLst>
+                                        </p:cTn>
+                                        <p:tgtEl>
+                                          <p:spTgt spid="3">
+                                            <p:txEl>
+                                              <p:pRg st="0" end="0"/>
+                                            </p:txEl>
+                                          </p:spTgt>
+                                        </p:tgtEl>
+                                        <p:attrNameLst>
+                                          <p:attrName>style.visibility</p:attrName>
+                                        </p:attrNameLst>
+                                      </p:cBhvr>
+                                      <p:to>
+                                        <p:strVal val="visible"/>
+                                      </p:to>
+                                    </p:set>
+                                  </p:childTnLst>
+                                </p:cTn>
+                              </p:par>
+                            </p:childTnLst>
+                          </p:cTn>
+                        </p:par>
+                      </p:childTnLst>
+                    </p:cTn>
+                  </p:par>
+                  <p:par>
+                    <p:cTn id="7" fill="hold">
+                      <p:stCondLst>
+                        <p:cond delay="indefinite"/>
+                      </p:stCondLst>
+                      <p:childTnLst>
+                        <p:par>
+                          <p:cTn id="8" fill="hold">
+                            <p:stCondLst>
+                              <p:cond delay="0"/>
+                            </p:stCondLst>
+                            <p:childTnLst>
+                              <p:par>
+                                <p:cTn id="9" presetID="1" presetClass="entr" presetSubtype="0" fill="hold" nodeType="clickEffect">
+                                  <p:stCondLst>
+                                    <p:cond delay="0"/>
+                                  </p:stCondLst>
+                                  <p:childTnLst>
+                                    <p:set>
+                                      <p:cBhvr>
+                                        <p:cTn id="10" dur="1" fill="hold">
+                                          <p:stCondLst>
+                                            <p:cond delay="0"/>
+                                          </p:stCondLst>
+                                        </p:cTn>
+                                        <p:tgtEl>
+                                          <p:spTgt spid="3">
+                                            <p:txEl>
+                                              <p:pRg st="1" end="1"/>
+                                            </p:txEl>
+                                          </p:spTgt>
+                                        </p:tgtEl>
+                                        <p:attrNameLst>
+                                          <p:attrName>style.visibility</p:attrName>
+                                        </p:attrNameLst>
+                                      </p:cBhvr>
+                                      <p:to>
+                                        <p:strVal val="visible"/>
+                                      </p:to>
+                                    </p:set>
+                                  </p:childTnLst>
+                                </p:cTn>
+                              </p:par>
+                            </p:childTnLst>
+                          </p:cTn>
+                        </p:par>
+                      </p:childTnLst>
+                    </p:cTn>
+                  </p:par>
+                  <p:par>
+                    <p:cTn id="11" fill="hold">
+                      <p:stCondLst>
+                        <p:cond delay="indefinite"/>
+                      </p:stCondLst>
+                      <p:childTnLst>
+                        <p:par>
+                          <p:cTn id="12" fill="hold">
+                            <p:stCondLst>
+                              <p:cond delay="0"/>
+                            </p:stCondLst>
+                            <p:childTnLst>
+                              <p:par>
+                                <p:cTn id="13" presetID="1" presetClass="entr" presetSubtype="0" fill="hold" nodeType="clickEffect">
+                                  <p:stCondLst>
+                                    <p:cond delay="0"/>
+                                  </p:stCondLst>
+                                  <p:childTnLst>
+                                    <p:set>
+                                      <p:cBhvr>
+                                        <p:cTn id="14" dur="1" fill="hold">
+                                          <p:stCondLst>
+                                            <p:cond delay="0"/>
+                                          </p:stCondLst>
+                                        </p:cTn>
+                                        <p:tgtEl>
+                                          <p:spTgt spid="3">
+                                            <p:txEl>
+                                              <p:pRg st="2" end="2"/>
+                                            </p:txEl>
+                                          </p:spTgt>
+                                        </p:tgtEl>
+                                        <p:attrNameLst>
+                                          <p:attrName>style.visibility</p:attrName>
+                                        </p:attrNameLst>
+                                      </p:cBhvr>
+                                      <p:to>
+                                        <p:strVal val="visible"/>
+                                      </p:to>
+                                    </p:set>
+                                  </p:childTnLst>
+                                </p:cTn>
+                              </p:par>
+                            </p:childTnLst>
+                          </p:cTn>
+                        </p:par>
+                      </p:childTnLst>
+                    </p:cTn>
+                  </p:par>
+                  <p:par>
+                    <p:cTn id="15" fill="hold">
+                      <p:stCondLst>
+                        <p:cond delay="indefinite"/>
+                      </p:stCondLst>
+                      <p:childTnLst>
+                        <p:par>
+                          <p:cTn id="16" fill="hold">
+                            <p:stCondLst>
+                              <p:cond delay="0"/>
+                            </p:stCondLst>
+                            <p:childTnLst>
+                              <p:par>
+                                <p:cTn id="17" presetID="1" presetClass="entr" presetSubtype="0" fill="hold" nodeType="clickEffect">
+                                  <p:stCondLst>
+                                    <p:cond delay="0"/>
+                                  </p:stCondLst>
+                                  <p:childTnLst>
+                                    <p:set>
+                                      <p:cBhvr>
+                                        <p:cTn id="18" dur="1" fill="hold">
+                                          <p:stCondLst>
+                                            <p:cond delay="0"/>
+                                          </p:stCondLst>
+                                        </p:cTn>
+                                        <p:tgtEl>
+                                          <p:spTgt spid="3">
+                                            <p:txEl>
+                                              <p:pRg st="3" end="3"/>
+                                            </p:txEl>
+                                          </p:spTgt>
+                                        </p:tgtEl>
+                                        <p:attrNameLst>
+                                          <p:attrName>style.visibility</p:attrName>
+                                        </p:attrNameLst>
+                                      </p:cBhvr>
+                                      <p:to>
+                                        <p:strVal val="visible"/>
+                                      </p:to>
+                                    </p:set>
+                                  </p:childTnLst>
+                                </p:cTn>
+                              </p:par>
+                            </p:childTnLst>
+                          </p:cTn>
+                        </p:par>
+                      </p:childTnLst>
+                    </p:cTn>
+                  </p:par>
+                  <p:par>
+                    <p:cTn id="19" fill="hold">
+                      <p:stCondLst>
+                        <p:cond delay="indefinite"/>
+                      </p:stCondLst>
+                      <p:childTnLst>
+                        <p:par>
+                          <p:cTn id="20" fill="hold">
+                            <p:stCondLst>
+                              <p:cond delay="0"/>
+                            </p:stCondLst>
+                            <p:childTnLst>
+                              <p:par>
+                                <p:cTn id="21" presetID="1" presetClass="entr" presetSubtype="0" fill="hold" nodeType="clickEffect">
+                                  <p:stCondLst>
+                                    <p:cond delay="0"/>
+                                  </p:stCondLst>
+                                  <p:childTnLst>
+                                    <p:set>
+                                      <p:cBhvr>
+                                        <p:cTn id="22" dur="1" fill="hold">
+                                          <p:stCondLst>
+                                            <p:cond delay="0"/>
+                                          </p:stCondLst>
+                                        </p:cTn>
+                                        <p:tgtEl>
+                                          <p:spTgt spid="3">
+                                            <p:txEl>
+                                              <p:pRg st="4" end="4"/>
+                                            </p:txEl>
+                                          </p:spTgt>
+                                        </p:tgtEl>
+                                        <p:attrNameLst>
+                                          <p:attrName>style.visibility</p:attrName>
+                                        </p:attrNameLst>
+                                      </p:cBhvr>
+                                      <p:to>
+                                        <p:strVal val="visible"/>
+                                      </p:to>
+                                    </p:set>
+                                  </p:childTnLst>
+                                </p:cTn>
+                              </p:par>
+                            </p:childTnLst>
+                          </p:cTn>
+                        </p:par>
+                      </p:childTnLst>
+                    </p:cTn>
+                  </p:par>
+                </p:childTnLst>
+              </p:cTn>
+              <p:prevCondLst>
+                <p:cond evt="onPrev" delay="0">
+                  <p:tgtEl>
+                    <p:sldTgt/>
+                  </p:tgtEl>
+                </p:cond>
+              </p:prevCondLst>
+              <p:nextCondLst>
+                <p:cond evt="onNext" delay="0">
+                  <p:tgtEl>
+                    <p:sldTgt/>
+                  </p:tgtEl>
+                </p:cond>
+              </p:nextCondLst>
+            </p:seq>
+          </p:childTnLst>
+        </p:cTn>
+      </p:par>
+    </p:tnLst>
+  </p:timing>
 </p:sld>
 </file>
 
@@ -4651,6 +5397,244 @@
   <p:clrMapOvr>
     <a:masterClrMapping/>
   </p:clrMapOvr>
+  <mc:AlternateContent xmlns:mc="http://schemas.openxmlformats.org/markup-compatibility/2006">
+    <mc:Choice xmlns:p14="http://schemas.microsoft.com/office/powerpoint/2010/main" Requires="p14">
+      <p:transition spd="med" p14:dur="700">
+        <p:fade/>
+      </p:transition>
+    </mc:Choice>
+    <mc:Fallback>
+      <p:transition spd="med">
+        <p:fade/>
+      </p:transition>
+    </mc:Fallback>
+  </mc:AlternateContent>
+  <p:timing>
+    <p:tnLst>
+      <p:par>
+        <p:cTn id="1" dur="indefinite" restart="never" nodeType="tmRoot">
+          <p:childTnLst>
+            <p:seq concurrent="1" nextAc="seek">
+              <p:cTn id="2" dur="indefinite" nodeType="mainSeq">
+                <p:childTnLst>
+                  <p:par>
+                    <p:cTn id="3" fill="hold">
+                      <p:stCondLst>
+                        <p:cond delay="indefinite"/>
+                      </p:stCondLst>
+                      <p:childTnLst>
+                        <p:par>
+                          <p:cTn id="4" fill="hold">
+                            <p:stCondLst>
+                              <p:cond delay="0"/>
+                            </p:stCondLst>
+                            <p:childTnLst>
+                              <p:par>
+                                <p:cTn id="5" presetID="1" presetClass="entr" presetSubtype="0" fill="hold" nodeType="clickEffect">
+                                  <p:stCondLst>
+                                    <p:cond delay="0"/>
+                                  </p:stCondLst>
+                                  <p:childTnLst>
+                                    <p:set>
+                                      <p:cBhvr>
+                                        <p:cTn id="6" dur="1" fill="hold">
+                                          <p:stCondLst>
+                                            <p:cond delay="0"/>
+                                          </p:stCondLst>
+                                        </p:cTn>
+                                        <p:tgtEl>
+                                          <p:spTgt spid="3">
+                                            <p:txEl>
+                                              <p:pRg st="0" end="0"/>
+                                            </p:txEl>
+                                          </p:spTgt>
+                                        </p:tgtEl>
+                                        <p:attrNameLst>
+                                          <p:attrName>style.visibility</p:attrName>
+                                        </p:attrNameLst>
+                                      </p:cBhvr>
+                                      <p:to>
+                                        <p:strVal val="visible"/>
+                                      </p:to>
+                                    </p:set>
+                                  </p:childTnLst>
+                                </p:cTn>
+                              </p:par>
+                            </p:childTnLst>
+                          </p:cTn>
+                        </p:par>
+                      </p:childTnLst>
+                    </p:cTn>
+                  </p:par>
+                  <p:par>
+                    <p:cTn id="7" fill="hold">
+                      <p:stCondLst>
+                        <p:cond delay="indefinite"/>
+                      </p:stCondLst>
+                      <p:childTnLst>
+                        <p:par>
+                          <p:cTn id="8" fill="hold">
+                            <p:stCondLst>
+                              <p:cond delay="0"/>
+                            </p:stCondLst>
+                            <p:childTnLst>
+                              <p:par>
+                                <p:cTn id="9" presetID="1" presetClass="entr" presetSubtype="0" fill="hold" nodeType="clickEffect">
+                                  <p:stCondLst>
+                                    <p:cond delay="0"/>
+                                  </p:stCondLst>
+                                  <p:childTnLst>
+                                    <p:set>
+                                      <p:cBhvr>
+                                        <p:cTn id="10" dur="1" fill="hold">
+                                          <p:stCondLst>
+                                            <p:cond delay="0"/>
+                                          </p:stCondLst>
+                                        </p:cTn>
+                                        <p:tgtEl>
+                                          <p:spTgt spid="3">
+                                            <p:txEl>
+                                              <p:pRg st="1" end="1"/>
+                                            </p:txEl>
+                                          </p:spTgt>
+                                        </p:tgtEl>
+                                        <p:attrNameLst>
+                                          <p:attrName>style.visibility</p:attrName>
+                                        </p:attrNameLst>
+                                      </p:cBhvr>
+                                      <p:to>
+                                        <p:strVal val="visible"/>
+                                      </p:to>
+                                    </p:set>
+                                  </p:childTnLst>
+                                </p:cTn>
+                              </p:par>
+                            </p:childTnLst>
+                          </p:cTn>
+                        </p:par>
+                      </p:childTnLst>
+                    </p:cTn>
+                  </p:par>
+                  <p:par>
+                    <p:cTn id="11" fill="hold">
+                      <p:stCondLst>
+                        <p:cond delay="indefinite"/>
+                      </p:stCondLst>
+                      <p:childTnLst>
+                        <p:par>
+                          <p:cTn id="12" fill="hold">
+                            <p:stCondLst>
+                              <p:cond delay="0"/>
+                            </p:stCondLst>
+                            <p:childTnLst>
+                              <p:par>
+                                <p:cTn id="13" presetID="1" presetClass="entr" presetSubtype="0" fill="hold" nodeType="clickEffect">
+                                  <p:stCondLst>
+                                    <p:cond delay="0"/>
+                                  </p:stCondLst>
+                                  <p:childTnLst>
+                                    <p:set>
+                                      <p:cBhvr>
+                                        <p:cTn id="14" dur="1" fill="hold">
+                                          <p:stCondLst>
+                                            <p:cond delay="0"/>
+                                          </p:stCondLst>
+                                        </p:cTn>
+                                        <p:tgtEl>
+                                          <p:spTgt spid="3">
+                                            <p:txEl>
+                                              <p:pRg st="2" end="2"/>
+                                            </p:txEl>
+                                          </p:spTgt>
+                                        </p:tgtEl>
+                                        <p:attrNameLst>
+                                          <p:attrName>style.visibility</p:attrName>
+                                        </p:attrNameLst>
+                                      </p:cBhvr>
+                                      <p:to>
+                                        <p:strVal val="visible"/>
+                                      </p:to>
+                                    </p:set>
+                                  </p:childTnLst>
+                                </p:cTn>
+                              </p:par>
+                            </p:childTnLst>
+                          </p:cTn>
+                        </p:par>
+                      </p:childTnLst>
+                    </p:cTn>
+                  </p:par>
+                  <p:par>
+                    <p:cTn id="15" fill="hold">
+                      <p:stCondLst>
+                        <p:cond delay="indefinite"/>
+                      </p:stCondLst>
+                      <p:childTnLst>
+                        <p:par>
+                          <p:cTn id="16" fill="hold">
+                            <p:stCondLst>
+                              <p:cond delay="0"/>
+                            </p:stCondLst>
+                            <p:childTnLst>
+                              <p:par>
+                                <p:cTn id="17" presetID="1" presetClass="entr" presetSubtype="0" fill="hold" nodeType="clickEffect">
+                                  <p:stCondLst>
+                                    <p:cond delay="0"/>
+                                  </p:stCondLst>
+                                  <p:childTnLst>
+                                    <p:set>
+                                      <p:cBhvr>
+                                        <p:cTn id="18" dur="1" fill="hold">
+                                          <p:stCondLst>
+                                            <p:cond delay="0"/>
+                                          </p:stCondLst>
+                                        </p:cTn>
+                                        <p:tgtEl>
+                                          <p:spTgt spid="3">
+                                            <p:txEl>
+                                              <p:pRg st="3" end="3"/>
+                                            </p:txEl>
+                                          </p:spTgt>
+                                        </p:tgtEl>
+                                        <p:attrNameLst>
+                                          <p:attrName>style.visibility</p:attrName>
+                                        </p:attrNameLst>
+                                      </p:cBhvr>
+                                      <p:to>
+                                        <p:strVal val="visible"/>
+                                      </p:to>
+                                    </p:set>
+                                  </p:childTnLst>
+                                </p:cTn>
+                              </p:par>
+                            </p:childTnLst>
+                          </p:cTn>
+                        </p:par>
+                      </p:childTnLst>
+                    </p:cTn>
+                  </p:par>
+                </p:childTnLst>
+              </p:cTn>
+              <p:prevCondLst>
+                <p:cond evt="onPrev" delay="0">
+                  <p:tgtEl>
+                    <p:sldTgt/>
+                  </p:tgtEl>
+                </p:cond>
+              </p:prevCondLst>
+              <p:nextCondLst>
+                <p:cond evt="onNext" delay="0">
+                  <p:tgtEl>
+                    <p:sldTgt/>
+                  </p:tgtEl>
+                </p:cond>
+              </p:nextCondLst>
+            </p:seq>
+          </p:childTnLst>
+        </p:cTn>
+      </p:par>
+    </p:tnLst>
+  </p:timing>
 </p:sld>
 </file>
 
@@ -4822,6 +5806,18 @@
   <p:clrMapOvr>
     <a:masterClrMapping/>
   </p:clrMapOvr>
+  <mc:AlternateContent xmlns:mc="http://schemas.openxmlformats.org/markup-compatibility/2006">
+    <mc:Choice xmlns:p14="http://schemas.microsoft.com/office/powerpoint/2010/main" Requires="p14">
+      <p:transition spd="med" p14:dur="700">
+        <p:fade/>
+      </p:transition>
+    </mc:Choice>
+    <mc:Fallback>
+      <p:transition spd="med">
+        <p:fade/>
+      </p:transition>
+    </mc:Fallback>
+  </mc:AlternateContent>
 </p:sld>
 </file>
 
@@ -5029,6 +6025,195 @@
   <p:clrMapOvr>
     <a:masterClrMapping/>
   </p:clrMapOvr>
+  <mc:AlternateContent xmlns:mc="http://schemas.openxmlformats.org/markup-compatibility/2006">
+    <mc:Choice xmlns:p14="http://schemas.microsoft.com/office/powerpoint/2010/main" Requires="p14">
+      <p:transition spd="med" p14:dur="700">
+        <p:fade/>
+      </p:transition>
+    </mc:Choice>
+    <mc:Fallback>
+      <p:transition spd="med">
+        <p:fade/>
+      </p:transition>
+    </mc:Fallback>
+  </mc:AlternateContent>
+  <p:timing>
+    <p:tnLst>
+      <p:par>
+        <p:cTn id="1" dur="indefinite" restart="never" nodeType="tmRoot">
+          <p:childTnLst>
+            <p:seq concurrent="1" nextAc="seek">
+              <p:cTn id="2" dur="indefinite" nodeType="mainSeq">
+                <p:childTnLst>
+                  <p:par>
+                    <p:cTn id="3" fill="hold">
+                      <p:stCondLst>
+                        <p:cond delay="indefinite"/>
+                      </p:stCondLst>
+                      <p:childTnLst>
+                        <p:par>
+                          <p:cTn id="4" fill="hold">
+                            <p:stCondLst>
+                              <p:cond delay="0"/>
+                            </p:stCondLst>
+                            <p:childTnLst>
+                              <p:par>
+                                <p:cTn id="5" presetID="1" presetClass="entr" presetSubtype="0" fill="hold" nodeType="clickEffect">
+                                  <p:stCondLst>
+                                    <p:cond delay="0"/>
+                                  </p:stCondLst>
+                                  <p:childTnLst>
+                                    <p:set>
+                                      <p:cBhvr>
+                                        <p:cTn id="6" dur="1" fill="hold">
+                                          <p:stCondLst>
+                                            <p:cond delay="0"/>
+                                          </p:stCondLst>
+                                        </p:cTn>
+                                        <p:tgtEl>
+                                          <p:spTgt spid="3">
+                                            <p:txEl>
+                                              <p:pRg st="0" end="0"/>
+                                            </p:txEl>
+                                          </p:spTgt>
+                                        </p:tgtEl>
+                                        <p:attrNameLst>
+                                          <p:attrName>style.visibility</p:attrName>
+                                        </p:attrNameLst>
+                                      </p:cBhvr>
+                                      <p:to>
+                                        <p:strVal val="visible"/>
+                                      </p:to>
+                                    </p:set>
+                                  </p:childTnLst>
+                                </p:cTn>
+                              </p:par>
+                            </p:childTnLst>
+                          </p:cTn>
+                        </p:par>
+                      </p:childTnLst>
+                    </p:cTn>
+                  </p:par>
+                  <p:par>
+                    <p:cTn id="7" fill="hold">
+                      <p:stCondLst>
+                        <p:cond delay="indefinite"/>
+                      </p:stCondLst>
+                      <p:childTnLst>
+                        <p:par>
+                          <p:cTn id="8" fill="hold">
+                            <p:stCondLst>
+                              <p:cond delay="0"/>
+                            </p:stCondLst>
+                            <p:childTnLst>
+                              <p:par>
+                                <p:cTn id="9" presetID="1" presetClass="entr" presetSubtype="0" fill="hold" nodeType="clickEffect">
+                                  <p:stCondLst>
+                                    <p:cond delay="0"/>
+                                  </p:stCondLst>
+                                  <p:childTnLst>
+                                    <p:set>
+                                      <p:cBhvr>
+                                        <p:cTn id="10" dur="1" fill="hold">
+                                          <p:stCondLst>
+                                            <p:cond delay="0"/>
+                                          </p:stCondLst>
+                                        </p:cTn>
+                                        <p:tgtEl>
+                                          <p:spTgt spid="3">
+                                            <p:txEl>
+                                              <p:pRg st="1" end="1"/>
+                                            </p:txEl>
+                                          </p:spTgt>
+                                        </p:tgtEl>
+                                        <p:attrNameLst>
+                                          <p:attrName>style.visibility</p:attrName>
+                                        </p:attrNameLst>
+                                      </p:cBhvr>
+                                      <p:to>
+                                        <p:strVal val="visible"/>
+                                      </p:to>
+                                    </p:set>
+                                  </p:childTnLst>
+                                </p:cTn>
+                              </p:par>
+                            </p:childTnLst>
+                          </p:cTn>
+                        </p:par>
+                      </p:childTnLst>
+                    </p:cTn>
+                  </p:par>
+                  <p:par>
+                    <p:cTn id="11" fill="hold">
+                      <p:stCondLst>
+                        <p:cond delay="indefinite"/>
+                      </p:stCondLst>
+                      <p:childTnLst>
+                        <p:par>
+                          <p:cTn id="12" fill="hold">
+                            <p:stCondLst>
+                              <p:cond delay="0"/>
+                            </p:stCondLst>
+                            <p:childTnLst>
+                              <p:par>
+                                <p:cTn id="13" presetID="1" presetClass="entr" presetSubtype="0" fill="hold" nodeType="clickEffect">
+                                  <p:stCondLst>
+                                    <p:cond delay="0"/>
+                                  </p:stCondLst>
+                                  <p:childTnLst>
+                                    <p:set>
+                                      <p:cBhvr>
+                                        <p:cTn id="14" dur="1" fill="hold">
+                                          <p:stCondLst>
+                                            <p:cond delay="0"/>
+                                          </p:stCondLst>
+                                        </p:cTn>
+                                        <p:tgtEl>
+                                          <p:spTgt spid="3">
+                                            <p:txEl>
+                                              <p:pRg st="2" end="2"/>
+                                            </p:txEl>
+                                          </p:spTgt>
+                                        </p:tgtEl>
+                                        <p:attrNameLst>
+                                          <p:attrName>style.visibility</p:attrName>
+                                        </p:attrNameLst>
+                                      </p:cBhvr>
+                                      <p:to>
+                                        <p:strVal val="visible"/>
+                                      </p:to>
+                                    </p:set>
+                                  </p:childTnLst>
+                                </p:cTn>
+                              </p:par>
+                            </p:childTnLst>
+                          </p:cTn>
+                        </p:par>
+                      </p:childTnLst>
+                    </p:cTn>
+                  </p:par>
+                </p:childTnLst>
+              </p:cTn>
+              <p:prevCondLst>
+                <p:cond evt="onPrev" delay="0">
+                  <p:tgtEl>
+                    <p:sldTgt/>
+                  </p:tgtEl>
+                </p:cond>
+              </p:prevCondLst>
+              <p:nextCondLst>
+                <p:cond evt="onNext" delay="0">
+                  <p:tgtEl>
+                    <p:sldTgt/>
+                  </p:tgtEl>
+                </p:cond>
+              </p:nextCondLst>
+            </p:seq>
+          </p:childTnLst>
+        </p:cTn>
+      </p:par>
+    </p:tnLst>
+  </p:timing>
 </p:sld>
 </file>
 
@@ -5233,6 +6418,342 @@
   <p:clrMapOvr>
     <a:masterClrMapping/>
   </p:clrMapOvr>
+  <mc:AlternateContent xmlns:mc="http://schemas.openxmlformats.org/markup-compatibility/2006">
+    <mc:Choice xmlns:p14="http://schemas.microsoft.com/office/powerpoint/2010/main" Requires="p14">
+      <p:transition spd="med" p14:dur="700">
+        <p:fade/>
+      </p:transition>
+    </mc:Choice>
+    <mc:Fallback>
+      <p:transition spd="med">
+        <p:fade/>
+      </p:transition>
+    </mc:Fallback>
+  </mc:AlternateContent>
+  <p:timing>
+    <p:tnLst>
+      <p:par>
+        <p:cTn id="1" dur="indefinite" restart="never" nodeType="tmRoot">
+          <p:childTnLst>
+            <p:seq concurrent="1" nextAc="seek">
+              <p:cTn id="2" dur="indefinite" nodeType="mainSeq">
+                <p:childTnLst>
+                  <p:par>
+                    <p:cTn id="3" fill="hold">
+                      <p:stCondLst>
+                        <p:cond delay="indefinite"/>
+                      </p:stCondLst>
+                      <p:childTnLst>
+                        <p:par>
+                          <p:cTn id="4" fill="hold">
+                            <p:stCondLst>
+                              <p:cond delay="0"/>
+                            </p:stCondLst>
+                            <p:childTnLst>
+                              <p:par>
+                                <p:cTn id="5" presetID="1" presetClass="entr" presetSubtype="0" fill="hold" nodeType="clickEffect">
+                                  <p:stCondLst>
+                                    <p:cond delay="0"/>
+                                  </p:stCondLst>
+                                  <p:childTnLst>
+                                    <p:set>
+                                      <p:cBhvr>
+                                        <p:cTn id="6" dur="1" fill="hold">
+                                          <p:stCondLst>
+                                            <p:cond delay="0"/>
+                                          </p:stCondLst>
+                                        </p:cTn>
+                                        <p:tgtEl>
+                                          <p:spTgt spid="3">
+                                            <p:txEl>
+                                              <p:pRg st="0" end="0"/>
+                                            </p:txEl>
+                                          </p:spTgt>
+                                        </p:tgtEl>
+                                        <p:attrNameLst>
+                                          <p:attrName>style.visibility</p:attrName>
+                                        </p:attrNameLst>
+                                      </p:cBhvr>
+                                      <p:to>
+                                        <p:strVal val="visible"/>
+                                      </p:to>
+                                    </p:set>
+                                  </p:childTnLst>
+                                </p:cTn>
+                              </p:par>
+                            </p:childTnLst>
+                          </p:cTn>
+                        </p:par>
+                      </p:childTnLst>
+                    </p:cTn>
+                  </p:par>
+                  <p:par>
+                    <p:cTn id="7" fill="hold">
+                      <p:stCondLst>
+                        <p:cond delay="indefinite"/>
+                      </p:stCondLst>
+                      <p:childTnLst>
+                        <p:par>
+                          <p:cTn id="8" fill="hold">
+                            <p:stCondLst>
+                              <p:cond delay="0"/>
+                            </p:stCondLst>
+                            <p:childTnLst>
+                              <p:par>
+                                <p:cTn id="9" presetID="1" presetClass="entr" presetSubtype="0" fill="hold" nodeType="clickEffect">
+                                  <p:stCondLst>
+                                    <p:cond delay="0"/>
+                                  </p:stCondLst>
+                                  <p:childTnLst>
+                                    <p:set>
+                                      <p:cBhvr>
+                                        <p:cTn id="10" dur="1" fill="hold">
+                                          <p:stCondLst>
+                                            <p:cond delay="0"/>
+                                          </p:stCondLst>
+                                        </p:cTn>
+                                        <p:tgtEl>
+                                          <p:spTgt spid="3">
+                                            <p:txEl>
+                                              <p:pRg st="1" end="1"/>
+                                            </p:txEl>
+                                          </p:spTgt>
+                                        </p:tgtEl>
+                                        <p:attrNameLst>
+                                          <p:attrName>style.visibility</p:attrName>
+                                        </p:attrNameLst>
+                                      </p:cBhvr>
+                                      <p:to>
+                                        <p:strVal val="visible"/>
+                                      </p:to>
+                                    </p:set>
+                                  </p:childTnLst>
+                                </p:cTn>
+                              </p:par>
+                            </p:childTnLst>
+                          </p:cTn>
+                        </p:par>
+                      </p:childTnLst>
+                    </p:cTn>
+                  </p:par>
+                  <p:par>
+                    <p:cTn id="11" fill="hold">
+                      <p:stCondLst>
+                        <p:cond delay="indefinite"/>
+                      </p:stCondLst>
+                      <p:childTnLst>
+                        <p:par>
+                          <p:cTn id="12" fill="hold">
+                            <p:stCondLst>
+                              <p:cond delay="0"/>
+                            </p:stCondLst>
+                            <p:childTnLst>
+                              <p:par>
+                                <p:cTn id="13" presetID="1" presetClass="entr" presetSubtype="0" fill="hold" nodeType="clickEffect">
+                                  <p:stCondLst>
+                                    <p:cond delay="0"/>
+                                  </p:stCondLst>
+                                  <p:childTnLst>
+                                    <p:set>
+                                      <p:cBhvr>
+                                        <p:cTn id="14" dur="1" fill="hold">
+                                          <p:stCondLst>
+                                            <p:cond delay="0"/>
+                                          </p:stCondLst>
+                                        </p:cTn>
+                                        <p:tgtEl>
+                                          <p:spTgt spid="3">
+                                            <p:txEl>
+                                              <p:pRg st="2" end="2"/>
+                                            </p:txEl>
+                                          </p:spTgt>
+                                        </p:tgtEl>
+                                        <p:attrNameLst>
+                                          <p:attrName>style.visibility</p:attrName>
+                                        </p:attrNameLst>
+                                      </p:cBhvr>
+                                      <p:to>
+                                        <p:strVal val="visible"/>
+                                      </p:to>
+                                    </p:set>
+                                  </p:childTnLst>
+                                </p:cTn>
+                              </p:par>
+                            </p:childTnLst>
+                          </p:cTn>
+                        </p:par>
+                      </p:childTnLst>
+                    </p:cTn>
+                  </p:par>
+                  <p:par>
+                    <p:cTn id="15" fill="hold">
+                      <p:stCondLst>
+                        <p:cond delay="indefinite"/>
+                      </p:stCondLst>
+                      <p:childTnLst>
+                        <p:par>
+                          <p:cTn id="16" fill="hold">
+                            <p:stCondLst>
+                              <p:cond delay="0"/>
+                            </p:stCondLst>
+                            <p:childTnLst>
+                              <p:par>
+                                <p:cTn id="17" presetID="1" presetClass="entr" presetSubtype="0" fill="hold" nodeType="clickEffect">
+                                  <p:stCondLst>
+                                    <p:cond delay="0"/>
+                                  </p:stCondLst>
+                                  <p:childTnLst>
+                                    <p:set>
+                                      <p:cBhvr>
+                                        <p:cTn id="18" dur="1" fill="hold">
+                                          <p:stCondLst>
+                                            <p:cond delay="0"/>
+                                          </p:stCondLst>
+                                        </p:cTn>
+                                        <p:tgtEl>
+                                          <p:spTgt spid="3">
+                                            <p:txEl>
+                                              <p:pRg st="3" end="3"/>
+                                            </p:txEl>
+                                          </p:spTgt>
+                                        </p:tgtEl>
+                                        <p:attrNameLst>
+                                          <p:attrName>style.visibility</p:attrName>
+                                        </p:attrNameLst>
+                                      </p:cBhvr>
+                                      <p:to>
+                                        <p:strVal val="visible"/>
+                                      </p:to>
+                                    </p:set>
+                                  </p:childTnLst>
+                                </p:cTn>
+                              </p:par>
+                            </p:childTnLst>
+                          </p:cTn>
+                        </p:par>
+                      </p:childTnLst>
+                    </p:cTn>
+                  </p:par>
+                  <p:par>
+                    <p:cTn id="19" fill="hold">
+                      <p:stCondLst>
+                        <p:cond delay="indefinite"/>
+                      </p:stCondLst>
+                      <p:childTnLst>
+                        <p:par>
+                          <p:cTn id="20" fill="hold">
+                            <p:stCondLst>
+                              <p:cond delay="0"/>
+                            </p:stCondLst>
+                            <p:childTnLst>
+                              <p:par>
+                                <p:cTn id="21" presetID="1" presetClass="entr" presetSubtype="0" fill="hold" nodeType="clickEffect">
+                                  <p:stCondLst>
+                                    <p:cond delay="0"/>
+                                  </p:stCondLst>
+                                  <p:childTnLst>
+                                    <p:set>
+                                      <p:cBhvr>
+                                        <p:cTn id="22" dur="1" fill="hold">
+                                          <p:stCondLst>
+                                            <p:cond delay="0"/>
+                                          </p:stCondLst>
+                                        </p:cTn>
+                                        <p:tgtEl>
+                                          <p:spTgt spid="3">
+                                            <p:txEl>
+                                              <p:pRg st="4" end="4"/>
+                                            </p:txEl>
+                                          </p:spTgt>
+                                        </p:tgtEl>
+                                        <p:attrNameLst>
+                                          <p:attrName>style.visibility</p:attrName>
+                                        </p:attrNameLst>
+                                      </p:cBhvr>
+                                      <p:to>
+                                        <p:strVal val="visible"/>
+                                      </p:to>
+                                    </p:set>
+                                  </p:childTnLst>
+                                </p:cTn>
+                              </p:par>
+                            </p:childTnLst>
+                          </p:cTn>
+                        </p:par>
+                      </p:childTnLst>
+                    </p:cTn>
+                  </p:par>
+                  <p:par>
+                    <p:cTn id="23" fill="hold">
+                      <p:stCondLst>
+                        <p:cond delay="indefinite"/>
+                      </p:stCondLst>
+                      <p:childTnLst>
+                        <p:par>
+                          <p:cTn id="24" fill="hold">
+                            <p:stCondLst>
+                              <p:cond delay="0"/>
+                            </p:stCondLst>
+                            <p:childTnLst>
+                              <p:par>
+                                <p:cTn id="25" presetID="1" presetClass="entr" presetSubtype="0" fill="hold" nodeType="clickEffect">
+                                  <p:stCondLst>
+                                    <p:cond delay="0"/>
+                                  </p:stCondLst>
+                                  <p:childTnLst>
+                                    <p:set>
+                                      <p:cBhvr>
+                                        <p:cTn id="26" dur="1" fill="hold">
+                                          <p:stCondLst>
+                                            <p:cond delay="0"/>
+                                          </p:stCondLst>
+                                        </p:cTn>
+                                        <p:tgtEl>
+                                          <p:spTgt spid="3">
+                                            <p:txEl>
+                                              <p:pRg st="5" end="5"/>
+                                            </p:txEl>
+                                          </p:spTgt>
+                                        </p:tgtEl>
+                                        <p:attrNameLst>
+                                          <p:attrName>style.visibility</p:attrName>
+                                        </p:attrNameLst>
+                                      </p:cBhvr>
+                                      <p:to>
+                                        <p:strVal val="visible"/>
+                                      </p:to>
+                                    </p:set>
+                                  </p:childTnLst>
+                                </p:cTn>
+                              </p:par>
+                            </p:childTnLst>
+                          </p:cTn>
+                        </p:par>
+                      </p:childTnLst>
+                    </p:cTn>
+                  </p:par>
+                </p:childTnLst>
+              </p:cTn>
+              <p:prevCondLst>
+                <p:cond evt="onPrev" delay="0">
+                  <p:tgtEl>
+                    <p:sldTgt/>
+                  </p:tgtEl>
+                </p:cond>
+              </p:prevCondLst>
+              <p:nextCondLst>
+                <p:cond evt="onNext" delay="0">
+                  <p:tgtEl>
+                    <p:sldTgt/>
+                  </p:tgtEl>
+                </p:cond>
+              </p:nextCondLst>
+            </p:seq>
+          </p:childTnLst>
+        </p:cTn>
+      </p:par>
+    </p:tnLst>
+  </p:timing>
 </p:sld>
 </file>
 
@@ -5258,15 +6779,15 @@
           <p:cNvPr id="2" name="Titel 1">
             <a:extLst>
               <a:ext uri="{FF2B5EF4-FFF2-40B4-BE49-F238E27FC236}">
-                <a16:creationId xmlns:a16="http://schemas.microsoft.com/office/drawing/2014/main" id="{FB019057-DC11-4A92-B4CE-F7A2878E2CEF}"/>
-              </a:ext>
-            </a:extLst>
-          </p:cNvPr>
-          <p:cNvSpPr>
-            <a:spLocks noGrp="1"/>
-          </p:cNvSpPr>
-          <p:nvPr>
-            <p:ph type="ctrTitle"/>
+                <a16:creationId xmlns:a16="http://schemas.microsoft.com/office/drawing/2014/main" id="{6DDFA5A9-56DA-4B83-88C0-ED500E383334}"/>
+              </a:ext>
+            </a:extLst>
+          </p:cNvPr>
+          <p:cNvSpPr>
+            <a:spLocks noGrp="1"/>
+          </p:cNvSpPr>
+          <p:nvPr>
+            <p:ph type="title"/>
           </p:nvPr>
         </p:nvSpPr>
         <p:spPr/>
@@ -5276,32 +6797,132 @@
           <a:p>
             <a:r>
               <a:rPr lang="de-DE" dirty="0"/>
-              <a:t>Produkteinsatz</a:t>
-            </a:r>
-          </a:p>
-        </p:txBody>
-      </p:sp>
-      <p:sp>
-        <p:nvSpPr>
-          <p:cNvPr id="3" name="Untertitel 2">
-            <a:extLst>
-              <a:ext uri="{FF2B5EF4-FFF2-40B4-BE49-F238E27FC236}">
-                <a16:creationId xmlns:a16="http://schemas.microsoft.com/office/drawing/2014/main" id="{515A448F-B273-4F67-876E-BB9D640B0CE4}"/>
-              </a:ext>
-            </a:extLst>
-          </p:cNvPr>
-          <p:cNvSpPr>
-            <a:spLocks noGrp="1"/>
-          </p:cNvSpPr>
-          <p:nvPr>
-            <p:ph type="subTitle" idx="1"/>
-          </p:nvPr>
-        </p:nvSpPr>
-        <p:spPr/>
-        <p:txBody>
-          <a:bodyPr/>
-          <a:lstStyle/>
-          <a:p>
+              <a:t>Produkteinsatz - Einsatzgebiet</a:t>
+            </a:r>
+          </a:p>
+        </p:txBody>
+      </p:sp>
+      <p:sp>
+        <p:nvSpPr>
+          <p:cNvPr id="3" name="Inhaltsplatzhalter 2">
+            <a:extLst>
+              <a:ext uri="{FF2B5EF4-FFF2-40B4-BE49-F238E27FC236}">
+                <a16:creationId xmlns:a16="http://schemas.microsoft.com/office/drawing/2014/main" id="{5BF5A05D-D2EF-4D93-81EC-AFE38DC5B01C}"/>
+              </a:ext>
+            </a:extLst>
+          </p:cNvPr>
+          <p:cNvSpPr>
+            <a:spLocks noGrp="1"/>
+          </p:cNvSpPr>
+          <p:nvPr>
+            <p:ph idx="1"/>
+          </p:nvPr>
+        </p:nvSpPr>
+        <p:spPr/>
+        <p:txBody>
+          <a:bodyPr/>
+          <a:lstStyle/>
+          <a:p>
+            <a:r>
+              <a:rPr lang="de-DE" dirty="0"/>
+              <a:t>Nutzer will seine eigene Krankenhistorie einsehen</a:t>
+            </a:r>
+          </a:p>
+          <a:p>
+            <a:endParaRPr lang="de-DE" dirty="0"/>
+          </a:p>
+          <a:p>
+            <a:endParaRPr lang="de-DE" dirty="0"/>
+          </a:p>
+          <a:p>
+            <a:r>
+              <a:rPr lang="de-DE" dirty="0"/>
+              <a:t>Arzt soll sich schnell eine Übersicht über die Krankenhistorie eines Patienten machen</a:t>
+            </a:r>
+          </a:p>
+        </p:txBody>
+      </p:sp>
+      <p:sp>
+        <p:nvSpPr>
+          <p:cNvPr id="4" name="Datumsplatzhalter 3">
+            <a:extLst>
+              <a:ext uri="{FF2B5EF4-FFF2-40B4-BE49-F238E27FC236}">
+                <a16:creationId xmlns:a16="http://schemas.microsoft.com/office/drawing/2014/main" id="{C0BEAA42-449B-4102-9EBD-656CAD19E344}"/>
+              </a:ext>
+            </a:extLst>
+          </p:cNvPr>
+          <p:cNvSpPr>
+            <a:spLocks noGrp="1"/>
+          </p:cNvSpPr>
+          <p:nvPr>
+            <p:ph type="dt" sz="half" idx="10"/>
+          </p:nvPr>
+        </p:nvSpPr>
+        <p:spPr/>
+        <p:txBody>
+          <a:bodyPr/>
+          <a:lstStyle/>
+          <a:p>
+            <a:r>
+              <a:rPr lang="de-DE"/>
+              <a:t>28.11.2017</a:t>
+            </a:r>
+          </a:p>
+        </p:txBody>
+      </p:sp>
+      <p:sp>
+        <p:nvSpPr>
+          <p:cNvPr id="5" name="Fußzeilenplatzhalter 4">
+            <a:extLst>
+              <a:ext uri="{FF2B5EF4-FFF2-40B4-BE49-F238E27FC236}">
+                <a16:creationId xmlns:a16="http://schemas.microsoft.com/office/drawing/2014/main" id="{FA137E8E-31E8-4595-B772-D0CB6A4625C0}"/>
+              </a:ext>
+            </a:extLst>
+          </p:cNvPr>
+          <p:cNvSpPr>
+            <a:spLocks noGrp="1"/>
+          </p:cNvSpPr>
+          <p:nvPr>
+            <p:ph type="ftr" sz="quarter" idx="11"/>
+          </p:nvPr>
+        </p:nvSpPr>
+        <p:spPr/>
+        <p:txBody>
+          <a:bodyPr/>
+          <a:lstStyle/>
+          <a:p>
+            <a:r>
+              <a:rPr lang="de-DE"/>
+              <a:t>Philipp Pelcz, Philipp Karcher, Jan-Luca Vettel</a:t>
+            </a:r>
+          </a:p>
+        </p:txBody>
+      </p:sp>
+      <p:sp>
+        <p:nvSpPr>
+          <p:cNvPr id="6" name="Foliennummernplatzhalter 5">
+            <a:extLst>
+              <a:ext uri="{FF2B5EF4-FFF2-40B4-BE49-F238E27FC236}">
+                <a16:creationId xmlns:a16="http://schemas.microsoft.com/office/drawing/2014/main" id="{F6C5DBD0-9364-4D0E-993C-073A1B5AA1B9}"/>
+              </a:ext>
+            </a:extLst>
+          </p:cNvPr>
+          <p:cNvSpPr>
+            <a:spLocks noGrp="1"/>
+          </p:cNvSpPr>
+          <p:nvPr>
+            <p:ph type="sldNum" sz="quarter" idx="12"/>
+          </p:nvPr>
+        </p:nvSpPr>
+        <p:spPr/>
+        <p:txBody>
+          <a:bodyPr/>
+          <a:lstStyle/>
+          <a:p>
+            <a:fld id="{29DAA328-DA35-4708-8EDC-8E46555B465F}" type="slidenum">
+              <a:rPr lang="de-DE" smtClean="0"/>
+              <a:t>16</a:t>
+            </a:fld>
             <a:endParaRPr lang="de-DE"/>
           </a:p>
         </p:txBody>
@@ -5309,13 +6930,153 @@
     </p:spTree>
     <p:extLst>
       <p:ext uri="{BB962C8B-B14F-4D97-AF65-F5344CB8AC3E}">
-        <p14:creationId xmlns:p14="http://schemas.microsoft.com/office/powerpoint/2010/main" val="3106933046"/>
+        <p14:creationId xmlns:p14="http://schemas.microsoft.com/office/powerpoint/2010/main" val="618352351"/>
       </p:ext>
     </p:extLst>
   </p:cSld>
   <p:clrMapOvr>
     <a:masterClrMapping/>
   </p:clrMapOvr>
+  <mc:AlternateContent xmlns:mc="http://schemas.openxmlformats.org/markup-compatibility/2006">
+    <mc:Choice xmlns:p14="http://schemas.microsoft.com/office/powerpoint/2010/main" Requires="p14">
+      <p:transition spd="med" p14:dur="700">
+        <p:fade/>
+      </p:transition>
+    </mc:Choice>
+    <mc:Fallback>
+      <p:transition spd="med">
+        <p:fade/>
+      </p:transition>
+    </mc:Fallback>
+  </mc:AlternateContent>
+  <p:timing>
+    <p:tnLst>
+      <p:par>
+        <p:cTn id="1" dur="indefinite" restart="never" nodeType="tmRoot">
+          <p:childTnLst>
+            <p:seq concurrent="1" nextAc="seek">
+              <p:cTn id="2" dur="indefinite" nodeType="mainSeq">
+                <p:childTnLst>
+                  <p:par>
+                    <p:cTn id="3" fill="hold">
+                      <p:stCondLst>
+                        <p:cond delay="indefinite"/>
+                      </p:stCondLst>
+                      <p:childTnLst>
+                        <p:par>
+                          <p:cTn id="4" fill="hold">
+                            <p:stCondLst>
+                              <p:cond delay="0"/>
+                            </p:stCondLst>
+                            <p:childTnLst>
+                              <p:par>
+                                <p:cTn id="5" presetID="1" presetClass="entr" presetSubtype="0" fill="hold" nodeType="clickEffect">
+                                  <p:stCondLst>
+                                    <p:cond delay="0"/>
+                                  </p:stCondLst>
+                                  <p:childTnLst>
+                                    <p:set>
+                                      <p:cBhvr>
+                                        <p:cTn id="6" dur="1" fill="hold">
+                                          <p:stCondLst>
+                                            <p:cond delay="0"/>
+                                          </p:stCondLst>
+                                        </p:cTn>
+                                        <p:tgtEl>
+                                          <p:spTgt spid="3">
+                                            <p:txEl>
+                                              <p:pRg st="0" end="0"/>
+                                            </p:txEl>
+                                          </p:spTgt>
+                                        </p:tgtEl>
+                                        <p:attrNameLst>
+                                          <p:attrName>style.visibility</p:attrName>
+                                        </p:attrNameLst>
+                                      </p:cBhvr>
+                                      <p:to>
+                                        <p:strVal val="visible"/>
+                                      </p:to>
+                                    </p:set>
+                                  </p:childTnLst>
+                                </p:cTn>
+                              </p:par>
+                            </p:childTnLst>
+                          </p:cTn>
+                        </p:par>
+                      </p:childTnLst>
+                    </p:cTn>
+                  </p:par>
+                  <p:par>
+                    <p:cTn id="7" fill="hold">
+                      <p:stCondLst>
+                        <p:cond delay="indefinite"/>
+                      </p:stCondLst>
+                      <p:childTnLst>
+                        <p:par>
+                          <p:cTn id="8" fill="hold">
+                            <p:stCondLst>
+                              <p:cond delay="0"/>
+                            </p:stCondLst>
+                            <p:childTnLst>
+                              <p:par>
+                                <p:cTn id="9" presetID="1" presetClass="entr" presetSubtype="0" fill="hold" nodeType="clickEffect">
+                                  <p:stCondLst>
+                                    <p:cond delay="0"/>
+                                  </p:stCondLst>
+                                  <p:childTnLst>
+                                    <p:set>
+                                      <p:cBhvr>
+                                        <p:cTn id="10" dur="1" fill="hold">
+                                          <p:stCondLst>
+                                            <p:cond delay="0"/>
+                                          </p:stCondLst>
+                                        </p:cTn>
+                                        <p:tgtEl>
+                                          <p:spTgt spid="3">
+                                            <p:txEl>
+                                              <p:pRg st="3" end="3"/>
+                                            </p:txEl>
+                                          </p:spTgt>
+                                        </p:tgtEl>
+                                        <p:attrNameLst>
+                                          <p:attrName>style.visibility</p:attrName>
+                                        </p:attrNameLst>
+                                      </p:cBhvr>
+                                      <p:to>
+                                        <p:strVal val="visible"/>
+                                      </p:to>
+                                    </p:set>
+                                  </p:childTnLst>
+                                </p:cTn>
+                              </p:par>
+                            </p:childTnLst>
+                          </p:cTn>
+                        </p:par>
+                      </p:childTnLst>
+                    </p:cTn>
+                  </p:par>
+                </p:childTnLst>
+              </p:cTn>
+              <p:prevCondLst>
+                <p:cond evt="onPrev" delay="0">
+                  <p:tgtEl>
+                    <p:sldTgt/>
+                  </p:tgtEl>
+                </p:cond>
+              </p:prevCondLst>
+              <p:nextCondLst>
+                <p:cond evt="onNext" delay="0">
+                  <p:tgtEl>
+                    <p:sldTgt/>
+                  </p:tgtEl>
+                </p:cond>
+              </p:nextCondLst>
+            </p:seq>
+          </p:childTnLst>
+        </p:cTn>
+      </p:par>
+    </p:tnLst>
+  </p:timing>
 </p:sld>
 </file>
 
@@ -5341,7 +7102,7 @@
           <p:cNvPr id="2" name="Titel 1">
             <a:extLst>
               <a:ext uri="{FF2B5EF4-FFF2-40B4-BE49-F238E27FC236}">
-                <a16:creationId xmlns:a16="http://schemas.microsoft.com/office/drawing/2014/main" id="{6DDFA5A9-56DA-4B83-88C0-ED500E383334}"/>
+                <a16:creationId xmlns:a16="http://schemas.microsoft.com/office/drawing/2014/main" id="{2ED9B102-D75D-409B-AE7D-62FD9710993F}"/>
               </a:ext>
             </a:extLst>
           </p:cNvPr>
@@ -5359,7 +7120,7 @@
           <a:p>
             <a:r>
               <a:rPr lang="de-DE" dirty="0"/>
-              <a:t>Produkteinsatz - Einsatzgebiet</a:t>
+              <a:t>Produkteinsatz - Produktumgebung</a:t>
             </a:r>
           </a:p>
         </p:txBody>
@@ -5369,7 +7130,7 @@
           <p:cNvPr id="3" name="Inhaltsplatzhalter 2">
             <a:extLst>
               <a:ext uri="{FF2B5EF4-FFF2-40B4-BE49-F238E27FC236}">
-                <a16:creationId xmlns:a16="http://schemas.microsoft.com/office/drawing/2014/main" id="{5BF5A05D-D2EF-4D93-81EC-AFE38DC5B01C}"/>
+                <a16:creationId xmlns:a16="http://schemas.microsoft.com/office/drawing/2014/main" id="{D8FDB340-4804-44FF-9D19-D9A363DE906F}"/>
               </a:ext>
             </a:extLst>
           </p:cNvPr>
@@ -5387,19 +7148,49 @@
           <a:p>
             <a:r>
               <a:rPr lang="de-DE" dirty="0"/>
-              <a:t>Nutzer will seine eigene Krankenhistorie einsehen</a:t>
-            </a:r>
-          </a:p>
-          <a:p>
+              <a:t>myMD App</a:t>
+            </a:r>
+          </a:p>
+          <a:p>
+            <a:pPr lvl="1"/>
+            <a:r>
+              <a:rPr lang="de-DE" dirty="0"/>
+              <a:t>Android 6.0 (und höher)</a:t>
+            </a:r>
+          </a:p>
+          <a:p>
+            <a:pPr lvl="1"/>
+            <a:r>
+              <a:rPr lang="de-DE" dirty="0"/>
+              <a:t>iOS 10 (und höher)</a:t>
+            </a:r>
+          </a:p>
+          <a:p>
+            <a:pPr lvl="1"/>
             <a:endParaRPr lang="de-DE" dirty="0"/>
           </a:p>
           <a:p>
-            <a:endParaRPr lang="de-DE" dirty="0"/>
-          </a:p>
-          <a:p>
             <a:r>
               <a:rPr lang="de-DE" dirty="0"/>
-              <a:t>Arzt soll sich schnell eine Übersicht über die Krankenhistorie eines Patienten machen</a:t>
+              <a:t>Desktop Anwendung</a:t>
+            </a:r>
+          </a:p>
+          <a:p>
+            <a:pPr lvl="1"/>
+            <a:r>
+              <a:rPr lang="de-DE" dirty="0"/>
+              <a:t>Windows 10</a:t>
+            </a:r>
+          </a:p>
+          <a:p>
+            <a:pPr lvl="1"/>
+            <a:r>
+              <a:rPr lang="de-DE" dirty="0" err="1"/>
+              <a:t>macOS</a:t>
+            </a:r>
+            <a:r>
+              <a:rPr lang="de-DE" dirty="0"/>
+              <a:t> 10.12 (und höher)</a:t>
             </a:r>
           </a:p>
         </p:txBody>
@@ -5409,7 +7200,7 @@
           <p:cNvPr id="4" name="Datumsplatzhalter 3">
             <a:extLst>
               <a:ext uri="{FF2B5EF4-FFF2-40B4-BE49-F238E27FC236}">
-                <a16:creationId xmlns:a16="http://schemas.microsoft.com/office/drawing/2014/main" id="{C0BEAA42-449B-4102-9EBD-656CAD19E344}"/>
+                <a16:creationId xmlns:a16="http://schemas.microsoft.com/office/drawing/2014/main" id="{8794788E-4F4F-49A5-A4D7-88994F883EFC}"/>
               </a:ext>
             </a:extLst>
           </p:cNvPr>
@@ -5437,7 +7228,7 @@
           <p:cNvPr id="5" name="Fußzeilenplatzhalter 4">
             <a:extLst>
               <a:ext uri="{FF2B5EF4-FFF2-40B4-BE49-F238E27FC236}">
-                <a16:creationId xmlns:a16="http://schemas.microsoft.com/office/drawing/2014/main" id="{FA137E8E-31E8-4595-B772-D0CB6A4625C0}"/>
+                <a16:creationId xmlns:a16="http://schemas.microsoft.com/office/drawing/2014/main" id="{DDE5866E-10BE-4511-92D1-7B9F7F0E4F80}"/>
               </a:ext>
             </a:extLst>
           </p:cNvPr>
@@ -5465,7 +7256,7 @@
           <p:cNvPr id="6" name="Foliennummernplatzhalter 5">
             <a:extLst>
               <a:ext uri="{FF2B5EF4-FFF2-40B4-BE49-F238E27FC236}">
-                <a16:creationId xmlns:a16="http://schemas.microsoft.com/office/drawing/2014/main" id="{F6C5DBD0-9364-4D0E-993C-073A1B5AA1B9}"/>
+                <a16:creationId xmlns:a16="http://schemas.microsoft.com/office/drawing/2014/main" id="{11FA4389-F4B3-44B7-8087-442F23285109}"/>
               </a:ext>
             </a:extLst>
           </p:cNvPr>
@@ -5492,13 +7283,295 @@
     </p:spTree>
     <p:extLst>
       <p:ext uri="{BB962C8B-B14F-4D97-AF65-F5344CB8AC3E}">
-        <p14:creationId xmlns:p14="http://schemas.microsoft.com/office/powerpoint/2010/main" val="618352351"/>
+        <p14:creationId xmlns:p14="http://schemas.microsoft.com/office/powerpoint/2010/main" val="2558961221"/>
       </p:ext>
     </p:extLst>
   </p:cSld>
   <p:clrMapOvr>
     <a:masterClrMapping/>
   </p:clrMapOvr>
+  <mc:AlternateContent xmlns:mc="http://schemas.openxmlformats.org/markup-compatibility/2006">
+    <mc:Choice xmlns:p14="http://schemas.microsoft.com/office/powerpoint/2010/main" Requires="p14">
+      <p:transition spd="med" p14:dur="700">
+        <p:fade/>
+      </p:transition>
+    </mc:Choice>
+    <mc:Fallback>
+      <p:transition spd="med">
+        <p:fade/>
+      </p:transition>
+    </mc:Fallback>
+  </mc:AlternateContent>
+  <p:timing>
+    <p:tnLst>
+      <p:par>
+        <p:cTn id="1" dur="indefinite" restart="never" nodeType="tmRoot">
+          <p:childTnLst>
+            <p:seq concurrent="1" nextAc="seek">
+              <p:cTn id="2" dur="indefinite" nodeType="mainSeq">
+                <p:childTnLst>
+                  <p:par>
+                    <p:cTn id="3" fill="hold">
+                      <p:stCondLst>
+                        <p:cond delay="indefinite"/>
+                      </p:stCondLst>
+                      <p:childTnLst>
+                        <p:par>
+                          <p:cTn id="4" fill="hold">
+                            <p:stCondLst>
+                              <p:cond delay="0"/>
+                            </p:stCondLst>
+                            <p:childTnLst>
+                              <p:par>
+                                <p:cTn id="5" presetID="1" presetClass="entr" presetSubtype="0" fill="hold" nodeType="clickEffect">
+                                  <p:stCondLst>
+                                    <p:cond delay="0"/>
+                                  </p:stCondLst>
+                                  <p:childTnLst>
+                                    <p:set>
+                                      <p:cBhvr>
+                                        <p:cTn id="6" dur="1" fill="hold">
+                                          <p:stCondLst>
+                                            <p:cond delay="0"/>
+                                          </p:stCondLst>
+                                        </p:cTn>
+                                        <p:tgtEl>
+                                          <p:spTgt spid="3">
+                                            <p:txEl>
+                                              <p:pRg st="0" end="0"/>
+                                            </p:txEl>
+                                          </p:spTgt>
+                                        </p:tgtEl>
+                                        <p:attrNameLst>
+                                          <p:attrName>style.visibility</p:attrName>
+                                        </p:attrNameLst>
+                                      </p:cBhvr>
+                                      <p:to>
+                                        <p:strVal val="visible"/>
+                                      </p:to>
+                                    </p:set>
+                                  </p:childTnLst>
+                                </p:cTn>
+                              </p:par>
+                              <p:par>
+                                <p:cTn id="7" presetID="1" presetClass="entr" presetSubtype="0" fill="hold" nodeType="withEffect">
+                                  <p:stCondLst>
+                                    <p:cond delay="0"/>
+                                  </p:stCondLst>
+                                  <p:childTnLst>
+                                    <p:set>
+                                      <p:cBhvr>
+                                        <p:cTn id="8" dur="1" fill="hold">
+                                          <p:stCondLst>
+                                            <p:cond delay="0"/>
+                                          </p:stCondLst>
+                                        </p:cTn>
+                                        <p:tgtEl>
+                                          <p:spTgt spid="3">
+                                            <p:txEl>
+                                              <p:pRg st="4" end="4"/>
+                                            </p:txEl>
+                                          </p:spTgt>
+                                        </p:tgtEl>
+                                        <p:attrNameLst>
+                                          <p:attrName>style.visibility</p:attrName>
+                                        </p:attrNameLst>
+                                      </p:cBhvr>
+                                      <p:to>
+                                        <p:strVal val="visible"/>
+                                      </p:to>
+                                    </p:set>
+                                  </p:childTnLst>
+                                </p:cTn>
+                              </p:par>
+                            </p:childTnLst>
+                          </p:cTn>
+                        </p:par>
+                      </p:childTnLst>
+                    </p:cTn>
+                  </p:par>
+                  <p:par>
+                    <p:cTn id="9" fill="hold">
+                      <p:stCondLst>
+                        <p:cond delay="indefinite"/>
+                      </p:stCondLst>
+                      <p:childTnLst>
+                        <p:par>
+                          <p:cTn id="10" fill="hold">
+                            <p:stCondLst>
+                              <p:cond delay="0"/>
+                            </p:stCondLst>
+                            <p:childTnLst>
+                              <p:par>
+                                <p:cTn id="11" presetID="1" presetClass="entr" presetSubtype="0" fill="hold" nodeType="clickEffect">
+                                  <p:stCondLst>
+                                    <p:cond delay="0"/>
+                                  </p:stCondLst>
+                                  <p:childTnLst>
+                                    <p:set>
+                                      <p:cBhvr>
+                                        <p:cTn id="12" dur="1" fill="hold">
+                                          <p:stCondLst>
+                                            <p:cond delay="0"/>
+                                          </p:stCondLst>
+                                        </p:cTn>
+                                        <p:tgtEl>
+                                          <p:spTgt spid="3">
+                                            <p:txEl>
+                                              <p:pRg st="1" end="1"/>
+                                            </p:txEl>
+                                          </p:spTgt>
+                                        </p:tgtEl>
+                                        <p:attrNameLst>
+                                          <p:attrName>style.visibility</p:attrName>
+                                        </p:attrNameLst>
+                                      </p:cBhvr>
+                                      <p:to>
+                                        <p:strVal val="visible"/>
+                                      </p:to>
+                                    </p:set>
+                                  </p:childTnLst>
+                                </p:cTn>
+                              </p:par>
+                              <p:par>
+                                <p:cTn id="13" presetID="1" presetClass="entr" presetSubtype="0" fill="hold" nodeType="withEffect">
+                                  <p:stCondLst>
+                                    <p:cond delay="0"/>
+                                  </p:stCondLst>
+                                  <p:childTnLst>
+                                    <p:set>
+                                      <p:cBhvr>
+                                        <p:cTn id="14" dur="1" fill="hold">
+                                          <p:stCondLst>
+                                            <p:cond delay="0"/>
+                                          </p:stCondLst>
+                                        </p:cTn>
+                                        <p:tgtEl>
+                                          <p:spTgt spid="3">
+                                            <p:txEl>
+                                              <p:pRg st="2" end="2"/>
+                                            </p:txEl>
+                                          </p:spTgt>
+                                        </p:tgtEl>
+                                        <p:attrNameLst>
+                                          <p:attrName>style.visibility</p:attrName>
+                                        </p:attrNameLst>
+                                      </p:cBhvr>
+                                      <p:to>
+                                        <p:strVal val="visible"/>
+                                      </p:to>
+                                    </p:set>
+                                  </p:childTnLst>
+                                </p:cTn>
+                              </p:par>
+                            </p:childTnLst>
+                          </p:cTn>
+                        </p:par>
+                      </p:childTnLst>
+                    </p:cTn>
+                  </p:par>
+                  <p:par>
+                    <p:cTn id="15" fill="hold">
+                      <p:stCondLst>
+                        <p:cond delay="indefinite"/>
+                      </p:stCondLst>
+                      <p:childTnLst>
+                        <p:par>
+                          <p:cTn id="16" fill="hold">
+                            <p:stCondLst>
+                              <p:cond delay="0"/>
+                            </p:stCondLst>
+                            <p:childTnLst>
+                              <p:par>
+                                <p:cTn id="17" presetID="1" presetClass="entr" presetSubtype="0" fill="hold" nodeType="clickEffect">
+                                  <p:stCondLst>
+                                    <p:cond delay="0"/>
+                                  </p:stCondLst>
+                                  <p:childTnLst>
+                                    <p:set>
+                                      <p:cBhvr>
+                                        <p:cTn id="18" dur="1" fill="hold">
+                                          <p:stCondLst>
+                                            <p:cond delay="0"/>
+                                          </p:stCondLst>
+                                        </p:cTn>
+                                        <p:tgtEl>
+                                          <p:spTgt spid="3">
+                                            <p:txEl>
+                                              <p:pRg st="5" end="5"/>
+                                            </p:txEl>
+                                          </p:spTgt>
+                                        </p:tgtEl>
+                                        <p:attrNameLst>
+                                          <p:attrName>style.visibility</p:attrName>
+                                        </p:attrNameLst>
+                                      </p:cBhvr>
+                                      <p:to>
+                                        <p:strVal val="visible"/>
+                                      </p:to>
+                                    </p:set>
+                                  </p:childTnLst>
+                                </p:cTn>
+                              </p:par>
+                              <p:par>
+                                <p:cTn id="19" presetID="1" presetClass="entr" presetSubtype="0" fill="hold" nodeType="withEffect">
+                                  <p:stCondLst>
+                                    <p:cond delay="0"/>
+                                  </p:stCondLst>
+                                  <p:childTnLst>
+                                    <p:set>
+                                      <p:cBhvr>
+                                        <p:cTn id="20" dur="1" fill="hold">
+                                          <p:stCondLst>
+                                            <p:cond delay="0"/>
+                                          </p:stCondLst>
+                                        </p:cTn>
+                                        <p:tgtEl>
+                                          <p:spTgt spid="3">
+                                            <p:txEl>
+                                              <p:pRg st="6" end="6"/>
+                                            </p:txEl>
+                                          </p:spTgt>
+                                        </p:tgtEl>
+                                        <p:attrNameLst>
+                                          <p:attrName>style.visibility</p:attrName>
+                                        </p:attrNameLst>
+                                      </p:cBhvr>
+                                      <p:to>
+                                        <p:strVal val="visible"/>
+                                      </p:to>
+                                    </p:set>
+                                  </p:childTnLst>
+                                </p:cTn>
+                              </p:par>
+                            </p:childTnLst>
+                          </p:cTn>
+                        </p:par>
+                      </p:childTnLst>
+                    </p:cTn>
+                  </p:par>
+                </p:childTnLst>
+              </p:cTn>
+              <p:prevCondLst>
+                <p:cond evt="onPrev" delay="0">
+                  <p:tgtEl>
+                    <p:sldTgt/>
+                  </p:tgtEl>
+                </p:cond>
+              </p:prevCondLst>
+              <p:nextCondLst>
+                <p:cond evt="onNext" delay="0">
+                  <p:tgtEl>
+                    <p:sldTgt/>
+                  </p:tgtEl>
+                </p:cond>
+              </p:nextCondLst>
+            </p:seq>
+          </p:childTnLst>
+        </p:cTn>
+      </p:par>
+    </p:tnLst>
+  </p:timing>
 </p:sld>
 </file>
 
@@ -5524,7 +7597,7 @@
           <p:cNvPr id="2" name="Titel 1">
             <a:extLst>
               <a:ext uri="{FF2B5EF4-FFF2-40B4-BE49-F238E27FC236}">
-                <a16:creationId xmlns:a16="http://schemas.microsoft.com/office/drawing/2014/main" id="{2ED9B102-D75D-409B-AE7D-62FD9710993F}"/>
+                <a16:creationId xmlns:a16="http://schemas.microsoft.com/office/drawing/2014/main" id="{774E1752-8430-4497-852E-8D4E2B474A71}"/>
               </a:ext>
             </a:extLst>
           </p:cNvPr>
@@ -5542,77 +7615,7 @@
           <a:p>
             <a:r>
               <a:rPr lang="de-DE" dirty="0"/>
-              <a:t>Produkteinsatz - Produktumgebung</a:t>
-            </a:r>
-          </a:p>
-        </p:txBody>
-      </p:sp>
-      <p:sp>
-        <p:nvSpPr>
-          <p:cNvPr id="3" name="Inhaltsplatzhalter 2">
-            <a:extLst>
-              <a:ext uri="{FF2B5EF4-FFF2-40B4-BE49-F238E27FC236}">
-                <a16:creationId xmlns:a16="http://schemas.microsoft.com/office/drawing/2014/main" id="{D8FDB340-4804-44FF-9D19-D9A363DE906F}"/>
-              </a:ext>
-            </a:extLst>
-          </p:cNvPr>
-          <p:cNvSpPr>
-            <a:spLocks noGrp="1"/>
-          </p:cNvSpPr>
-          <p:nvPr>
-            <p:ph idx="1"/>
-          </p:nvPr>
-        </p:nvSpPr>
-        <p:spPr/>
-        <p:txBody>
-          <a:bodyPr/>
-          <a:lstStyle/>
-          <a:p>
-            <a:r>
-              <a:rPr lang="de-DE" dirty="0"/>
-              <a:t>myMD App</a:t>
-            </a:r>
-          </a:p>
-          <a:p>
-            <a:pPr lvl="1"/>
-            <a:r>
-              <a:rPr lang="de-DE" dirty="0"/>
-              <a:t>Android 6.0 (und höher)</a:t>
-            </a:r>
-          </a:p>
-          <a:p>
-            <a:pPr lvl="1"/>
-            <a:r>
-              <a:rPr lang="de-DE" dirty="0"/>
-              <a:t>iOS 10 (und höher)</a:t>
-            </a:r>
-          </a:p>
-          <a:p>
-            <a:pPr lvl="1"/>
-            <a:endParaRPr lang="de-DE" dirty="0"/>
-          </a:p>
-          <a:p>
-            <a:r>
-              <a:rPr lang="de-DE" dirty="0"/>
-              <a:t>Desktop Anwendung</a:t>
-            </a:r>
-          </a:p>
-          <a:p>
-            <a:pPr lvl="1"/>
-            <a:r>
-              <a:rPr lang="de-DE" dirty="0"/>
-              <a:t>Windows 10</a:t>
-            </a:r>
-          </a:p>
-          <a:p>
-            <a:pPr lvl="1"/>
-            <a:r>
-              <a:rPr lang="de-DE" dirty="0" err="1"/>
-              <a:t>macOS</a:t>
-            </a:r>
-            <a:r>
-              <a:rPr lang="de-DE" dirty="0"/>
-              <a:t> 10.12 (und höher)</a:t>
+              <a:t>Produkteinsatz - Betriebsbedingungen</a:t>
             </a:r>
           </a:p>
         </p:txBody>
@@ -5622,7 +7625,7 @@
           <p:cNvPr id="4" name="Datumsplatzhalter 3">
             <a:extLst>
               <a:ext uri="{FF2B5EF4-FFF2-40B4-BE49-F238E27FC236}">
-                <a16:creationId xmlns:a16="http://schemas.microsoft.com/office/drawing/2014/main" id="{8794788E-4F4F-49A5-A4D7-88994F883EFC}"/>
+                <a16:creationId xmlns:a16="http://schemas.microsoft.com/office/drawing/2014/main" id="{6734550C-C1B3-49AF-9665-2AB9DFDD26E9}"/>
               </a:ext>
             </a:extLst>
           </p:cNvPr>
@@ -5650,7 +7653,7 @@
           <p:cNvPr id="5" name="Fußzeilenplatzhalter 4">
             <a:extLst>
               <a:ext uri="{FF2B5EF4-FFF2-40B4-BE49-F238E27FC236}">
-                <a16:creationId xmlns:a16="http://schemas.microsoft.com/office/drawing/2014/main" id="{DDE5866E-10BE-4511-92D1-7B9F7F0E4F80}"/>
+                <a16:creationId xmlns:a16="http://schemas.microsoft.com/office/drawing/2014/main" id="{6024BA1E-15F9-4280-A79D-17CB57FCAA13}"/>
               </a:ext>
             </a:extLst>
           </p:cNvPr>
@@ -5678,7 +7681,7 @@
           <p:cNvPr id="6" name="Foliennummernplatzhalter 5">
             <a:extLst>
               <a:ext uri="{FF2B5EF4-FFF2-40B4-BE49-F238E27FC236}">
-                <a16:creationId xmlns:a16="http://schemas.microsoft.com/office/drawing/2014/main" id="{11FA4389-F4B3-44B7-8087-442F23285109}"/>
+                <a16:creationId xmlns:a16="http://schemas.microsoft.com/office/drawing/2014/main" id="{9900C77C-5B21-4645-9B22-1994135168F8}"/>
               </a:ext>
             </a:extLst>
           </p:cNvPr>
@@ -5702,16 +7705,56 @@
           </a:p>
         </p:txBody>
       </p:sp>
+      <p:sp>
+        <p:nvSpPr>
+          <p:cNvPr id="12" name="Inhaltsplatzhalter 11">
+            <a:extLst>
+              <a:ext uri="{FF2B5EF4-FFF2-40B4-BE49-F238E27FC236}">
+                <a16:creationId xmlns:a16="http://schemas.microsoft.com/office/drawing/2014/main" id="{4B1CA1EF-AECF-4A1F-A53B-E1CBC7A8B7AB}"/>
+              </a:ext>
+            </a:extLst>
+          </p:cNvPr>
+          <p:cNvSpPr>
+            <a:spLocks noGrp="1"/>
+          </p:cNvSpPr>
+          <p:nvPr>
+            <p:ph idx="1"/>
+          </p:nvPr>
+        </p:nvSpPr>
+        <p:spPr/>
+        <p:txBody>
+          <a:bodyPr/>
+          <a:lstStyle/>
+          <a:p>
+            <a:r>
+              <a:rPr lang="de-DE" dirty="0"/>
+              <a:t>Alle beteiligten Geräte müssen über Bluetooth 4.0 LE verfügen</a:t>
+            </a:r>
+          </a:p>
+        </p:txBody>
+      </p:sp>
     </p:spTree>
     <p:extLst>
       <p:ext uri="{BB962C8B-B14F-4D97-AF65-F5344CB8AC3E}">
-        <p14:creationId xmlns:p14="http://schemas.microsoft.com/office/powerpoint/2010/main" val="2558961221"/>
+        <p14:creationId xmlns:p14="http://schemas.microsoft.com/office/powerpoint/2010/main" val="1200113531"/>
       </p:ext>
     </p:extLst>
   </p:cSld>
   <p:clrMapOvr>
     <a:masterClrMapping/>
   </p:clrMapOvr>
+  <mc:AlternateContent xmlns:mc="http://schemas.openxmlformats.org/markup-compatibility/2006">
+    <mc:Choice xmlns:p14="http://schemas.microsoft.com/office/powerpoint/2010/main" Requires="p14">
+      <p:transition spd="med" p14:dur="700">
+        <p:fade/>
+      </p:transition>
+    </mc:Choice>
+    <mc:Fallback>
+      <p:transition spd="med">
+        <p:fade/>
+      </p:transition>
+    </mc:Fallback>
+  </mc:AlternateContent>
 </p:sld>
 </file>
 
@@ -5737,7 +7780,7 @@
           <p:cNvPr id="2" name="Titel 1">
             <a:extLst>
               <a:ext uri="{FF2B5EF4-FFF2-40B4-BE49-F238E27FC236}">
-                <a16:creationId xmlns:a16="http://schemas.microsoft.com/office/drawing/2014/main" id="{774E1752-8430-4497-852E-8D4E2B474A71}"/>
+                <a16:creationId xmlns:a16="http://schemas.microsoft.com/office/drawing/2014/main" id="{6BA04BAB-1BD6-4347-B28E-EB7D9182B8E8}"/>
               </a:ext>
             </a:extLst>
           </p:cNvPr>
@@ -5755,7 +7798,68 @@
           <a:p>
             <a:r>
               <a:rPr lang="de-DE" dirty="0"/>
-              <a:t>Produkteinsatz - Betriebsbedingungen</a:t>
+              <a:t>Produkteinsatz - Zielgruppen</a:t>
+            </a:r>
+          </a:p>
+        </p:txBody>
+      </p:sp>
+      <p:sp>
+        <p:nvSpPr>
+          <p:cNvPr id="3" name="Inhaltsplatzhalter 2">
+            <a:extLst>
+              <a:ext uri="{FF2B5EF4-FFF2-40B4-BE49-F238E27FC236}">
+                <a16:creationId xmlns:a16="http://schemas.microsoft.com/office/drawing/2014/main" id="{25E91008-A058-408C-8B3A-4F105B78C3C7}"/>
+              </a:ext>
+            </a:extLst>
+          </p:cNvPr>
+          <p:cNvSpPr>
+            <a:spLocks noGrp="1"/>
+          </p:cNvSpPr>
+          <p:nvPr>
+            <p:ph idx="1"/>
+          </p:nvPr>
+        </p:nvSpPr>
+        <p:spPr/>
+        <p:txBody>
+          <a:bodyPr/>
+          <a:lstStyle/>
+          <a:p>
+            <a:r>
+              <a:rPr lang="de-DE" dirty="0"/>
+              <a:t>Patienten</a:t>
+            </a:r>
+          </a:p>
+          <a:p>
+            <a:pPr lvl="1"/>
+            <a:r>
+              <a:rPr lang="de-DE" dirty="0"/>
+              <a:t>Alle Menschen, die in ärztliche Behandlung gehen</a:t>
+            </a:r>
+          </a:p>
+          <a:p>
+            <a:pPr lvl="1"/>
+            <a:r>
+              <a:rPr lang="de-DE" dirty="0"/>
+              <a:t>Wollen ihre eigenen Daten auch lokal zur Verfügung haben</a:t>
+            </a:r>
+          </a:p>
+          <a:p>
+            <a:pPr marL="0" indent="0">
+              <a:buNone/>
+            </a:pPr>
+            <a:endParaRPr lang="de-DE" dirty="0"/>
+          </a:p>
+          <a:p>
+            <a:r>
+              <a:rPr lang="de-DE" dirty="0"/>
+              <a:t>Ärzte</a:t>
+            </a:r>
+          </a:p>
+          <a:p>
+            <a:pPr lvl="1"/>
+            <a:r>
+              <a:rPr lang="de-DE" dirty="0"/>
+              <a:t>Bieten den Patienten die medizinischen Daten als Service über myMD an</a:t>
             </a:r>
           </a:p>
         </p:txBody>
@@ -5765,7 +7869,7 @@
           <p:cNvPr id="4" name="Datumsplatzhalter 3">
             <a:extLst>
               <a:ext uri="{FF2B5EF4-FFF2-40B4-BE49-F238E27FC236}">
-                <a16:creationId xmlns:a16="http://schemas.microsoft.com/office/drawing/2014/main" id="{6734550C-C1B3-49AF-9665-2AB9DFDD26E9}"/>
+                <a16:creationId xmlns:a16="http://schemas.microsoft.com/office/drawing/2014/main" id="{43ED8902-D5C3-434B-8E2B-CE1FD67132F2}"/>
               </a:ext>
             </a:extLst>
           </p:cNvPr>
@@ -5793,7 +7897,7 @@
           <p:cNvPr id="5" name="Fußzeilenplatzhalter 4">
             <a:extLst>
               <a:ext uri="{FF2B5EF4-FFF2-40B4-BE49-F238E27FC236}">
-                <a16:creationId xmlns:a16="http://schemas.microsoft.com/office/drawing/2014/main" id="{6024BA1E-15F9-4280-A79D-17CB57FCAA13}"/>
+                <a16:creationId xmlns:a16="http://schemas.microsoft.com/office/drawing/2014/main" id="{4C202E99-CE41-4DC9-951E-E24E865C718E}"/>
               </a:ext>
             </a:extLst>
           </p:cNvPr>
@@ -5821,7 +7925,7 @@
           <p:cNvPr id="6" name="Foliennummernplatzhalter 5">
             <a:extLst>
               <a:ext uri="{FF2B5EF4-FFF2-40B4-BE49-F238E27FC236}">
-                <a16:creationId xmlns:a16="http://schemas.microsoft.com/office/drawing/2014/main" id="{9900C77C-5B21-4645-9B22-1994135168F8}"/>
+                <a16:creationId xmlns:a16="http://schemas.microsoft.com/office/drawing/2014/main" id="{8ABEE910-B52E-4CED-A085-B92DE9D40FEB}"/>
               </a:ext>
             </a:extLst>
           </p:cNvPr>
@@ -5845,44 +7949,267 @@
           </a:p>
         </p:txBody>
       </p:sp>
-      <p:sp>
-        <p:nvSpPr>
-          <p:cNvPr id="12" name="Inhaltsplatzhalter 11">
-            <a:extLst>
-              <a:ext uri="{FF2B5EF4-FFF2-40B4-BE49-F238E27FC236}">
-                <a16:creationId xmlns:a16="http://schemas.microsoft.com/office/drawing/2014/main" id="{4B1CA1EF-AECF-4A1F-A53B-E1CBC7A8B7AB}"/>
-              </a:ext>
-            </a:extLst>
-          </p:cNvPr>
-          <p:cNvSpPr>
-            <a:spLocks noGrp="1"/>
-          </p:cNvSpPr>
-          <p:nvPr>
-            <p:ph idx="1"/>
-          </p:nvPr>
-        </p:nvSpPr>
-        <p:spPr/>
-        <p:txBody>
-          <a:bodyPr/>
-          <a:lstStyle/>
-          <a:p>
-            <a:r>
-              <a:rPr lang="de-DE" dirty="0"/>
-              <a:t>Alle beteiligten Geräte müssen über Bluetooth 4.0 LE verfügen</a:t>
-            </a:r>
-          </a:p>
-        </p:txBody>
-      </p:sp>
     </p:spTree>
     <p:extLst>
       <p:ext uri="{BB962C8B-B14F-4D97-AF65-F5344CB8AC3E}">
-        <p14:creationId xmlns:p14="http://schemas.microsoft.com/office/powerpoint/2010/main" val="1200113531"/>
+        <p14:creationId xmlns:p14="http://schemas.microsoft.com/office/powerpoint/2010/main" val="328857782"/>
       </p:ext>
     </p:extLst>
   </p:cSld>
   <p:clrMapOvr>
     <a:masterClrMapping/>
   </p:clrMapOvr>
+  <mc:AlternateContent xmlns:mc="http://schemas.openxmlformats.org/markup-compatibility/2006">
+    <mc:Choice xmlns:p14="http://schemas.microsoft.com/office/powerpoint/2010/main" Requires="p14">
+      <p:transition spd="med" p14:dur="700">
+        <p:fade/>
+      </p:transition>
+    </mc:Choice>
+    <mc:Fallback>
+      <p:transition spd="med">
+        <p:fade/>
+      </p:transition>
+    </mc:Fallback>
+  </mc:AlternateContent>
+  <p:timing>
+    <p:tnLst>
+      <p:par>
+        <p:cTn id="1" dur="indefinite" restart="never" nodeType="tmRoot">
+          <p:childTnLst>
+            <p:seq concurrent="1" nextAc="seek">
+              <p:cTn id="2" dur="indefinite" nodeType="mainSeq">
+                <p:childTnLst>
+                  <p:par>
+                    <p:cTn id="3" fill="hold">
+                      <p:stCondLst>
+                        <p:cond delay="indefinite"/>
+                      </p:stCondLst>
+                      <p:childTnLst>
+                        <p:par>
+                          <p:cTn id="4" fill="hold">
+                            <p:stCondLst>
+                              <p:cond delay="0"/>
+                            </p:stCondLst>
+                            <p:childTnLst>
+                              <p:par>
+                                <p:cTn id="5" presetID="1" presetClass="entr" presetSubtype="0" fill="hold" nodeType="clickEffect">
+                                  <p:stCondLst>
+                                    <p:cond delay="0"/>
+                                  </p:stCondLst>
+                                  <p:childTnLst>
+                                    <p:set>
+                                      <p:cBhvr>
+                                        <p:cTn id="6" dur="1" fill="hold">
+                                          <p:stCondLst>
+                                            <p:cond delay="0"/>
+                                          </p:stCondLst>
+                                        </p:cTn>
+                                        <p:tgtEl>
+                                          <p:spTgt spid="3">
+                                            <p:txEl>
+                                              <p:pRg st="0" end="0"/>
+                                            </p:txEl>
+                                          </p:spTgt>
+                                        </p:tgtEl>
+                                        <p:attrNameLst>
+                                          <p:attrName>style.visibility</p:attrName>
+                                        </p:attrNameLst>
+                                      </p:cBhvr>
+                                      <p:to>
+                                        <p:strVal val="visible"/>
+                                      </p:to>
+                                    </p:set>
+                                  </p:childTnLst>
+                                </p:cTn>
+                              </p:par>
+                              <p:par>
+                                <p:cTn id="7" presetID="1" presetClass="entr" presetSubtype="0" fill="hold" nodeType="withEffect">
+                                  <p:stCondLst>
+                                    <p:cond delay="0"/>
+                                  </p:stCondLst>
+                                  <p:childTnLst>
+                                    <p:set>
+                                      <p:cBhvr>
+                                        <p:cTn id="8" dur="1" fill="hold">
+                                          <p:stCondLst>
+                                            <p:cond delay="0"/>
+                                          </p:stCondLst>
+                                        </p:cTn>
+                                        <p:tgtEl>
+                                          <p:spTgt spid="3">
+                                            <p:txEl>
+                                              <p:pRg st="4" end="4"/>
+                                            </p:txEl>
+                                          </p:spTgt>
+                                        </p:tgtEl>
+                                        <p:attrNameLst>
+                                          <p:attrName>style.visibility</p:attrName>
+                                        </p:attrNameLst>
+                                      </p:cBhvr>
+                                      <p:to>
+                                        <p:strVal val="visible"/>
+                                      </p:to>
+                                    </p:set>
+                                  </p:childTnLst>
+                                </p:cTn>
+                              </p:par>
+                            </p:childTnLst>
+                          </p:cTn>
+                        </p:par>
+                      </p:childTnLst>
+                    </p:cTn>
+                  </p:par>
+                  <p:par>
+                    <p:cTn id="9" fill="hold">
+                      <p:stCondLst>
+                        <p:cond delay="indefinite"/>
+                      </p:stCondLst>
+                      <p:childTnLst>
+                        <p:par>
+                          <p:cTn id="10" fill="hold">
+                            <p:stCondLst>
+                              <p:cond delay="0"/>
+                            </p:stCondLst>
+                            <p:childTnLst>
+                              <p:par>
+                                <p:cTn id="11" presetID="1" presetClass="entr" presetSubtype="0" fill="hold" nodeType="clickEffect">
+                                  <p:stCondLst>
+                                    <p:cond delay="0"/>
+                                  </p:stCondLst>
+                                  <p:childTnLst>
+                                    <p:set>
+                                      <p:cBhvr>
+                                        <p:cTn id="12" dur="1" fill="hold">
+                                          <p:stCondLst>
+                                            <p:cond delay="0"/>
+                                          </p:stCondLst>
+                                        </p:cTn>
+                                        <p:tgtEl>
+                                          <p:spTgt spid="3">
+                                            <p:txEl>
+                                              <p:pRg st="1" end="1"/>
+                                            </p:txEl>
+                                          </p:spTgt>
+                                        </p:tgtEl>
+                                        <p:attrNameLst>
+                                          <p:attrName>style.visibility</p:attrName>
+                                        </p:attrNameLst>
+                                      </p:cBhvr>
+                                      <p:to>
+                                        <p:strVal val="visible"/>
+                                      </p:to>
+                                    </p:set>
+                                  </p:childTnLst>
+                                </p:cTn>
+                              </p:par>
+                              <p:par>
+                                <p:cTn id="13" presetID="1" presetClass="entr" presetSubtype="0" fill="hold" nodeType="withEffect">
+                                  <p:stCondLst>
+                                    <p:cond delay="0"/>
+                                  </p:stCondLst>
+                                  <p:childTnLst>
+                                    <p:set>
+                                      <p:cBhvr>
+                                        <p:cTn id="14" dur="1" fill="hold">
+                                          <p:stCondLst>
+                                            <p:cond delay="0"/>
+                                          </p:stCondLst>
+                                        </p:cTn>
+                                        <p:tgtEl>
+                                          <p:spTgt spid="3">
+                                            <p:txEl>
+                                              <p:pRg st="2" end="2"/>
+                                            </p:txEl>
+                                          </p:spTgt>
+                                        </p:tgtEl>
+                                        <p:attrNameLst>
+                                          <p:attrName>style.visibility</p:attrName>
+                                        </p:attrNameLst>
+                                      </p:cBhvr>
+                                      <p:to>
+                                        <p:strVal val="visible"/>
+                                      </p:to>
+                                    </p:set>
+                                  </p:childTnLst>
+                                </p:cTn>
+                              </p:par>
+                            </p:childTnLst>
+                          </p:cTn>
+                        </p:par>
+                      </p:childTnLst>
+                    </p:cTn>
+                  </p:par>
+                  <p:par>
+                    <p:cTn id="15" fill="hold">
+                      <p:stCondLst>
+                        <p:cond delay="indefinite"/>
+                      </p:stCondLst>
+                      <p:childTnLst>
+                        <p:par>
+                          <p:cTn id="16" fill="hold">
+                            <p:stCondLst>
+                              <p:cond delay="0"/>
+                            </p:stCondLst>
+                            <p:childTnLst>
+                              <p:par>
+                                <p:cTn id="17" presetID="1" presetClass="entr" presetSubtype="0" fill="hold" nodeType="clickEffect">
+                                  <p:stCondLst>
+                                    <p:cond delay="0"/>
+                                  </p:stCondLst>
+                                  <p:childTnLst>
+                                    <p:set>
+                                      <p:cBhvr>
+                                        <p:cTn id="18" dur="1" fill="hold">
+                                          <p:stCondLst>
+                                            <p:cond delay="0"/>
+                                          </p:stCondLst>
+                                        </p:cTn>
+                                        <p:tgtEl>
+                                          <p:spTgt spid="3">
+                                            <p:txEl>
+                                              <p:pRg st="5" end="5"/>
+                                            </p:txEl>
+                                          </p:spTgt>
+                                        </p:tgtEl>
+                                        <p:attrNameLst>
+                                          <p:attrName>style.visibility</p:attrName>
+                                        </p:attrNameLst>
+                                      </p:cBhvr>
+                                      <p:to>
+                                        <p:strVal val="visible"/>
+                                      </p:to>
+                                    </p:set>
+                                  </p:childTnLst>
+                                </p:cTn>
+                              </p:par>
+                            </p:childTnLst>
+                          </p:cTn>
+                        </p:par>
+                      </p:childTnLst>
+                    </p:cTn>
+                  </p:par>
+                </p:childTnLst>
+              </p:cTn>
+              <p:prevCondLst>
+                <p:cond evt="onPrev" delay="0">
+                  <p:tgtEl>
+                    <p:sldTgt/>
+                  </p:tgtEl>
+                </p:cond>
+              </p:prevCondLst>
+              <p:nextCondLst>
+                <p:cond evt="onNext" delay="0">
+                  <p:tgtEl>
+                    <p:sldTgt/>
+                  </p:tgtEl>
+                </p:cond>
+              </p:nextCondLst>
+            </p:seq>
+          </p:childTnLst>
+        </p:cTn>
+      </p:par>
+    </p:tnLst>
+  </p:timing>
 </p:sld>
 </file>
 
@@ -5979,6 +8306,18 @@
   <p:clrMapOvr>
     <a:masterClrMapping/>
   </p:clrMapOvr>
+  <mc:AlternateContent xmlns:mc="http://schemas.openxmlformats.org/markup-compatibility/2006">
+    <mc:Choice xmlns:p14="http://schemas.microsoft.com/office/powerpoint/2010/main" Requires="p14">
+      <p:transition spd="med" p14:dur="700">
+        <p:fade/>
+      </p:transition>
+    </mc:Choice>
+    <mc:Fallback>
+      <p:transition spd="med">
+        <p:fade/>
+      </p:transition>
+    </mc:Fallback>
+  </mc:AlternateContent>
 </p:sld>
 </file>
 
@@ -6004,7 +8343,7 @@
           <p:cNvPr id="2" name="Titel 1">
             <a:extLst>
               <a:ext uri="{FF2B5EF4-FFF2-40B4-BE49-F238E27FC236}">
-                <a16:creationId xmlns:a16="http://schemas.microsoft.com/office/drawing/2014/main" id="{6BA04BAB-1BD6-4347-B28E-EB7D9182B8E8}"/>
+                <a16:creationId xmlns:a16="http://schemas.microsoft.com/office/drawing/2014/main" id="{BFE5431C-4EE5-4C16-A569-5CC913BA7AB2}"/>
               </a:ext>
             </a:extLst>
           </p:cNvPr>
@@ -6022,7 +8361,7 @@
           <a:p>
             <a:r>
               <a:rPr lang="de-DE" dirty="0"/>
-              <a:t>Produkteinsatz - Zielgruppen</a:t>
+              <a:t>Produktdaten</a:t>
             </a:r>
           </a:p>
         </p:txBody>
@@ -6032,7 +8371,7 @@
           <p:cNvPr id="3" name="Inhaltsplatzhalter 2">
             <a:extLst>
               <a:ext uri="{FF2B5EF4-FFF2-40B4-BE49-F238E27FC236}">
-                <a16:creationId xmlns:a16="http://schemas.microsoft.com/office/drawing/2014/main" id="{25E91008-A058-408C-8B3A-4F105B78C3C7}"/>
+                <a16:creationId xmlns:a16="http://schemas.microsoft.com/office/drawing/2014/main" id="{C23D3C74-FD65-4BBE-A07E-677CCC5755EF}"/>
               </a:ext>
             </a:extLst>
           </p:cNvPr>
@@ -6050,40 +8389,35 @@
           <a:p>
             <a:r>
               <a:rPr lang="de-DE" dirty="0"/>
-              <a:t>Patienten</a:t>
+              <a:t>myMD App</a:t>
             </a:r>
           </a:p>
           <a:p>
             <a:pPr lvl="1"/>
             <a:r>
               <a:rPr lang="de-DE" dirty="0"/>
-              <a:t>Alle Menschen, die in ärztliche Behandlung gehen</a:t>
+              <a:t>Speichert sämtliche Daten lokal auf dem Handy des Nutzers</a:t>
             </a:r>
           </a:p>
           <a:p>
             <a:pPr lvl="1"/>
+            <a:endParaRPr lang="de-DE" dirty="0"/>
+          </a:p>
+          <a:p>
+            <a:pPr lvl="1"/>
+            <a:endParaRPr lang="de-DE" dirty="0"/>
+          </a:p>
+          <a:p>
             <a:r>
               <a:rPr lang="de-DE" dirty="0"/>
-              <a:t>Wollen ihre eigenen Daten auch lokal zur Verfügung haben</a:t>
-            </a:r>
-          </a:p>
-          <a:p>
-            <a:pPr marL="0" indent="0">
-              <a:buNone/>
-            </a:pPr>
-            <a:endParaRPr lang="de-DE" dirty="0"/>
-          </a:p>
-          <a:p>
+              <a:t>Desktop Anwendung</a:t>
+            </a:r>
+          </a:p>
+          <a:p>
+            <a:pPr lvl="1"/>
             <a:r>
               <a:rPr lang="de-DE" dirty="0"/>
-              <a:t>Ärzte</a:t>
-            </a:r>
-          </a:p>
-          <a:p>
-            <a:pPr lvl="1"/>
-            <a:r>
-              <a:rPr lang="de-DE" dirty="0"/>
-              <a:t>Bieten den Patienten die medizinischen Daten als Service über myMD an</a:t>
+              <a:t>Speichert empfangene Daten lokal auf dem Computer des Arztes</a:t>
             </a:r>
           </a:p>
         </p:txBody>
@@ -6093,7 +8427,7 @@
           <p:cNvPr id="4" name="Datumsplatzhalter 3">
             <a:extLst>
               <a:ext uri="{FF2B5EF4-FFF2-40B4-BE49-F238E27FC236}">
-                <a16:creationId xmlns:a16="http://schemas.microsoft.com/office/drawing/2014/main" id="{43ED8902-D5C3-434B-8E2B-CE1FD67132F2}"/>
+                <a16:creationId xmlns:a16="http://schemas.microsoft.com/office/drawing/2014/main" id="{A36ABB08-2857-42DB-ACA9-6DD1E417D981}"/>
               </a:ext>
             </a:extLst>
           </p:cNvPr>
@@ -6121,7 +8455,7 @@
           <p:cNvPr id="5" name="Fußzeilenplatzhalter 4">
             <a:extLst>
               <a:ext uri="{FF2B5EF4-FFF2-40B4-BE49-F238E27FC236}">
-                <a16:creationId xmlns:a16="http://schemas.microsoft.com/office/drawing/2014/main" id="{4C202E99-CE41-4DC9-951E-E24E865C718E}"/>
+                <a16:creationId xmlns:a16="http://schemas.microsoft.com/office/drawing/2014/main" id="{BDCA013E-1BBF-4CEF-AA34-386F83F47F8E}"/>
               </a:ext>
             </a:extLst>
           </p:cNvPr>
@@ -6149,7 +8483,7 @@
           <p:cNvPr id="6" name="Foliennummernplatzhalter 5">
             <a:extLst>
               <a:ext uri="{FF2B5EF4-FFF2-40B4-BE49-F238E27FC236}">
-                <a16:creationId xmlns:a16="http://schemas.microsoft.com/office/drawing/2014/main" id="{8ABEE910-B52E-4CED-A085-B92DE9D40FEB}"/>
+                <a16:creationId xmlns:a16="http://schemas.microsoft.com/office/drawing/2014/main" id="{399D2352-22EB-4752-BBB6-A8F41027B6B2}"/>
               </a:ext>
             </a:extLst>
           </p:cNvPr>
@@ -6176,13 +8510,233 @@
     </p:spTree>
     <p:extLst>
       <p:ext uri="{BB962C8B-B14F-4D97-AF65-F5344CB8AC3E}">
-        <p14:creationId xmlns:p14="http://schemas.microsoft.com/office/powerpoint/2010/main" val="328857782"/>
+        <p14:creationId xmlns:p14="http://schemas.microsoft.com/office/powerpoint/2010/main" val="2690638937"/>
       </p:ext>
     </p:extLst>
   </p:cSld>
   <p:clrMapOvr>
     <a:masterClrMapping/>
   </p:clrMapOvr>
+  <mc:AlternateContent xmlns:mc="http://schemas.openxmlformats.org/markup-compatibility/2006">
+    <mc:Choice xmlns:p14="http://schemas.microsoft.com/office/powerpoint/2010/main" Requires="p14">
+      <p:transition spd="med" p14:dur="700">
+        <p:fade/>
+      </p:transition>
+    </mc:Choice>
+    <mc:Fallback>
+      <p:transition spd="med">
+        <p:fade/>
+      </p:transition>
+    </mc:Fallback>
+  </mc:AlternateContent>
+  <p:timing>
+    <p:tnLst>
+      <p:par>
+        <p:cTn id="1" dur="indefinite" restart="never" nodeType="tmRoot">
+          <p:childTnLst>
+            <p:seq concurrent="1" nextAc="seek">
+              <p:cTn id="2" dur="indefinite" nodeType="mainSeq">
+                <p:childTnLst>
+                  <p:par>
+                    <p:cTn id="3" fill="hold">
+                      <p:stCondLst>
+                        <p:cond delay="indefinite"/>
+                      </p:stCondLst>
+                      <p:childTnLst>
+                        <p:par>
+                          <p:cTn id="4" fill="hold">
+                            <p:stCondLst>
+                              <p:cond delay="0"/>
+                            </p:stCondLst>
+                            <p:childTnLst>
+                              <p:par>
+                                <p:cTn id="5" presetID="1" presetClass="entr" presetSubtype="0" fill="hold" nodeType="clickEffect">
+                                  <p:stCondLst>
+                                    <p:cond delay="0"/>
+                                  </p:stCondLst>
+                                  <p:childTnLst>
+                                    <p:set>
+                                      <p:cBhvr>
+                                        <p:cTn id="6" dur="1" fill="hold">
+                                          <p:stCondLst>
+                                            <p:cond delay="0"/>
+                                          </p:stCondLst>
+                                        </p:cTn>
+                                        <p:tgtEl>
+                                          <p:spTgt spid="3">
+                                            <p:txEl>
+                                              <p:pRg st="0" end="0"/>
+                                            </p:txEl>
+                                          </p:spTgt>
+                                        </p:tgtEl>
+                                        <p:attrNameLst>
+                                          <p:attrName>style.visibility</p:attrName>
+                                        </p:attrNameLst>
+                                      </p:cBhvr>
+                                      <p:to>
+                                        <p:strVal val="visible"/>
+                                      </p:to>
+                                    </p:set>
+                                  </p:childTnLst>
+                                </p:cTn>
+                              </p:par>
+                              <p:par>
+                                <p:cTn id="7" presetID="1" presetClass="entr" presetSubtype="0" fill="hold" nodeType="withEffect">
+                                  <p:stCondLst>
+                                    <p:cond delay="0"/>
+                                  </p:stCondLst>
+                                  <p:childTnLst>
+                                    <p:set>
+                                      <p:cBhvr>
+                                        <p:cTn id="8" dur="1" fill="hold">
+                                          <p:stCondLst>
+                                            <p:cond delay="0"/>
+                                          </p:stCondLst>
+                                        </p:cTn>
+                                        <p:tgtEl>
+                                          <p:spTgt spid="3">
+                                            <p:txEl>
+                                              <p:pRg st="4" end="4"/>
+                                            </p:txEl>
+                                          </p:spTgt>
+                                        </p:tgtEl>
+                                        <p:attrNameLst>
+                                          <p:attrName>style.visibility</p:attrName>
+                                        </p:attrNameLst>
+                                      </p:cBhvr>
+                                      <p:to>
+                                        <p:strVal val="visible"/>
+                                      </p:to>
+                                    </p:set>
+                                  </p:childTnLst>
+                                </p:cTn>
+                              </p:par>
+                            </p:childTnLst>
+                          </p:cTn>
+                        </p:par>
+                      </p:childTnLst>
+                    </p:cTn>
+                  </p:par>
+                  <p:par>
+                    <p:cTn id="9" fill="hold">
+                      <p:stCondLst>
+                        <p:cond delay="indefinite"/>
+                      </p:stCondLst>
+                      <p:childTnLst>
+                        <p:par>
+                          <p:cTn id="10" fill="hold">
+                            <p:stCondLst>
+                              <p:cond delay="0"/>
+                            </p:stCondLst>
+                            <p:childTnLst>
+                              <p:par>
+                                <p:cTn id="11" presetID="1" presetClass="entr" presetSubtype="0" fill="hold" nodeType="clickEffect">
+                                  <p:stCondLst>
+                                    <p:cond delay="0"/>
+                                  </p:stCondLst>
+                                  <p:childTnLst>
+                                    <p:set>
+                                      <p:cBhvr>
+                                        <p:cTn id="12" dur="1" fill="hold">
+                                          <p:stCondLst>
+                                            <p:cond delay="0"/>
+                                          </p:stCondLst>
+                                        </p:cTn>
+                                        <p:tgtEl>
+                                          <p:spTgt spid="3">
+                                            <p:txEl>
+                                              <p:pRg st="1" end="1"/>
+                                            </p:txEl>
+                                          </p:spTgt>
+                                        </p:tgtEl>
+                                        <p:attrNameLst>
+                                          <p:attrName>style.visibility</p:attrName>
+                                        </p:attrNameLst>
+                                      </p:cBhvr>
+                                      <p:to>
+                                        <p:strVal val="visible"/>
+                                      </p:to>
+                                    </p:set>
+                                  </p:childTnLst>
+                                </p:cTn>
+                              </p:par>
+                            </p:childTnLst>
+                          </p:cTn>
+                        </p:par>
+                      </p:childTnLst>
+                    </p:cTn>
+                  </p:par>
+                  <p:par>
+                    <p:cTn id="13" fill="hold">
+                      <p:stCondLst>
+                        <p:cond delay="indefinite"/>
+                      </p:stCondLst>
+                      <p:childTnLst>
+                        <p:par>
+                          <p:cTn id="14" fill="hold">
+                            <p:stCondLst>
+                              <p:cond delay="0"/>
+                            </p:stCondLst>
+                            <p:childTnLst>
+                              <p:par>
+                                <p:cTn id="15" presetID="1" presetClass="entr" presetSubtype="0" fill="hold" nodeType="clickEffect">
+                                  <p:stCondLst>
+                                    <p:cond delay="0"/>
+                                  </p:stCondLst>
+                                  <p:childTnLst>
+                                    <p:set>
+                                      <p:cBhvr>
+                                        <p:cTn id="16" dur="1" fill="hold">
+                                          <p:stCondLst>
+                                            <p:cond delay="0"/>
+                                          </p:stCondLst>
+                                        </p:cTn>
+                                        <p:tgtEl>
+                                          <p:spTgt spid="3">
+                                            <p:txEl>
+                                              <p:pRg st="5" end="5"/>
+                                            </p:txEl>
+                                          </p:spTgt>
+                                        </p:tgtEl>
+                                        <p:attrNameLst>
+                                          <p:attrName>style.visibility</p:attrName>
+                                        </p:attrNameLst>
+                                      </p:cBhvr>
+                                      <p:to>
+                                        <p:strVal val="visible"/>
+                                      </p:to>
+                                    </p:set>
+                                  </p:childTnLst>
+                                </p:cTn>
+                              </p:par>
+                            </p:childTnLst>
+                          </p:cTn>
+                        </p:par>
+                      </p:childTnLst>
+                    </p:cTn>
+                  </p:par>
+                </p:childTnLst>
+              </p:cTn>
+              <p:prevCondLst>
+                <p:cond evt="onPrev" delay="0">
+                  <p:tgtEl>
+                    <p:sldTgt/>
+                  </p:tgtEl>
+                </p:cond>
+              </p:prevCondLst>
+              <p:nextCondLst>
+                <p:cond evt="onNext" delay="0">
+                  <p:tgtEl>
+                    <p:sldTgt/>
+                  </p:tgtEl>
+                </p:cond>
+              </p:nextCondLst>
+            </p:seq>
+          </p:childTnLst>
+        </p:cTn>
+      </p:par>
+    </p:tnLst>
+  </p:timing>
 </p:sld>
 </file>
 
@@ -6208,7 +8762,7 @@
           <p:cNvPr id="2" name="Titel 1">
             <a:extLst>
               <a:ext uri="{FF2B5EF4-FFF2-40B4-BE49-F238E27FC236}">
-                <a16:creationId xmlns:a16="http://schemas.microsoft.com/office/drawing/2014/main" id="{BFE5431C-4EE5-4C16-A569-5CC913BA7AB2}"/>
+                <a16:creationId xmlns:a16="http://schemas.microsoft.com/office/drawing/2014/main" id="{8420CCE4-B6A5-4C75-95B7-82D8890D5484}"/>
               </a:ext>
             </a:extLst>
           </p:cNvPr>
@@ -6226,73 +8780,52 @@
           <a:p>
             <a:r>
               <a:rPr lang="de-DE" dirty="0"/>
-              <a:t>Produktdaten</a:t>
-            </a:r>
-          </a:p>
-        </p:txBody>
-      </p:sp>
-      <p:sp>
-        <p:nvSpPr>
-          <p:cNvPr id="3" name="Inhaltsplatzhalter 2">
-            <a:extLst>
-              <a:ext uri="{FF2B5EF4-FFF2-40B4-BE49-F238E27FC236}">
-                <a16:creationId xmlns:a16="http://schemas.microsoft.com/office/drawing/2014/main" id="{C23D3C74-FD65-4BBE-A07E-677CCC5755EF}"/>
-              </a:ext>
-            </a:extLst>
-          </p:cNvPr>
-          <p:cNvSpPr>
-            <a:spLocks noGrp="1"/>
-          </p:cNvSpPr>
+              <a:t>Systemmodelle - Systemarchitektur</a:t>
+            </a:r>
+          </a:p>
+        </p:txBody>
+      </p:sp>
+      <p:pic>
+        <p:nvPicPr>
+          <p:cNvPr id="8" name="Inhaltsplatzhalter 7" descr="Ein Bild, das Himmel enthält.&#10;&#10;Mit hoher Zuverlässigkeit generierte Beschreibung">
+            <a:extLst>
+              <a:ext uri="{FF2B5EF4-FFF2-40B4-BE49-F238E27FC236}">
+                <a16:creationId xmlns:a16="http://schemas.microsoft.com/office/drawing/2014/main" id="{51BF7C4E-F975-4AEB-B6A6-4C9EAF3357AB}"/>
+              </a:ext>
+            </a:extLst>
+          </p:cNvPr>
+          <p:cNvPicPr>
+            <a:picLocks noGrp="1" noChangeAspect="1"/>
+          </p:cNvPicPr>
           <p:nvPr>
             <p:ph idx="1"/>
           </p:nvPr>
-        </p:nvSpPr>
-        <p:spPr/>
-        <p:txBody>
-          <a:bodyPr/>
-          <a:lstStyle/>
-          <a:p>
-            <a:r>
-              <a:rPr lang="de-DE" dirty="0"/>
-              <a:t>myMD App</a:t>
-            </a:r>
-          </a:p>
-          <a:p>
-            <a:pPr lvl="1"/>
-            <a:r>
-              <a:rPr lang="de-DE" dirty="0"/>
-              <a:t>Speichert sämtliche Daten lokal auf dem Handy des Nutzers</a:t>
-            </a:r>
-          </a:p>
-          <a:p>
-            <a:pPr lvl="1"/>
-            <a:endParaRPr lang="de-DE" dirty="0"/>
-          </a:p>
-          <a:p>
-            <a:pPr lvl="1"/>
-            <a:endParaRPr lang="de-DE" dirty="0"/>
-          </a:p>
-          <a:p>
-            <a:r>
-              <a:rPr lang="de-DE" dirty="0"/>
-              <a:t>Desktop Anwendung</a:t>
-            </a:r>
-          </a:p>
-          <a:p>
-            <a:pPr lvl="1"/>
-            <a:r>
-              <a:rPr lang="de-DE" dirty="0"/>
-              <a:t>Speichert empfangene Daten lokal auf dem Computer des Arztes</a:t>
-            </a:r>
-          </a:p>
-        </p:txBody>
-      </p:sp>
+        </p:nvPicPr>
+        <p:blipFill>
+          <a:blip r:embed="rId2">
+            <a:extLst>
+              <a:ext uri="{28A0092B-C50C-407E-A947-70E740481C1C}">
+                <a14:useLocalDpi xmlns:a14="http://schemas.microsoft.com/office/drawing/2010/main" val="0"/>
+              </a:ext>
+            </a:extLst>
+          </a:blip>
+          <a:stretch>
+            <a:fillRect/>
+          </a:stretch>
+        </p:blipFill>
+        <p:spPr>
+          <a:xfrm>
+            <a:off x="851084" y="1825625"/>
+            <a:ext cx="10489832" cy="4351338"/>
+          </a:xfrm>
+        </p:spPr>
+      </p:pic>
       <p:sp>
         <p:nvSpPr>
           <p:cNvPr id="4" name="Datumsplatzhalter 3">
             <a:extLst>
               <a:ext uri="{FF2B5EF4-FFF2-40B4-BE49-F238E27FC236}">
-                <a16:creationId xmlns:a16="http://schemas.microsoft.com/office/drawing/2014/main" id="{A36ABB08-2857-42DB-ACA9-6DD1E417D981}"/>
+                <a16:creationId xmlns:a16="http://schemas.microsoft.com/office/drawing/2014/main" id="{FDE1054A-2B2B-4F9E-A843-DCD01C96BD33}"/>
               </a:ext>
             </a:extLst>
           </p:cNvPr>
@@ -6320,7 +8853,7 @@
           <p:cNvPr id="5" name="Fußzeilenplatzhalter 4">
             <a:extLst>
               <a:ext uri="{FF2B5EF4-FFF2-40B4-BE49-F238E27FC236}">
-                <a16:creationId xmlns:a16="http://schemas.microsoft.com/office/drawing/2014/main" id="{BDCA013E-1BBF-4CEF-AA34-386F83F47F8E}"/>
+                <a16:creationId xmlns:a16="http://schemas.microsoft.com/office/drawing/2014/main" id="{BCCE5CE3-54B2-491F-B7CA-F0D21DA70ACD}"/>
               </a:ext>
             </a:extLst>
           </p:cNvPr>
@@ -6348,7 +8881,7 @@
           <p:cNvPr id="6" name="Foliennummernplatzhalter 5">
             <a:extLst>
               <a:ext uri="{FF2B5EF4-FFF2-40B4-BE49-F238E27FC236}">
-                <a16:creationId xmlns:a16="http://schemas.microsoft.com/office/drawing/2014/main" id="{399D2352-22EB-4752-BBB6-A8F41027B6B2}"/>
+                <a16:creationId xmlns:a16="http://schemas.microsoft.com/office/drawing/2014/main" id="{D0816F0C-B9BA-47F0-8236-4AB43D24E644}"/>
               </a:ext>
             </a:extLst>
           </p:cNvPr>
@@ -6375,13 +8908,25 @@
     </p:spTree>
     <p:extLst>
       <p:ext uri="{BB962C8B-B14F-4D97-AF65-F5344CB8AC3E}">
-        <p14:creationId xmlns:p14="http://schemas.microsoft.com/office/powerpoint/2010/main" val="2690638937"/>
+        <p14:creationId xmlns:p14="http://schemas.microsoft.com/office/powerpoint/2010/main" val="720046396"/>
       </p:ext>
     </p:extLst>
   </p:cSld>
   <p:clrMapOvr>
     <a:masterClrMapping/>
   </p:clrMapOvr>
+  <mc:AlternateContent xmlns:mc="http://schemas.openxmlformats.org/markup-compatibility/2006">
+    <mc:Choice xmlns:p14="http://schemas.microsoft.com/office/powerpoint/2010/main" Requires="p14">
+      <p:transition spd="med" p14:dur="700">
+        <p:fade/>
+      </p:transition>
+    </mc:Choice>
+    <mc:Fallback>
+      <p:transition spd="med">
+        <p:fade/>
+      </p:transition>
+    </mc:Fallback>
+  </mc:AlternateContent>
 </p:sld>
 </file>
 
@@ -6407,7 +8952,7 @@
           <p:cNvPr id="2" name="Titel 1">
             <a:extLst>
               <a:ext uri="{FF2B5EF4-FFF2-40B4-BE49-F238E27FC236}">
-                <a16:creationId xmlns:a16="http://schemas.microsoft.com/office/drawing/2014/main" id="{8420CCE4-B6A5-4C75-95B7-82D8890D5484}"/>
+                <a16:creationId xmlns:a16="http://schemas.microsoft.com/office/drawing/2014/main" id="{B00F9FC0-0CBD-4A66-9961-76C52666386F}"/>
               </a:ext>
             </a:extLst>
           </p:cNvPr>
@@ -6425,52 +8970,69 @@
           <a:p>
             <a:r>
               <a:rPr lang="de-DE" dirty="0"/>
-              <a:t>Systemmodelle - Systemarchitektur</a:t>
-            </a:r>
-          </a:p>
-        </p:txBody>
-      </p:sp>
-      <p:pic>
-        <p:nvPicPr>
-          <p:cNvPr id="8" name="Inhaltsplatzhalter 7" descr="Ein Bild, das Himmel enthält.&#10;&#10;Mit hoher Zuverlässigkeit generierte Beschreibung">
-            <a:extLst>
-              <a:ext uri="{FF2B5EF4-FFF2-40B4-BE49-F238E27FC236}">
-                <a16:creationId xmlns:a16="http://schemas.microsoft.com/office/drawing/2014/main" id="{51BF7C4E-F975-4AEB-B6A6-4C9EAF3357AB}"/>
-              </a:ext>
-            </a:extLst>
-          </p:cNvPr>
-          <p:cNvPicPr>
-            <a:picLocks noGrp="1" noChangeAspect="1"/>
-          </p:cNvPicPr>
+              <a:t>Systemmodelle - Szenarien</a:t>
+            </a:r>
+          </a:p>
+        </p:txBody>
+      </p:sp>
+      <p:sp>
+        <p:nvSpPr>
+          <p:cNvPr id="3" name="Inhaltsplatzhalter 2">
+            <a:extLst>
+              <a:ext uri="{FF2B5EF4-FFF2-40B4-BE49-F238E27FC236}">
+                <a16:creationId xmlns:a16="http://schemas.microsoft.com/office/drawing/2014/main" id="{52879F62-41EA-4B05-9595-9B062056B049}"/>
+              </a:ext>
+            </a:extLst>
+          </p:cNvPr>
+          <p:cNvSpPr>
+            <a:spLocks noGrp="1"/>
+          </p:cNvSpPr>
           <p:nvPr>
             <p:ph idx="1"/>
           </p:nvPr>
-        </p:nvPicPr>
-        <p:blipFill>
-          <a:blip r:embed="rId2">
-            <a:extLst>
-              <a:ext uri="{28A0092B-C50C-407E-A947-70E740481C1C}">
-                <a14:useLocalDpi xmlns:a14="http://schemas.microsoft.com/office/drawing/2010/main" val="0"/>
-              </a:ext>
-            </a:extLst>
-          </a:blip>
-          <a:stretch>
-            <a:fillRect/>
-          </a:stretch>
-        </p:blipFill>
-        <p:spPr>
-          <a:xfrm>
-            <a:off x="851084" y="1825625"/>
-            <a:ext cx="10489832" cy="4351338"/>
-          </a:xfrm>
-        </p:spPr>
-      </p:pic>
+        </p:nvSpPr>
+        <p:spPr/>
+        <p:txBody>
+          <a:bodyPr/>
+          <a:lstStyle/>
+          <a:p>
+            <a:r>
+              <a:rPr lang="de-DE" dirty="0"/>
+              <a:t>Patient lädt sich neue Daten auf die myMD App</a:t>
+            </a:r>
+          </a:p>
+          <a:p>
+            <a:endParaRPr lang="de-DE" dirty="0"/>
+          </a:p>
+          <a:p>
+            <a:endParaRPr lang="de-DE" dirty="0"/>
+          </a:p>
+          <a:p>
+            <a:r>
+              <a:rPr lang="de-DE" dirty="0"/>
+              <a:t>Patient sieht sich eigene Daten an</a:t>
+            </a:r>
+          </a:p>
+          <a:p>
+            <a:endParaRPr lang="de-DE" dirty="0"/>
+          </a:p>
+          <a:p>
+            <a:endParaRPr lang="de-DE" dirty="0"/>
+          </a:p>
+          <a:p>
+            <a:r>
+              <a:rPr lang="de-DE" dirty="0"/>
+              <a:t>Patient sendet dem Arzt seine Daten</a:t>
+            </a:r>
+          </a:p>
+        </p:txBody>
+      </p:sp>
       <p:sp>
         <p:nvSpPr>
           <p:cNvPr id="4" name="Datumsplatzhalter 3">
             <a:extLst>
               <a:ext uri="{FF2B5EF4-FFF2-40B4-BE49-F238E27FC236}">
-                <a16:creationId xmlns:a16="http://schemas.microsoft.com/office/drawing/2014/main" id="{FDE1054A-2B2B-4F9E-A843-DCD01C96BD33}"/>
+                <a16:creationId xmlns:a16="http://schemas.microsoft.com/office/drawing/2014/main" id="{50AA707F-5169-4D98-A24A-4EA079AEA76E}"/>
               </a:ext>
             </a:extLst>
           </p:cNvPr>
@@ -6498,7 +9060,7 @@
           <p:cNvPr id="5" name="Fußzeilenplatzhalter 4">
             <a:extLst>
               <a:ext uri="{FF2B5EF4-FFF2-40B4-BE49-F238E27FC236}">
-                <a16:creationId xmlns:a16="http://schemas.microsoft.com/office/drawing/2014/main" id="{BCCE5CE3-54B2-491F-B7CA-F0D21DA70ACD}"/>
+                <a16:creationId xmlns:a16="http://schemas.microsoft.com/office/drawing/2014/main" id="{0C631B34-9B20-4E59-AA00-182FD7DC232D}"/>
               </a:ext>
             </a:extLst>
           </p:cNvPr>
@@ -6526,7 +9088,7 @@
           <p:cNvPr id="6" name="Foliennummernplatzhalter 5">
             <a:extLst>
               <a:ext uri="{FF2B5EF4-FFF2-40B4-BE49-F238E27FC236}">
-                <a16:creationId xmlns:a16="http://schemas.microsoft.com/office/drawing/2014/main" id="{D0816F0C-B9BA-47F0-8236-4AB43D24E644}"/>
+                <a16:creationId xmlns:a16="http://schemas.microsoft.com/office/drawing/2014/main" id="{0591B30C-FBD6-4010-A6BE-F1F5015DD252}"/>
               </a:ext>
             </a:extLst>
           </p:cNvPr>
@@ -6553,13 +9115,202 @@
     </p:spTree>
     <p:extLst>
       <p:ext uri="{BB962C8B-B14F-4D97-AF65-F5344CB8AC3E}">
-        <p14:creationId xmlns:p14="http://schemas.microsoft.com/office/powerpoint/2010/main" val="720046396"/>
+        <p14:creationId xmlns:p14="http://schemas.microsoft.com/office/powerpoint/2010/main" val="493110448"/>
       </p:ext>
     </p:extLst>
   </p:cSld>
   <p:clrMapOvr>
     <a:masterClrMapping/>
   </p:clrMapOvr>
+  <mc:AlternateContent xmlns:mc="http://schemas.openxmlformats.org/markup-compatibility/2006">
+    <mc:Choice xmlns:p14="http://schemas.microsoft.com/office/powerpoint/2010/main" Requires="p14">
+      <p:transition spd="med" p14:dur="700">
+        <p:fade/>
+      </p:transition>
+    </mc:Choice>
+    <mc:Fallback>
+      <p:transition spd="med">
+        <p:fade/>
+      </p:transition>
+    </mc:Fallback>
+  </mc:AlternateContent>
+  <p:timing>
+    <p:tnLst>
+      <p:par>
+        <p:cTn id="1" dur="indefinite" restart="never" nodeType="tmRoot">
+          <p:childTnLst>
+            <p:seq concurrent="1" nextAc="seek">
+              <p:cTn id="2" dur="indefinite" nodeType="mainSeq">
+                <p:childTnLst>
+                  <p:par>
+                    <p:cTn id="3" fill="hold">
+                      <p:stCondLst>
+                        <p:cond delay="indefinite"/>
+                      </p:stCondLst>
+                      <p:childTnLst>
+                        <p:par>
+                          <p:cTn id="4" fill="hold">
+                            <p:stCondLst>
+                              <p:cond delay="0"/>
+                            </p:stCondLst>
+                            <p:childTnLst>
+                              <p:par>
+                                <p:cTn id="5" presetID="1" presetClass="entr" presetSubtype="0" fill="hold" nodeType="clickEffect">
+                                  <p:stCondLst>
+                                    <p:cond delay="0"/>
+                                  </p:stCondLst>
+                                  <p:childTnLst>
+                                    <p:set>
+                                      <p:cBhvr>
+                                        <p:cTn id="6" dur="1" fill="hold">
+                                          <p:stCondLst>
+                                            <p:cond delay="0"/>
+                                          </p:stCondLst>
+                                        </p:cTn>
+                                        <p:tgtEl>
+                                          <p:spTgt spid="3">
+                                            <p:txEl>
+                                              <p:pRg st="0" end="0"/>
+                                            </p:txEl>
+                                          </p:spTgt>
+                                        </p:tgtEl>
+                                        <p:attrNameLst>
+                                          <p:attrName>style.visibility</p:attrName>
+                                        </p:attrNameLst>
+                                      </p:cBhvr>
+                                      <p:to>
+                                        <p:strVal val="visible"/>
+                                      </p:to>
+                                    </p:set>
+                                  </p:childTnLst>
+                                </p:cTn>
+                              </p:par>
+                            </p:childTnLst>
+                          </p:cTn>
+                        </p:par>
+                      </p:childTnLst>
+                    </p:cTn>
+                  </p:par>
+                  <p:par>
+                    <p:cTn id="7" fill="hold">
+                      <p:stCondLst>
+                        <p:cond delay="indefinite"/>
+                      </p:stCondLst>
+                      <p:childTnLst>
+                        <p:par>
+                          <p:cTn id="8" fill="hold">
+                            <p:stCondLst>
+                              <p:cond delay="0"/>
+                            </p:stCondLst>
+                            <p:childTnLst>
+                              <p:par>
+                                <p:cTn id="9" presetID="1" presetClass="entr" presetSubtype="0" fill="hold" nodeType="clickEffect">
+                                  <p:stCondLst>
+                                    <p:cond delay="0"/>
+                                  </p:stCondLst>
+                                  <p:childTnLst>
+                                    <p:set>
+                                      <p:cBhvr>
+                                        <p:cTn id="10" dur="1" fill="hold">
+                                          <p:stCondLst>
+                                            <p:cond delay="0"/>
+                                          </p:stCondLst>
+                                        </p:cTn>
+                                        <p:tgtEl>
+                                          <p:spTgt spid="3">
+                                            <p:txEl>
+                                              <p:pRg st="3" end="3"/>
+                                            </p:txEl>
+                                          </p:spTgt>
+                                        </p:tgtEl>
+                                        <p:attrNameLst>
+                                          <p:attrName>style.visibility</p:attrName>
+                                        </p:attrNameLst>
+                                      </p:cBhvr>
+                                      <p:to>
+                                        <p:strVal val="visible"/>
+                                      </p:to>
+                                    </p:set>
+                                  </p:childTnLst>
+                                </p:cTn>
+                              </p:par>
+                            </p:childTnLst>
+                          </p:cTn>
+                        </p:par>
+                      </p:childTnLst>
+                    </p:cTn>
+                  </p:par>
+                  <p:par>
+                    <p:cTn id="11" fill="hold">
+                      <p:stCondLst>
+                        <p:cond delay="indefinite"/>
+                      </p:stCondLst>
+                      <p:childTnLst>
+                        <p:par>
+                          <p:cTn id="12" fill="hold">
+                            <p:stCondLst>
+                              <p:cond delay="0"/>
+                            </p:stCondLst>
+                            <p:childTnLst>
+                              <p:par>
+                                <p:cTn id="13" presetID="1" presetClass="entr" presetSubtype="0" fill="hold" nodeType="clickEffect">
+                                  <p:stCondLst>
+                                    <p:cond delay="0"/>
+                                  </p:stCondLst>
+                                  <p:childTnLst>
+                                    <p:set>
+                                      <p:cBhvr>
+                                        <p:cTn id="14" dur="1" fill="hold">
+                                          <p:stCondLst>
+                                            <p:cond delay="0"/>
+                                          </p:stCondLst>
+                                        </p:cTn>
+                                        <p:tgtEl>
+                                          <p:spTgt spid="3">
+                                            <p:txEl>
+                                              <p:pRg st="6" end="6"/>
+                                            </p:txEl>
+                                          </p:spTgt>
+                                        </p:tgtEl>
+                                        <p:attrNameLst>
+                                          <p:attrName>style.visibility</p:attrName>
+                                        </p:attrNameLst>
+                                      </p:cBhvr>
+                                      <p:to>
+                                        <p:strVal val="visible"/>
+                                      </p:to>
+                                    </p:set>
+                                  </p:childTnLst>
+                                </p:cTn>
+                              </p:par>
+                            </p:childTnLst>
+                          </p:cTn>
+                        </p:par>
+                      </p:childTnLst>
+                    </p:cTn>
+                  </p:par>
+                </p:childTnLst>
+              </p:cTn>
+              <p:prevCondLst>
+                <p:cond evt="onPrev" delay="0">
+                  <p:tgtEl>
+                    <p:sldTgt/>
+                  </p:tgtEl>
+                </p:cond>
+              </p:prevCondLst>
+              <p:nextCondLst>
+                <p:cond evt="onNext" delay="0">
+                  <p:tgtEl>
+                    <p:sldTgt/>
+                  </p:tgtEl>
+                </p:cond>
+              </p:nextCondLst>
+            </p:seq>
+          </p:childTnLst>
+        </p:cTn>
+      </p:par>
+    </p:tnLst>
+  </p:timing>
 </p:sld>
 </file>
 
@@ -6585,7 +9336,7 @@
           <p:cNvPr id="2" name="Titel 1">
             <a:extLst>
               <a:ext uri="{FF2B5EF4-FFF2-40B4-BE49-F238E27FC236}">
-                <a16:creationId xmlns:a16="http://schemas.microsoft.com/office/drawing/2014/main" id="{B00F9FC0-0CBD-4A66-9961-76C52666386F}"/>
+                <a16:creationId xmlns:a16="http://schemas.microsoft.com/office/drawing/2014/main" id="{52F5FE6A-9F9D-4725-93AB-72EDA62DD00E}"/>
               </a:ext>
             </a:extLst>
           </p:cNvPr>
@@ -6603,33 +9354,8 @@
           <a:p>
             <a:r>
               <a:rPr lang="de-DE" dirty="0"/>
-              <a:t>Systemmodelle - Szenarien</a:t>
-            </a:r>
-          </a:p>
-        </p:txBody>
-      </p:sp>
-      <p:sp>
-        <p:nvSpPr>
-          <p:cNvPr id="3" name="Inhaltsplatzhalter 2">
-            <a:extLst>
-              <a:ext uri="{FF2B5EF4-FFF2-40B4-BE49-F238E27FC236}">
-                <a16:creationId xmlns:a16="http://schemas.microsoft.com/office/drawing/2014/main" id="{52879F62-41EA-4B05-9595-9B062056B049}"/>
-              </a:ext>
-            </a:extLst>
-          </p:cNvPr>
-          <p:cNvSpPr>
-            <a:spLocks noGrp="1"/>
-          </p:cNvSpPr>
-          <p:nvPr>
-            <p:ph idx="1"/>
-          </p:nvPr>
-        </p:nvSpPr>
-        <p:spPr/>
-        <p:txBody>
-          <a:bodyPr/>
-          <a:lstStyle/>
-          <a:p>
-            <a:endParaRPr lang="de-DE"/>
+              <a:t>Systemmodelle - Benutzeroberfläche</a:t>
+            </a:r>
           </a:p>
         </p:txBody>
       </p:sp>
@@ -6638,7 +9364,7 @@
           <p:cNvPr id="4" name="Datumsplatzhalter 3">
             <a:extLst>
               <a:ext uri="{FF2B5EF4-FFF2-40B4-BE49-F238E27FC236}">
-                <a16:creationId xmlns:a16="http://schemas.microsoft.com/office/drawing/2014/main" id="{50AA707F-5169-4D98-A24A-4EA079AEA76E}"/>
+                <a16:creationId xmlns:a16="http://schemas.microsoft.com/office/drawing/2014/main" id="{E55374E8-CEE3-4619-855E-0ECBBFBB0D8B}"/>
               </a:ext>
             </a:extLst>
           </p:cNvPr>
@@ -6666,7 +9392,7 @@
           <p:cNvPr id="5" name="Fußzeilenplatzhalter 4">
             <a:extLst>
               <a:ext uri="{FF2B5EF4-FFF2-40B4-BE49-F238E27FC236}">
-                <a16:creationId xmlns:a16="http://schemas.microsoft.com/office/drawing/2014/main" id="{0C631B34-9B20-4E59-AA00-182FD7DC232D}"/>
+                <a16:creationId xmlns:a16="http://schemas.microsoft.com/office/drawing/2014/main" id="{C406DFEA-4371-4FDA-B3F6-661CDC785410}"/>
               </a:ext>
             </a:extLst>
           </p:cNvPr>
@@ -6694,7 +9420,7 @@
           <p:cNvPr id="6" name="Foliennummernplatzhalter 5">
             <a:extLst>
               <a:ext uri="{FF2B5EF4-FFF2-40B4-BE49-F238E27FC236}">
-                <a16:creationId xmlns:a16="http://schemas.microsoft.com/office/drawing/2014/main" id="{0591B30C-FBD6-4010-A6BE-F1F5015DD252}"/>
+                <a16:creationId xmlns:a16="http://schemas.microsoft.com/office/drawing/2014/main" id="{2F5E512C-8AFD-411F-B9AD-CC42599695BE}"/>
               </a:ext>
             </a:extLst>
           </p:cNvPr>
@@ -6718,16 +9444,125 @@
           </a:p>
         </p:txBody>
       </p:sp>
+      <p:pic>
+        <p:nvPicPr>
+          <p:cNvPr id="10" name="Grafik 9" descr="Ein Bild, das Screenshot enthält.&#10;&#10;Mit sehr hoher Zuverlässigkeit generierte Beschreibung">
+            <a:extLst>
+              <a:ext uri="{FF2B5EF4-FFF2-40B4-BE49-F238E27FC236}">
+                <a16:creationId xmlns:a16="http://schemas.microsoft.com/office/drawing/2014/main" id="{3F9C23B6-66D7-451E-9C7A-79222A4A5DAE}"/>
+              </a:ext>
+            </a:extLst>
+          </p:cNvPr>
+          <p:cNvPicPr>
+            <a:picLocks noChangeAspect="1"/>
+          </p:cNvPicPr>
+          <p:nvPr/>
+        </p:nvPicPr>
+        <p:blipFill>
+          <a:blip r:embed="rId2">
+            <a:extLst>
+              <a:ext uri="{28A0092B-C50C-407E-A947-70E740481C1C}">
+                <a14:useLocalDpi xmlns:a14="http://schemas.microsoft.com/office/drawing/2010/main" val="0"/>
+              </a:ext>
+            </a:extLst>
+          </a:blip>
+          <a:stretch>
+            <a:fillRect/>
+          </a:stretch>
+        </p:blipFill>
+        <p:spPr>
+          <a:xfrm>
+            <a:off x="1790701" y="1282146"/>
+            <a:ext cx="2743199" cy="4869178"/>
+          </a:xfrm>
+          <a:prstGeom prst="rect">
+            <a:avLst/>
+          </a:prstGeom>
+        </p:spPr>
+      </p:pic>
+      <p:pic>
+        <p:nvPicPr>
+          <p:cNvPr id="12" name="Grafik 11" descr="Ein Bild, das Text, Screenshot enthält.&#10;&#10;Mit hoher Zuverlässigkeit generierte Beschreibung">
+            <a:extLst>
+              <a:ext uri="{FF2B5EF4-FFF2-40B4-BE49-F238E27FC236}">
+                <a16:creationId xmlns:a16="http://schemas.microsoft.com/office/drawing/2014/main" id="{517EB3BC-79AF-4C4C-9E3C-C561BD0212DD}"/>
+              </a:ext>
+            </a:extLst>
+          </p:cNvPr>
+          <p:cNvPicPr>
+            <a:picLocks noChangeAspect="1"/>
+          </p:cNvPicPr>
+          <p:nvPr/>
+        </p:nvPicPr>
+        <p:blipFill>
+          <a:blip r:embed="rId3">
+            <a:extLst>
+              <a:ext uri="{28A0092B-C50C-407E-A947-70E740481C1C}">
+                <a14:useLocalDpi xmlns:a14="http://schemas.microsoft.com/office/drawing/2010/main" val="0"/>
+              </a:ext>
+            </a:extLst>
+          </a:blip>
+          <a:stretch>
+            <a:fillRect/>
+          </a:stretch>
+        </p:blipFill>
+        <p:spPr>
+          <a:xfrm>
+            <a:off x="6845300" y="1295877"/>
+            <a:ext cx="2743200" cy="4869179"/>
+          </a:xfrm>
+          <a:prstGeom prst="rect">
+            <a:avLst/>
+          </a:prstGeom>
+        </p:spPr>
+      </p:pic>
+      <p:sp>
+        <p:nvSpPr>
+          <p:cNvPr id="14" name="Inhaltsplatzhalter 13">
+            <a:extLst>
+              <a:ext uri="{FF2B5EF4-FFF2-40B4-BE49-F238E27FC236}">
+                <a16:creationId xmlns:a16="http://schemas.microsoft.com/office/drawing/2014/main" id="{2D83B2BD-5EDF-4C61-B1D7-81C28056E863}"/>
+              </a:ext>
+            </a:extLst>
+          </p:cNvPr>
+          <p:cNvSpPr>
+            <a:spLocks noGrp="1"/>
+          </p:cNvSpPr>
+          <p:nvPr>
+            <p:ph idx="1"/>
+          </p:nvPr>
+        </p:nvSpPr>
+        <p:spPr/>
+        <p:txBody>
+          <a:bodyPr/>
+          <a:lstStyle/>
+          <a:p>
+            <a:endParaRPr lang="de-DE" dirty="0"/>
+          </a:p>
+        </p:txBody>
+      </p:sp>
     </p:spTree>
     <p:extLst>
       <p:ext uri="{BB962C8B-B14F-4D97-AF65-F5344CB8AC3E}">
-        <p14:creationId xmlns:p14="http://schemas.microsoft.com/office/powerpoint/2010/main" val="493110448"/>
+        <p14:creationId xmlns:p14="http://schemas.microsoft.com/office/powerpoint/2010/main" val="209187154"/>
       </p:ext>
     </p:extLst>
   </p:cSld>
   <p:clrMapOvr>
     <a:masterClrMapping/>
   </p:clrMapOvr>
+  <mc:AlternateContent xmlns:mc="http://schemas.openxmlformats.org/markup-compatibility/2006">
+    <mc:Choice xmlns:p14="http://schemas.microsoft.com/office/powerpoint/2010/main" Requires="p14">
+      <p:transition spd="med" p14:dur="700">
+        <p:fade/>
+      </p:transition>
+    </mc:Choice>
+    <mc:Fallback>
+      <p:transition spd="med">
+        <p:fade/>
+      </p:transition>
+    </mc:Fallback>
+  </mc:AlternateContent>
 </p:sld>
 </file>
 
@@ -6856,246 +9691,6 @@
             <a:fld id="{29DAA328-DA35-4708-8EDC-8E46555B465F}" type="slidenum">
               <a:rPr lang="de-DE" smtClean="0"/>
               <a:t>24</a:t>
-            </a:fld>
-            <a:endParaRPr lang="de-DE"/>
-          </a:p>
-        </p:txBody>
-      </p:sp>
-      <p:pic>
-        <p:nvPicPr>
-          <p:cNvPr id="10" name="Grafik 9" descr="Ein Bild, das Screenshot enthält.&#10;&#10;Mit sehr hoher Zuverlässigkeit generierte Beschreibung">
-            <a:extLst>
-              <a:ext uri="{FF2B5EF4-FFF2-40B4-BE49-F238E27FC236}">
-                <a16:creationId xmlns:a16="http://schemas.microsoft.com/office/drawing/2014/main" id="{3F9C23B6-66D7-451E-9C7A-79222A4A5DAE}"/>
-              </a:ext>
-            </a:extLst>
-          </p:cNvPr>
-          <p:cNvPicPr>
-            <a:picLocks noChangeAspect="1"/>
-          </p:cNvPicPr>
-          <p:nvPr/>
-        </p:nvPicPr>
-        <p:blipFill>
-          <a:blip r:embed="rId2">
-            <a:extLst>
-              <a:ext uri="{28A0092B-C50C-407E-A947-70E740481C1C}">
-                <a14:useLocalDpi xmlns:a14="http://schemas.microsoft.com/office/drawing/2010/main" val="0"/>
-              </a:ext>
-            </a:extLst>
-          </a:blip>
-          <a:stretch>
-            <a:fillRect/>
-          </a:stretch>
-        </p:blipFill>
-        <p:spPr>
-          <a:xfrm>
-            <a:off x="1790701" y="1282146"/>
-            <a:ext cx="2743199" cy="4869178"/>
-          </a:xfrm>
-          <a:prstGeom prst="rect">
-            <a:avLst/>
-          </a:prstGeom>
-        </p:spPr>
-      </p:pic>
-      <p:pic>
-        <p:nvPicPr>
-          <p:cNvPr id="12" name="Grafik 11" descr="Ein Bild, das Text, Screenshot enthält.&#10;&#10;Mit hoher Zuverlässigkeit generierte Beschreibung">
-            <a:extLst>
-              <a:ext uri="{FF2B5EF4-FFF2-40B4-BE49-F238E27FC236}">
-                <a16:creationId xmlns:a16="http://schemas.microsoft.com/office/drawing/2014/main" id="{517EB3BC-79AF-4C4C-9E3C-C561BD0212DD}"/>
-              </a:ext>
-            </a:extLst>
-          </p:cNvPr>
-          <p:cNvPicPr>
-            <a:picLocks noChangeAspect="1"/>
-          </p:cNvPicPr>
-          <p:nvPr/>
-        </p:nvPicPr>
-        <p:blipFill>
-          <a:blip r:embed="rId3">
-            <a:extLst>
-              <a:ext uri="{28A0092B-C50C-407E-A947-70E740481C1C}">
-                <a14:useLocalDpi xmlns:a14="http://schemas.microsoft.com/office/drawing/2010/main" val="0"/>
-              </a:ext>
-            </a:extLst>
-          </a:blip>
-          <a:stretch>
-            <a:fillRect/>
-          </a:stretch>
-        </p:blipFill>
-        <p:spPr>
-          <a:xfrm>
-            <a:off x="6845300" y="1295877"/>
-            <a:ext cx="2743200" cy="4869179"/>
-          </a:xfrm>
-          <a:prstGeom prst="rect">
-            <a:avLst/>
-          </a:prstGeom>
-        </p:spPr>
-      </p:pic>
-      <p:sp>
-        <p:nvSpPr>
-          <p:cNvPr id="14" name="Inhaltsplatzhalter 13">
-            <a:extLst>
-              <a:ext uri="{FF2B5EF4-FFF2-40B4-BE49-F238E27FC236}">
-                <a16:creationId xmlns:a16="http://schemas.microsoft.com/office/drawing/2014/main" id="{2D83B2BD-5EDF-4C61-B1D7-81C28056E863}"/>
-              </a:ext>
-            </a:extLst>
-          </p:cNvPr>
-          <p:cNvSpPr>
-            <a:spLocks noGrp="1"/>
-          </p:cNvSpPr>
-          <p:nvPr>
-            <p:ph idx="1"/>
-          </p:nvPr>
-        </p:nvSpPr>
-        <p:spPr/>
-        <p:txBody>
-          <a:bodyPr/>
-          <a:lstStyle/>
-          <a:p>
-            <a:endParaRPr lang="de-DE" dirty="0"/>
-          </a:p>
-        </p:txBody>
-      </p:sp>
-    </p:spTree>
-    <p:extLst>
-      <p:ext uri="{BB962C8B-B14F-4D97-AF65-F5344CB8AC3E}">
-        <p14:creationId xmlns:p14="http://schemas.microsoft.com/office/powerpoint/2010/main" val="209187154"/>
-      </p:ext>
-    </p:extLst>
-  </p:cSld>
-  <p:clrMapOvr>
-    <a:masterClrMapping/>
-  </p:clrMapOvr>
-</p:sld>
-</file>
-
-<file path=ppt/slides/slide25.xml><?xml version="1.0" encoding="utf-8"?>
-<p:sld xmlns:a="http://schemas.openxmlformats.org/drawingml/2006/main" xmlns:r="http://schemas.openxmlformats.org/officeDocument/2006/relationships" xmlns:p="http://schemas.openxmlformats.org/presentationml/2006/main">
-  <p:cSld>
-    <p:spTree>
-      <p:nvGrpSpPr>
-        <p:cNvPr id="1" name=""/>
-        <p:cNvGrpSpPr/>
-        <p:nvPr/>
-      </p:nvGrpSpPr>
-      <p:grpSpPr>
-        <a:xfrm>
-          <a:off x="0" y="0"/>
-          <a:ext cx="0" cy="0"/>
-          <a:chOff x="0" y="0"/>
-          <a:chExt cx="0" cy="0"/>
-        </a:xfrm>
-      </p:grpSpPr>
-      <p:sp>
-        <p:nvSpPr>
-          <p:cNvPr id="2" name="Titel 1">
-            <a:extLst>
-              <a:ext uri="{FF2B5EF4-FFF2-40B4-BE49-F238E27FC236}">
-                <a16:creationId xmlns:a16="http://schemas.microsoft.com/office/drawing/2014/main" id="{52F5FE6A-9F9D-4725-93AB-72EDA62DD00E}"/>
-              </a:ext>
-            </a:extLst>
-          </p:cNvPr>
-          <p:cNvSpPr>
-            <a:spLocks noGrp="1"/>
-          </p:cNvSpPr>
-          <p:nvPr>
-            <p:ph type="title"/>
-          </p:nvPr>
-        </p:nvSpPr>
-        <p:spPr/>
-        <p:txBody>
-          <a:bodyPr/>
-          <a:lstStyle/>
-          <a:p>
-            <a:r>
-              <a:rPr lang="de-DE" dirty="0"/>
-              <a:t>Systemmodelle - Benutzeroberfläche</a:t>
-            </a:r>
-          </a:p>
-        </p:txBody>
-      </p:sp>
-      <p:sp>
-        <p:nvSpPr>
-          <p:cNvPr id="4" name="Datumsplatzhalter 3">
-            <a:extLst>
-              <a:ext uri="{FF2B5EF4-FFF2-40B4-BE49-F238E27FC236}">
-                <a16:creationId xmlns:a16="http://schemas.microsoft.com/office/drawing/2014/main" id="{E55374E8-CEE3-4619-855E-0ECBBFBB0D8B}"/>
-              </a:ext>
-            </a:extLst>
-          </p:cNvPr>
-          <p:cNvSpPr>
-            <a:spLocks noGrp="1"/>
-          </p:cNvSpPr>
-          <p:nvPr>
-            <p:ph type="dt" sz="half" idx="10"/>
-          </p:nvPr>
-        </p:nvSpPr>
-        <p:spPr/>
-        <p:txBody>
-          <a:bodyPr/>
-          <a:lstStyle/>
-          <a:p>
-            <a:r>
-              <a:rPr lang="de-DE"/>
-              <a:t>28.11.2017</a:t>
-            </a:r>
-          </a:p>
-        </p:txBody>
-      </p:sp>
-      <p:sp>
-        <p:nvSpPr>
-          <p:cNvPr id="5" name="Fußzeilenplatzhalter 4">
-            <a:extLst>
-              <a:ext uri="{FF2B5EF4-FFF2-40B4-BE49-F238E27FC236}">
-                <a16:creationId xmlns:a16="http://schemas.microsoft.com/office/drawing/2014/main" id="{C406DFEA-4371-4FDA-B3F6-661CDC785410}"/>
-              </a:ext>
-            </a:extLst>
-          </p:cNvPr>
-          <p:cNvSpPr>
-            <a:spLocks noGrp="1"/>
-          </p:cNvSpPr>
-          <p:nvPr>
-            <p:ph type="ftr" sz="quarter" idx="11"/>
-          </p:nvPr>
-        </p:nvSpPr>
-        <p:spPr/>
-        <p:txBody>
-          <a:bodyPr/>
-          <a:lstStyle/>
-          <a:p>
-            <a:r>
-              <a:rPr lang="de-DE"/>
-              <a:t>Philipp Pelcz, Philipp Karcher, Jan-Luca Vettel</a:t>
-            </a:r>
-          </a:p>
-        </p:txBody>
-      </p:sp>
-      <p:sp>
-        <p:nvSpPr>
-          <p:cNvPr id="6" name="Foliennummernplatzhalter 5">
-            <a:extLst>
-              <a:ext uri="{FF2B5EF4-FFF2-40B4-BE49-F238E27FC236}">
-                <a16:creationId xmlns:a16="http://schemas.microsoft.com/office/drawing/2014/main" id="{2F5E512C-8AFD-411F-B9AD-CC42599695BE}"/>
-              </a:ext>
-            </a:extLst>
-          </p:cNvPr>
-          <p:cNvSpPr>
-            <a:spLocks noGrp="1"/>
-          </p:cNvSpPr>
-          <p:nvPr>
-            <p:ph type="sldNum" sz="quarter" idx="12"/>
-          </p:nvPr>
-        </p:nvSpPr>
-        <p:spPr/>
-        <p:txBody>
-          <a:bodyPr/>
-          <a:lstStyle/>
-          <a:p>
-            <a:fld id="{29DAA328-DA35-4708-8EDC-8E46555B465F}" type="slidenum">
-              <a:rPr lang="de-DE" smtClean="0"/>
-              <a:t>25</a:t>
             </a:fld>
             <a:endParaRPr lang="de-DE"/>
           </a:p>
@@ -7182,10 +9777,22 @@
   <p:clrMapOvr>
     <a:masterClrMapping/>
   </p:clrMapOvr>
+  <mc:AlternateContent xmlns:mc="http://schemas.openxmlformats.org/markup-compatibility/2006">
+    <mc:Choice xmlns:p14="http://schemas.microsoft.com/office/powerpoint/2010/main" Requires="p14">
+      <p:transition spd="med" p14:dur="700">
+        <p:fade/>
+      </p:transition>
+    </mc:Choice>
+    <mc:Fallback>
+      <p:transition spd="med">
+        <p:fade/>
+      </p:transition>
+    </mc:Fallback>
+  </mc:AlternateContent>
 </p:sld>
 </file>
 
-<file path=ppt/slides/slide26.xml><?xml version="1.0" encoding="utf-8"?>
+<file path=ppt/slides/slide25.xml><?xml version="1.0" encoding="utf-8"?>
 <p:sld xmlns:a="http://schemas.openxmlformats.org/drawingml/2006/main" xmlns:r="http://schemas.openxmlformats.org/officeDocument/2006/relationships" xmlns:p="http://schemas.openxmlformats.org/presentationml/2006/main">
   <p:cSld>
     <p:spTree>
@@ -7344,7 +9951,7 @@
           <a:p>
             <a:fld id="{29DAA328-DA35-4708-8EDC-8E46555B465F}" type="slidenum">
               <a:rPr lang="de-DE" smtClean="0"/>
-              <a:t>26</a:t>
+              <a:t>25</a:t>
             </a:fld>
             <a:endParaRPr lang="de-DE"/>
           </a:p>
@@ -7396,10 +10003,22 @@
   <p:clrMapOvr>
     <a:masterClrMapping/>
   </p:clrMapOvr>
+  <mc:AlternateContent xmlns:mc="http://schemas.openxmlformats.org/markup-compatibility/2006">
+    <mc:Choice xmlns:p14="http://schemas.microsoft.com/office/powerpoint/2010/main" Requires="p14">
+      <p:transition spd="med" p14:dur="700">
+        <p:fade/>
+      </p:transition>
+    </mc:Choice>
+    <mc:Fallback>
+      <p:transition spd="med">
+        <p:fade/>
+      </p:transition>
+    </mc:Fallback>
+  </mc:AlternateContent>
 </p:sld>
 </file>
 
-<file path=ppt/slides/slide27.xml><?xml version="1.0" encoding="utf-8"?>
+<file path=ppt/slides/slide26.xml><?xml version="1.0" encoding="utf-8"?>
 <p:sld xmlns:a="http://schemas.openxmlformats.org/drawingml/2006/main" xmlns:r="http://schemas.openxmlformats.org/officeDocument/2006/relationships" xmlns:p="http://schemas.openxmlformats.org/presentationml/2006/main">
   <p:cSld>
     <p:spTree>
@@ -7574,7 +10193,7 @@
           <a:p>
             <a:fld id="{29DAA328-DA35-4708-8EDC-8E46555B465F}" type="slidenum">
               <a:rPr lang="de-DE" smtClean="0"/>
-              <a:t>27</a:t>
+              <a:t>26</a:t>
             </a:fld>
             <a:endParaRPr lang="de-DE"/>
           </a:p>
@@ -7590,6 +10209,18 @@
   <p:clrMapOvr>
     <a:masterClrMapping/>
   </p:clrMapOvr>
+  <mc:AlternateContent xmlns:mc="http://schemas.openxmlformats.org/markup-compatibility/2006">
+    <mc:Choice xmlns:p14="http://schemas.microsoft.com/office/powerpoint/2010/main" Requires="p14">
+      <p:transition spd="med" p14:dur="700">
+        <p:fade/>
+      </p:transition>
+    </mc:Choice>
+    <mc:Fallback>
+      <p:transition spd="med">
+        <p:fade/>
+      </p:transition>
+    </mc:Fallback>
+  </mc:AlternateContent>
 </p:sld>
 </file>
 
@@ -7797,6 +10428,208 @@
   <p:clrMapOvr>
     <a:masterClrMapping/>
   </p:clrMapOvr>
+  <mc:AlternateContent xmlns:mc="http://schemas.openxmlformats.org/markup-compatibility/2006">
+    <mc:Choice xmlns:p14="http://schemas.microsoft.com/office/powerpoint/2010/main" Requires="p14">
+      <p:transition spd="med" p14:dur="700">
+        <p:fade/>
+      </p:transition>
+    </mc:Choice>
+    <mc:Fallback>
+      <p:transition spd="med">
+        <p:fade/>
+      </p:transition>
+    </mc:Fallback>
+  </mc:AlternateContent>
+  <p:timing>
+    <p:tnLst>
+      <p:par>
+        <p:cTn id="1" dur="indefinite" restart="never" nodeType="tmRoot">
+          <p:childTnLst>
+            <p:seq concurrent="1" nextAc="seek">
+              <p:cTn id="2" dur="indefinite" nodeType="mainSeq">
+                <p:childTnLst>
+                  <p:par>
+                    <p:cTn id="3" fill="hold">
+                      <p:stCondLst>
+                        <p:cond delay="indefinite"/>
+                      </p:stCondLst>
+                      <p:childTnLst>
+                        <p:par>
+                          <p:cTn id="4" fill="hold">
+                            <p:stCondLst>
+                              <p:cond delay="0"/>
+                            </p:stCondLst>
+                            <p:childTnLst>
+                              <p:par>
+                                <p:cTn id="5" presetID="1" presetClass="entr" presetSubtype="0" fill="hold" nodeType="clickEffect">
+                                  <p:stCondLst>
+                                    <p:cond delay="0"/>
+                                  </p:stCondLst>
+                                  <p:childTnLst>
+                                    <p:set>
+                                      <p:cBhvr>
+                                        <p:cTn id="6" dur="1" fill="hold">
+                                          <p:stCondLst>
+                                            <p:cond delay="0"/>
+                                          </p:stCondLst>
+                                        </p:cTn>
+                                        <p:tgtEl>
+                                          <p:spTgt spid="3">
+                                            <p:txEl>
+                                              <p:pRg st="0" end="0"/>
+                                            </p:txEl>
+                                          </p:spTgt>
+                                        </p:tgtEl>
+                                        <p:attrNameLst>
+                                          <p:attrName>style.visibility</p:attrName>
+                                        </p:attrNameLst>
+                                      </p:cBhvr>
+                                      <p:to>
+                                        <p:strVal val="visible"/>
+                                      </p:to>
+                                    </p:set>
+                                  </p:childTnLst>
+                                </p:cTn>
+                              </p:par>
+                              <p:par>
+                                <p:cTn id="7" presetID="1" presetClass="entr" presetSubtype="0" fill="hold" nodeType="withEffect">
+                                  <p:stCondLst>
+                                    <p:cond delay="0"/>
+                                  </p:stCondLst>
+                                  <p:childTnLst>
+                                    <p:set>
+                                      <p:cBhvr>
+                                        <p:cTn id="8" dur="1" fill="hold">
+                                          <p:stCondLst>
+                                            <p:cond delay="0"/>
+                                          </p:stCondLst>
+                                        </p:cTn>
+                                        <p:tgtEl>
+                                          <p:spTgt spid="3">
+                                            <p:txEl>
+                                              <p:pRg st="1" end="1"/>
+                                            </p:txEl>
+                                          </p:spTgt>
+                                        </p:tgtEl>
+                                        <p:attrNameLst>
+                                          <p:attrName>style.visibility</p:attrName>
+                                        </p:attrNameLst>
+                                      </p:cBhvr>
+                                      <p:to>
+                                        <p:strVal val="visible"/>
+                                      </p:to>
+                                    </p:set>
+                                  </p:childTnLst>
+                                </p:cTn>
+                              </p:par>
+                            </p:childTnLst>
+                          </p:cTn>
+                        </p:par>
+                      </p:childTnLst>
+                    </p:cTn>
+                  </p:par>
+                  <p:par>
+                    <p:cTn id="9" fill="hold">
+                      <p:stCondLst>
+                        <p:cond delay="indefinite"/>
+                      </p:stCondLst>
+                      <p:childTnLst>
+                        <p:par>
+                          <p:cTn id="10" fill="hold">
+                            <p:stCondLst>
+                              <p:cond delay="0"/>
+                            </p:stCondLst>
+                            <p:childTnLst>
+                              <p:par>
+                                <p:cTn id="11" presetID="1" presetClass="entr" presetSubtype="0" fill="hold" nodeType="clickEffect">
+                                  <p:stCondLst>
+                                    <p:cond delay="0"/>
+                                  </p:stCondLst>
+                                  <p:childTnLst>
+                                    <p:set>
+                                      <p:cBhvr>
+                                        <p:cTn id="12" dur="1" fill="hold">
+                                          <p:stCondLst>
+                                            <p:cond delay="0"/>
+                                          </p:stCondLst>
+                                        </p:cTn>
+                                        <p:tgtEl>
+                                          <p:spTgt spid="3">
+                                            <p:txEl>
+                                              <p:pRg st="4" end="4"/>
+                                            </p:txEl>
+                                          </p:spTgt>
+                                        </p:tgtEl>
+                                        <p:attrNameLst>
+                                          <p:attrName>style.visibility</p:attrName>
+                                        </p:attrNameLst>
+                                      </p:cBhvr>
+                                      <p:to>
+                                        <p:strVal val="visible"/>
+                                      </p:to>
+                                    </p:set>
+                                  </p:childTnLst>
+                                </p:cTn>
+                              </p:par>
+                              <p:par>
+                                <p:cTn id="13" presetID="1" presetClass="entr" presetSubtype="0" fill="hold" nodeType="withEffect">
+                                  <p:stCondLst>
+                                    <p:cond delay="0"/>
+                                  </p:stCondLst>
+                                  <p:childTnLst>
+                                    <p:set>
+                                      <p:cBhvr>
+                                        <p:cTn id="14" dur="1" fill="hold">
+                                          <p:stCondLst>
+                                            <p:cond delay="0"/>
+                                          </p:stCondLst>
+                                        </p:cTn>
+                                        <p:tgtEl>
+                                          <p:spTgt spid="3">
+                                            <p:txEl>
+                                              <p:pRg st="5" end="5"/>
+                                            </p:txEl>
+                                          </p:spTgt>
+                                        </p:tgtEl>
+                                        <p:attrNameLst>
+                                          <p:attrName>style.visibility</p:attrName>
+                                        </p:attrNameLst>
+                                      </p:cBhvr>
+                                      <p:to>
+                                        <p:strVal val="visible"/>
+                                      </p:to>
+                                    </p:set>
+                                  </p:childTnLst>
+                                </p:cTn>
+                              </p:par>
+                            </p:childTnLst>
+                          </p:cTn>
+                        </p:par>
+                      </p:childTnLst>
+                    </p:cTn>
+                  </p:par>
+                </p:childTnLst>
+              </p:cTn>
+              <p:prevCondLst>
+                <p:cond evt="onPrev" delay="0">
+                  <p:tgtEl>
+                    <p:sldTgt/>
+                  </p:tgtEl>
+                </p:cond>
+              </p:prevCondLst>
+              <p:nextCondLst>
+                <p:cond evt="onNext" delay="0">
+                  <p:tgtEl>
+                    <p:sldTgt/>
+                  </p:tgtEl>
+                </p:cond>
+              </p:nextCondLst>
+            </p:seq>
+          </p:childTnLst>
+        </p:cTn>
+      </p:par>
+    </p:tnLst>
+  </p:timing>
 </p:sld>
 </file>
 
@@ -7981,6 +10814,177 @@
   <p:clrMapOvr>
     <a:masterClrMapping/>
   </p:clrMapOvr>
+  <mc:AlternateContent xmlns:mc="http://schemas.openxmlformats.org/markup-compatibility/2006">
+    <mc:Choice xmlns:p14="http://schemas.microsoft.com/office/powerpoint/2010/main" Requires="p14">
+      <p:transition spd="med" p14:dur="700">
+        <p:fade/>
+      </p:transition>
+    </mc:Choice>
+    <mc:Fallback>
+      <p:transition spd="med">
+        <p:fade/>
+      </p:transition>
+    </mc:Fallback>
+  </mc:AlternateContent>
+  <p:timing>
+    <p:tnLst>
+      <p:par>
+        <p:cTn id="1" dur="indefinite" restart="never" nodeType="tmRoot">
+          <p:childTnLst>
+            <p:seq concurrent="1" nextAc="seek">
+              <p:cTn id="2" dur="indefinite" nodeType="mainSeq">
+                <p:childTnLst>
+                  <p:par>
+                    <p:cTn id="3" fill="hold">
+                      <p:stCondLst>
+                        <p:cond delay="indefinite"/>
+                      </p:stCondLst>
+                      <p:childTnLst>
+                        <p:par>
+                          <p:cTn id="4" fill="hold">
+                            <p:stCondLst>
+                              <p:cond delay="0"/>
+                            </p:stCondLst>
+                            <p:childTnLst>
+                              <p:par>
+                                <p:cTn id="5" presetID="1" presetClass="entr" presetSubtype="0" fill="hold" nodeType="clickEffect">
+                                  <p:stCondLst>
+                                    <p:cond delay="0"/>
+                                  </p:stCondLst>
+                                  <p:childTnLst>
+                                    <p:set>
+                                      <p:cBhvr>
+                                        <p:cTn id="6" dur="1" fill="hold">
+                                          <p:stCondLst>
+                                            <p:cond delay="0"/>
+                                          </p:stCondLst>
+                                        </p:cTn>
+                                        <p:tgtEl>
+                                          <p:spTgt spid="3">
+                                            <p:txEl>
+                                              <p:pRg st="0" end="0"/>
+                                            </p:txEl>
+                                          </p:spTgt>
+                                        </p:tgtEl>
+                                        <p:attrNameLst>
+                                          <p:attrName>style.visibility</p:attrName>
+                                        </p:attrNameLst>
+                                      </p:cBhvr>
+                                      <p:to>
+                                        <p:strVal val="visible"/>
+                                      </p:to>
+                                    </p:set>
+                                  </p:childTnLst>
+                                </p:cTn>
+                              </p:par>
+                              <p:par>
+                                <p:cTn id="7" presetID="1" presetClass="entr" presetSubtype="0" fill="hold" nodeType="withEffect">
+                                  <p:stCondLst>
+                                    <p:cond delay="0"/>
+                                  </p:stCondLst>
+                                  <p:childTnLst>
+                                    <p:set>
+                                      <p:cBhvr>
+                                        <p:cTn id="8" dur="1" fill="hold">
+                                          <p:stCondLst>
+                                            <p:cond delay="0"/>
+                                          </p:stCondLst>
+                                        </p:cTn>
+                                        <p:tgtEl>
+                                          <p:spTgt spid="3">
+                                            <p:txEl>
+                                              <p:pRg st="1" end="1"/>
+                                            </p:txEl>
+                                          </p:spTgt>
+                                        </p:tgtEl>
+                                        <p:attrNameLst>
+                                          <p:attrName>style.visibility</p:attrName>
+                                        </p:attrNameLst>
+                                      </p:cBhvr>
+                                      <p:to>
+                                        <p:strVal val="visible"/>
+                                      </p:to>
+                                    </p:set>
+                                  </p:childTnLst>
+                                </p:cTn>
+                              </p:par>
+                            </p:childTnLst>
+                          </p:cTn>
+                        </p:par>
+                      </p:childTnLst>
+                    </p:cTn>
+                  </p:par>
+                  <p:par>
+                    <p:cTn id="9" fill="hold">
+                      <p:stCondLst>
+                        <p:cond delay="indefinite"/>
+                      </p:stCondLst>
+                      <p:childTnLst>
+                        <p:par>
+                          <p:cTn id="10" fill="hold">
+                            <p:stCondLst>
+                              <p:cond delay="0"/>
+                            </p:stCondLst>
+                            <p:childTnLst>
+                              <p:par>
+                                <p:cTn id="11" presetID="1" presetClass="entr" presetSubtype="0" fill="hold" nodeType="clickEffect">
+                                  <p:stCondLst>
+                                    <p:cond delay="0"/>
+                                  </p:stCondLst>
+                                  <p:childTnLst>
+                                    <p:set>
+                                      <p:cBhvr>
+                                        <p:cTn id="12" dur="1" fill="hold">
+                                          <p:stCondLst>
+                                            <p:cond delay="0"/>
+                                          </p:stCondLst>
+                                        </p:cTn>
+                                        <p:tgtEl>
+                                          <p:spTgt spid="3">
+                                            <p:txEl>
+                                              <p:pRg st="2" end="2"/>
+                                            </p:txEl>
+                                          </p:spTgt>
+                                        </p:tgtEl>
+                                        <p:attrNameLst>
+                                          <p:attrName>style.visibility</p:attrName>
+                                        </p:attrNameLst>
+                                      </p:cBhvr>
+                                      <p:to>
+                                        <p:strVal val="visible"/>
+                                      </p:to>
+                                    </p:set>
+                                  </p:childTnLst>
+                                </p:cTn>
+                              </p:par>
+                            </p:childTnLst>
+                          </p:cTn>
+                        </p:par>
+                      </p:childTnLst>
+                    </p:cTn>
+                  </p:par>
+                </p:childTnLst>
+              </p:cTn>
+              <p:prevCondLst>
+                <p:cond evt="onPrev" delay="0">
+                  <p:tgtEl>
+                    <p:sldTgt/>
+                  </p:tgtEl>
+                </p:cond>
+              </p:prevCondLst>
+              <p:nextCondLst>
+                <p:cond evt="onNext" delay="0">
+                  <p:tgtEl>
+                    <p:sldTgt/>
+                  </p:tgtEl>
+                </p:cond>
+              </p:nextCondLst>
+            </p:seq>
+          </p:childTnLst>
+        </p:cTn>
+      </p:par>
+    </p:tnLst>
+  </p:timing>
 </p:sld>
 </file>
 
@@ -8158,6 +11162,146 @@
   <p:clrMapOvr>
     <a:masterClrMapping/>
   </p:clrMapOvr>
+  <mc:AlternateContent xmlns:mc="http://schemas.openxmlformats.org/markup-compatibility/2006">
+    <mc:Choice xmlns:p14="http://schemas.microsoft.com/office/powerpoint/2010/main" Requires="p14">
+      <p:transition spd="med" p14:dur="700">
+        <p:fade/>
+      </p:transition>
+    </mc:Choice>
+    <mc:Fallback>
+      <p:transition spd="med">
+        <p:fade/>
+      </p:transition>
+    </mc:Fallback>
+  </mc:AlternateContent>
+  <p:timing>
+    <p:tnLst>
+      <p:par>
+        <p:cTn id="1" dur="indefinite" restart="never" nodeType="tmRoot">
+          <p:childTnLst>
+            <p:seq concurrent="1" nextAc="seek">
+              <p:cTn id="2" dur="indefinite" nodeType="mainSeq">
+                <p:childTnLst>
+                  <p:par>
+                    <p:cTn id="3" fill="hold">
+                      <p:stCondLst>
+                        <p:cond delay="indefinite"/>
+                      </p:stCondLst>
+                      <p:childTnLst>
+                        <p:par>
+                          <p:cTn id="4" fill="hold">
+                            <p:stCondLst>
+                              <p:cond delay="0"/>
+                            </p:stCondLst>
+                            <p:childTnLst>
+                              <p:par>
+                                <p:cTn id="5" presetID="1" presetClass="entr" presetSubtype="0" fill="hold" nodeType="clickEffect">
+                                  <p:stCondLst>
+                                    <p:cond delay="0"/>
+                                  </p:stCondLst>
+                                  <p:childTnLst>
+                                    <p:set>
+                                      <p:cBhvr>
+                                        <p:cTn id="6" dur="1" fill="hold">
+                                          <p:stCondLst>
+                                            <p:cond delay="0"/>
+                                          </p:stCondLst>
+                                        </p:cTn>
+                                        <p:tgtEl>
+                                          <p:spTgt spid="3">
+                                            <p:txEl>
+                                              <p:pRg st="0" end="0"/>
+                                            </p:txEl>
+                                          </p:spTgt>
+                                        </p:tgtEl>
+                                        <p:attrNameLst>
+                                          <p:attrName>style.visibility</p:attrName>
+                                        </p:attrNameLst>
+                                      </p:cBhvr>
+                                      <p:to>
+                                        <p:strVal val="visible"/>
+                                      </p:to>
+                                    </p:set>
+                                  </p:childTnLst>
+                                </p:cTn>
+                              </p:par>
+                            </p:childTnLst>
+                          </p:cTn>
+                        </p:par>
+                      </p:childTnLst>
+                    </p:cTn>
+                  </p:par>
+                  <p:par>
+                    <p:cTn id="7" fill="hold">
+                      <p:stCondLst>
+                        <p:cond delay="indefinite"/>
+                      </p:stCondLst>
+                      <p:childTnLst>
+                        <p:par>
+                          <p:cTn id="8" fill="hold">
+                            <p:stCondLst>
+                              <p:cond delay="0"/>
+                            </p:stCondLst>
+                            <p:childTnLst>
+                              <p:par>
+                                <p:cTn id="9" presetID="1" presetClass="entr" presetSubtype="0" fill="hold" nodeType="clickEffect">
+                                  <p:stCondLst>
+                                    <p:cond delay="0"/>
+                                  </p:stCondLst>
+                                  <p:childTnLst>
+                                    <p:set>
+                                      <p:cBhvr>
+                                        <p:cTn id="10" dur="1" fill="hold">
+                                          <p:stCondLst>
+                                            <p:cond delay="0"/>
+                                          </p:stCondLst>
+                                        </p:cTn>
+                                        <p:tgtEl>
+                                          <p:spTgt spid="3">
+                                            <p:txEl>
+                                              <p:pRg st="1" end="1"/>
+                                            </p:txEl>
+                                          </p:spTgt>
+                                        </p:tgtEl>
+                                        <p:attrNameLst>
+                                          <p:attrName>style.visibility</p:attrName>
+                                        </p:attrNameLst>
+                                      </p:cBhvr>
+                                      <p:to>
+                                        <p:strVal val="visible"/>
+                                      </p:to>
+                                    </p:set>
+                                  </p:childTnLst>
+                                </p:cTn>
+                              </p:par>
+                            </p:childTnLst>
+                          </p:cTn>
+                        </p:par>
+                      </p:childTnLst>
+                    </p:cTn>
+                  </p:par>
+                </p:childTnLst>
+              </p:cTn>
+              <p:prevCondLst>
+                <p:cond evt="onPrev" delay="0">
+                  <p:tgtEl>
+                    <p:sldTgt/>
+                  </p:tgtEl>
+                </p:cond>
+              </p:prevCondLst>
+              <p:nextCondLst>
+                <p:cond evt="onNext" delay="0">
+                  <p:tgtEl>
+                    <p:sldTgt/>
+                  </p:tgtEl>
+                </p:cond>
+              </p:nextCondLst>
+            </p:seq>
+          </p:childTnLst>
+        </p:cTn>
+      </p:par>
+    </p:tnLst>
+  </p:timing>
 </p:sld>
 </file>
 
@@ -8335,6 +11479,146 @@
   <p:clrMapOvr>
     <a:masterClrMapping/>
   </p:clrMapOvr>
+  <mc:AlternateContent xmlns:mc="http://schemas.openxmlformats.org/markup-compatibility/2006">
+    <mc:Choice xmlns:p14="http://schemas.microsoft.com/office/powerpoint/2010/main" Requires="p14">
+      <p:transition spd="med" p14:dur="700">
+        <p:fade/>
+      </p:transition>
+    </mc:Choice>
+    <mc:Fallback>
+      <p:transition spd="med">
+        <p:fade/>
+      </p:transition>
+    </mc:Fallback>
+  </mc:AlternateContent>
+  <p:timing>
+    <p:tnLst>
+      <p:par>
+        <p:cTn id="1" dur="indefinite" restart="never" nodeType="tmRoot">
+          <p:childTnLst>
+            <p:seq concurrent="1" nextAc="seek">
+              <p:cTn id="2" dur="indefinite" nodeType="mainSeq">
+                <p:childTnLst>
+                  <p:par>
+                    <p:cTn id="3" fill="hold">
+                      <p:stCondLst>
+                        <p:cond delay="indefinite"/>
+                      </p:stCondLst>
+                      <p:childTnLst>
+                        <p:par>
+                          <p:cTn id="4" fill="hold">
+                            <p:stCondLst>
+                              <p:cond delay="0"/>
+                            </p:stCondLst>
+                            <p:childTnLst>
+                              <p:par>
+                                <p:cTn id="5" presetID="1" presetClass="entr" presetSubtype="0" fill="hold" nodeType="clickEffect">
+                                  <p:stCondLst>
+                                    <p:cond delay="0"/>
+                                  </p:stCondLst>
+                                  <p:childTnLst>
+                                    <p:set>
+                                      <p:cBhvr>
+                                        <p:cTn id="6" dur="1" fill="hold">
+                                          <p:stCondLst>
+                                            <p:cond delay="0"/>
+                                          </p:stCondLst>
+                                        </p:cTn>
+                                        <p:tgtEl>
+                                          <p:spTgt spid="3">
+                                            <p:txEl>
+                                              <p:pRg st="0" end="0"/>
+                                            </p:txEl>
+                                          </p:spTgt>
+                                        </p:tgtEl>
+                                        <p:attrNameLst>
+                                          <p:attrName>style.visibility</p:attrName>
+                                        </p:attrNameLst>
+                                      </p:cBhvr>
+                                      <p:to>
+                                        <p:strVal val="visible"/>
+                                      </p:to>
+                                    </p:set>
+                                  </p:childTnLst>
+                                </p:cTn>
+                              </p:par>
+                            </p:childTnLst>
+                          </p:cTn>
+                        </p:par>
+                      </p:childTnLst>
+                    </p:cTn>
+                  </p:par>
+                  <p:par>
+                    <p:cTn id="7" fill="hold">
+                      <p:stCondLst>
+                        <p:cond delay="indefinite"/>
+                      </p:stCondLst>
+                      <p:childTnLst>
+                        <p:par>
+                          <p:cTn id="8" fill="hold">
+                            <p:stCondLst>
+                              <p:cond delay="0"/>
+                            </p:stCondLst>
+                            <p:childTnLst>
+                              <p:par>
+                                <p:cTn id="9" presetID="1" presetClass="entr" presetSubtype="0" fill="hold" nodeType="clickEffect">
+                                  <p:stCondLst>
+                                    <p:cond delay="0"/>
+                                  </p:stCondLst>
+                                  <p:childTnLst>
+                                    <p:set>
+                                      <p:cBhvr>
+                                        <p:cTn id="10" dur="1" fill="hold">
+                                          <p:stCondLst>
+                                            <p:cond delay="0"/>
+                                          </p:stCondLst>
+                                        </p:cTn>
+                                        <p:tgtEl>
+                                          <p:spTgt spid="3">
+                                            <p:txEl>
+                                              <p:pRg st="1" end="1"/>
+                                            </p:txEl>
+                                          </p:spTgt>
+                                        </p:tgtEl>
+                                        <p:attrNameLst>
+                                          <p:attrName>style.visibility</p:attrName>
+                                        </p:attrNameLst>
+                                      </p:cBhvr>
+                                      <p:to>
+                                        <p:strVal val="visible"/>
+                                      </p:to>
+                                    </p:set>
+                                  </p:childTnLst>
+                                </p:cTn>
+                              </p:par>
+                            </p:childTnLst>
+                          </p:cTn>
+                        </p:par>
+                      </p:childTnLst>
+                    </p:cTn>
+                  </p:par>
+                </p:childTnLst>
+              </p:cTn>
+              <p:prevCondLst>
+                <p:cond evt="onPrev" delay="0">
+                  <p:tgtEl>
+                    <p:sldTgt/>
+                  </p:tgtEl>
+                </p:cond>
+              </p:prevCondLst>
+              <p:nextCondLst>
+                <p:cond evt="onNext" delay="0">
+                  <p:tgtEl>
+                    <p:sldTgt/>
+                  </p:tgtEl>
+                </p:cond>
+              </p:nextCondLst>
+            </p:seq>
+          </p:childTnLst>
+        </p:cTn>
+      </p:par>
+    </p:tnLst>
+  </p:timing>
 </p:sld>
 </file>
 
@@ -8526,6 +11810,244 @@
   <p:clrMapOvr>
     <a:masterClrMapping/>
   </p:clrMapOvr>
+  <mc:AlternateContent xmlns:mc="http://schemas.openxmlformats.org/markup-compatibility/2006">
+    <mc:Choice xmlns:p14="http://schemas.microsoft.com/office/powerpoint/2010/main" Requires="p14">
+      <p:transition spd="med" p14:dur="700">
+        <p:fade/>
+      </p:transition>
+    </mc:Choice>
+    <mc:Fallback>
+      <p:transition spd="med">
+        <p:fade/>
+      </p:transition>
+    </mc:Fallback>
+  </mc:AlternateContent>
+  <p:timing>
+    <p:tnLst>
+      <p:par>
+        <p:cTn id="1" dur="indefinite" restart="never" nodeType="tmRoot">
+          <p:childTnLst>
+            <p:seq concurrent="1" nextAc="seek">
+              <p:cTn id="2" dur="indefinite" nodeType="mainSeq">
+                <p:childTnLst>
+                  <p:par>
+                    <p:cTn id="3" fill="hold">
+                      <p:stCondLst>
+                        <p:cond delay="indefinite"/>
+                      </p:stCondLst>
+                      <p:childTnLst>
+                        <p:par>
+                          <p:cTn id="4" fill="hold">
+                            <p:stCondLst>
+                              <p:cond delay="0"/>
+                            </p:stCondLst>
+                            <p:childTnLst>
+                              <p:par>
+                                <p:cTn id="5" presetID="1" presetClass="entr" presetSubtype="0" fill="hold" nodeType="clickEffect">
+                                  <p:stCondLst>
+                                    <p:cond delay="0"/>
+                                  </p:stCondLst>
+                                  <p:childTnLst>
+                                    <p:set>
+                                      <p:cBhvr>
+                                        <p:cTn id="6" dur="1" fill="hold">
+                                          <p:stCondLst>
+                                            <p:cond delay="0"/>
+                                          </p:stCondLst>
+                                        </p:cTn>
+                                        <p:tgtEl>
+                                          <p:spTgt spid="3">
+                                            <p:txEl>
+                                              <p:pRg st="0" end="0"/>
+                                            </p:txEl>
+                                          </p:spTgt>
+                                        </p:tgtEl>
+                                        <p:attrNameLst>
+                                          <p:attrName>style.visibility</p:attrName>
+                                        </p:attrNameLst>
+                                      </p:cBhvr>
+                                      <p:to>
+                                        <p:strVal val="visible"/>
+                                      </p:to>
+                                    </p:set>
+                                  </p:childTnLst>
+                                </p:cTn>
+                              </p:par>
+                            </p:childTnLst>
+                          </p:cTn>
+                        </p:par>
+                      </p:childTnLst>
+                    </p:cTn>
+                  </p:par>
+                  <p:par>
+                    <p:cTn id="7" fill="hold">
+                      <p:stCondLst>
+                        <p:cond delay="indefinite"/>
+                      </p:stCondLst>
+                      <p:childTnLst>
+                        <p:par>
+                          <p:cTn id="8" fill="hold">
+                            <p:stCondLst>
+                              <p:cond delay="0"/>
+                            </p:stCondLst>
+                            <p:childTnLst>
+                              <p:par>
+                                <p:cTn id="9" presetID="1" presetClass="entr" presetSubtype="0" fill="hold" nodeType="clickEffect">
+                                  <p:stCondLst>
+                                    <p:cond delay="0"/>
+                                  </p:stCondLst>
+                                  <p:childTnLst>
+                                    <p:set>
+                                      <p:cBhvr>
+                                        <p:cTn id="10" dur="1" fill="hold">
+                                          <p:stCondLst>
+                                            <p:cond delay="0"/>
+                                          </p:stCondLst>
+                                        </p:cTn>
+                                        <p:tgtEl>
+                                          <p:spTgt spid="3">
+                                            <p:txEl>
+                                              <p:pRg st="1" end="1"/>
+                                            </p:txEl>
+                                          </p:spTgt>
+                                        </p:tgtEl>
+                                        <p:attrNameLst>
+                                          <p:attrName>style.visibility</p:attrName>
+                                        </p:attrNameLst>
+                                      </p:cBhvr>
+                                      <p:to>
+                                        <p:strVal val="visible"/>
+                                      </p:to>
+                                    </p:set>
+                                  </p:childTnLst>
+                                </p:cTn>
+                              </p:par>
+                            </p:childTnLst>
+                          </p:cTn>
+                        </p:par>
+                      </p:childTnLst>
+                    </p:cTn>
+                  </p:par>
+                  <p:par>
+                    <p:cTn id="11" fill="hold">
+                      <p:stCondLst>
+                        <p:cond delay="indefinite"/>
+                      </p:stCondLst>
+                      <p:childTnLst>
+                        <p:par>
+                          <p:cTn id="12" fill="hold">
+                            <p:stCondLst>
+                              <p:cond delay="0"/>
+                            </p:stCondLst>
+                            <p:childTnLst>
+                              <p:par>
+                                <p:cTn id="13" presetID="1" presetClass="entr" presetSubtype="0" fill="hold" nodeType="clickEffect">
+                                  <p:stCondLst>
+                                    <p:cond delay="0"/>
+                                  </p:stCondLst>
+                                  <p:childTnLst>
+                                    <p:set>
+                                      <p:cBhvr>
+                                        <p:cTn id="14" dur="1" fill="hold">
+                                          <p:stCondLst>
+                                            <p:cond delay="0"/>
+                                          </p:stCondLst>
+                                        </p:cTn>
+                                        <p:tgtEl>
+                                          <p:spTgt spid="3">
+                                            <p:txEl>
+                                              <p:pRg st="2" end="2"/>
+                                            </p:txEl>
+                                          </p:spTgt>
+                                        </p:tgtEl>
+                                        <p:attrNameLst>
+                                          <p:attrName>style.visibility</p:attrName>
+                                        </p:attrNameLst>
+                                      </p:cBhvr>
+                                      <p:to>
+                                        <p:strVal val="visible"/>
+                                      </p:to>
+                                    </p:set>
+                                  </p:childTnLst>
+                                </p:cTn>
+                              </p:par>
+                            </p:childTnLst>
+                          </p:cTn>
+                        </p:par>
+                      </p:childTnLst>
+                    </p:cTn>
+                  </p:par>
+                  <p:par>
+                    <p:cTn id="15" fill="hold">
+                      <p:stCondLst>
+                        <p:cond delay="indefinite"/>
+                      </p:stCondLst>
+                      <p:childTnLst>
+                        <p:par>
+                          <p:cTn id="16" fill="hold">
+                            <p:stCondLst>
+                              <p:cond delay="0"/>
+                            </p:stCondLst>
+                            <p:childTnLst>
+                              <p:par>
+                                <p:cTn id="17" presetID="1" presetClass="entr" presetSubtype="0" fill="hold" nodeType="clickEffect">
+                                  <p:stCondLst>
+                                    <p:cond delay="0"/>
+                                  </p:stCondLst>
+                                  <p:childTnLst>
+                                    <p:set>
+                                      <p:cBhvr>
+                                        <p:cTn id="18" dur="1" fill="hold">
+                                          <p:stCondLst>
+                                            <p:cond delay="0"/>
+                                          </p:stCondLst>
+                                        </p:cTn>
+                                        <p:tgtEl>
+                                          <p:spTgt spid="3">
+                                            <p:txEl>
+                                              <p:pRg st="3" end="3"/>
+                                            </p:txEl>
+                                          </p:spTgt>
+                                        </p:tgtEl>
+                                        <p:attrNameLst>
+                                          <p:attrName>style.visibility</p:attrName>
+                                        </p:attrNameLst>
+                                      </p:cBhvr>
+                                      <p:to>
+                                        <p:strVal val="visible"/>
+                                      </p:to>
+                                    </p:set>
+                                  </p:childTnLst>
+                                </p:cTn>
+                              </p:par>
+                            </p:childTnLst>
+                          </p:cTn>
+                        </p:par>
+                      </p:childTnLst>
+                    </p:cTn>
+                  </p:par>
+                </p:childTnLst>
+              </p:cTn>
+              <p:prevCondLst>
+                <p:cond evt="onPrev" delay="0">
+                  <p:tgtEl>
+                    <p:sldTgt/>
+                  </p:tgtEl>
+                </p:cond>
+              </p:prevCondLst>
+              <p:nextCondLst>
+                <p:cond evt="onNext" delay="0">
+                  <p:tgtEl>
+                    <p:sldTgt/>
+                  </p:tgtEl>
+                </p:cond>
+              </p:nextCondLst>
+            </p:seq>
+          </p:childTnLst>
+        </p:cTn>
+      </p:par>
+    </p:tnLst>
+  </p:timing>
 </p:sld>
 </file>
 
@@ -8709,6 +12231,195 @@
   <p:clrMapOvr>
     <a:masterClrMapping/>
   </p:clrMapOvr>
+  <mc:AlternateContent xmlns:mc="http://schemas.openxmlformats.org/markup-compatibility/2006">
+    <mc:Choice xmlns:p14="http://schemas.microsoft.com/office/powerpoint/2010/main" Requires="p14">
+      <p:transition spd="med" p14:dur="700">
+        <p:fade/>
+      </p:transition>
+    </mc:Choice>
+    <mc:Fallback>
+      <p:transition spd="med">
+        <p:fade/>
+      </p:transition>
+    </mc:Fallback>
+  </mc:AlternateContent>
+  <p:timing>
+    <p:tnLst>
+      <p:par>
+        <p:cTn id="1" dur="indefinite" restart="never" nodeType="tmRoot">
+          <p:childTnLst>
+            <p:seq concurrent="1" nextAc="seek">
+              <p:cTn id="2" dur="indefinite" nodeType="mainSeq">
+                <p:childTnLst>
+                  <p:par>
+                    <p:cTn id="3" fill="hold">
+                      <p:stCondLst>
+                        <p:cond delay="indefinite"/>
+                      </p:stCondLst>
+                      <p:childTnLst>
+                        <p:par>
+                          <p:cTn id="4" fill="hold">
+                            <p:stCondLst>
+                              <p:cond delay="0"/>
+                            </p:stCondLst>
+                            <p:childTnLst>
+                              <p:par>
+                                <p:cTn id="5" presetID="1" presetClass="entr" presetSubtype="0" fill="hold" nodeType="clickEffect">
+                                  <p:stCondLst>
+                                    <p:cond delay="0"/>
+                                  </p:stCondLst>
+                                  <p:childTnLst>
+                                    <p:set>
+                                      <p:cBhvr>
+                                        <p:cTn id="6" dur="1" fill="hold">
+                                          <p:stCondLst>
+                                            <p:cond delay="0"/>
+                                          </p:stCondLst>
+                                        </p:cTn>
+                                        <p:tgtEl>
+                                          <p:spTgt spid="3">
+                                            <p:txEl>
+                                              <p:pRg st="0" end="0"/>
+                                            </p:txEl>
+                                          </p:spTgt>
+                                        </p:tgtEl>
+                                        <p:attrNameLst>
+                                          <p:attrName>style.visibility</p:attrName>
+                                        </p:attrNameLst>
+                                      </p:cBhvr>
+                                      <p:to>
+                                        <p:strVal val="visible"/>
+                                      </p:to>
+                                    </p:set>
+                                  </p:childTnLst>
+                                </p:cTn>
+                              </p:par>
+                            </p:childTnLst>
+                          </p:cTn>
+                        </p:par>
+                      </p:childTnLst>
+                    </p:cTn>
+                  </p:par>
+                  <p:par>
+                    <p:cTn id="7" fill="hold">
+                      <p:stCondLst>
+                        <p:cond delay="indefinite"/>
+                      </p:stCondLst>
+                      <p:childTnLst>
+                        <p:par>
+                          <p:cTn id="8" fill="hold">
+                            <p:stCondLst>
+                              <p:cond delay="0"/>
+                            </p:stCondLst>
+                            <p:childTnLst>
+                              <p:par>
+                                <p:cTn id="9" presetID="1" presetClass="entr" presetSubtype="0" fill="hold" nodeType="clickEffect">
+                                  <p:stCondLst>
+                                    <p:cond delay="0"/>
+                                  </p:stCondLst>
+                                  <p:childTnLst>
+                                    <p:set>
+                                      <p:cBhvr>
+                                        <p:cTn id="10" dur="1" fill="hold">
+                                          <p:stCondLst>
+                                            <p:cond delay="0"/>
+                                          </p:stCondLst>
+                                        </p:cTn>
+                                        <p:tgtEl>
+                                          <p:spTgt spid="3">
+                                            <p:txEl>
+                                              <p:pRg st="1" end="1"/>
+                                            </p:txEl>
+                                          </p:spTgt>
+                                        </p:tgtEl>
+                                        <p:attrNameLst>
+                                          <p:attrName>style.visibility</p:attrName>
+                                        </p:attrNameLst>
+                                      </p:cBhvr>
+                                      <p:to>
+                                        <p:strVal val="visible"/>
+                                      </p:to>
+                                    </p:set>
+                                  </p:childTnLst>
+                                </p:cTn>
+                              </p:par>
+                            </p:childTnLst>
+                          </p:cTn>
+                        </p:par>
+                      </p:childTnLst>
+                    </p:cTn>
+                  </p:par>
+                  <p:par>
+                    <p:cTn id="11" fill="hold">
+                      <p:stCondLst>
+                        <p:cond delay="indefinite"/>
+                      </p:stCondLst>
+                      <p:childTnLst>
+                        <p:par>
+                          <p:cTn id="12" fill="hold">
+                            <p:stCondLst>
+                              <p:cond delay="0"/>
+                            </p:stCondLst>
+                            <p:childTnLst>
+                              <p:par>
+                                <p:cTn id="13" presetID="1" presetClass="entr" presetSubtype="0" fill="hold" nodeType="clickEffect">
+                                  <p:stCondLst>
+                                    <p:cond delay="0"/>
+                                  </p:stCondLst>
+                                  <p:childTnLst>
+                                    <p:set>
+                                      <p:cBhvr>
+                                        <p:cTn id="14" dur="1" fill="hold">
+                                          <p:stCondLst>
+                                            <p:cond delay="0"/>
+                                          </p:stCondLst>
+                                        </p:cTn>
+                                        <p:tgtEl>
+                                          <p:spTgt spid="3">
+                                            <p:txEl>
+                                              <p:pRg st="2" end="2"/>
+                                            </p:txEl>
+                                          </p:spTgt>
+                                        </p:tgtEl>
+                                        <p:attrNameLst>
+                                          <p:attrName>style.visibility</p:attrName>
+                                        </p:attrNameLst>
+                                      </p:cBhvr>
+                                      <p:to>
+                                        <p:strVal val="visible"/>
+                                      </p:to>
+                                    </p:set>
+                                  </p:childTnLst>
+                                </p:cTn>
+                              </p:par>
+                            </p:childTnLst>
+                          </p:cTn>
+                        </p:par>
+                      </p:childTnLst>
+                    </p:cTn>
+                  </p:par>
+                </p:childTnLst>
+              </p:cTn>
+              <p:prevCondLst>
+                <p:cond evt="onPrev" delay="0">
+                  <p:tgtEl>
+                    <p:sldTgt/>
+                  </p:tgtEl>
+                </p:cond>
+              </p:prevCondLst>
+              <p:nextCondLst>
+                <p:cond evt="onNext" delay="0">
+                  <p:tgtEl>
+                    <p:sldTgt/>
+                  </p:tgtEl>
+                </p:cond>
+              </p:nextCondLst>
+            </p:seq>
+          </p:childTnLst>
+        </p:cTn>
+      </p:par>
+    </p:tnLst>
+  </p:timing>
 </p:sld>
 </file>
 
@@ -8917,6 +12628,275 @@
   <p:clrMapOvr>
     <a:masterClrMapping/>
   </p:clrMapOvr>
+  <mc:AlternateContent xmlns:mc="http://schemas.openxmlformats.org/markup-compatibility/2006">
+    <mc:Choice xmlns:p14="http://schemas.microsoft.com/office/powerpoint/2010/main" Requires="p14">
+      <p:transition spd="med" p14:dur="700">
+        <p:fade/>
+      </p:transition>
+    </mc:Choice>
+    <mc:Fallback>
+      <p:transition spd="med">
+        <p:fade/>
+      </p:transition>
+    </mc:Fallback>
+  </mc:AlternateContent>
+  <p:timing>
+    <p:tnLst>
+      <p:par>
+        <p:cTn id="1" dur="indefinite" restart="never" nodeType="tmRoot">
+          <p:childTnLst>
+            <p:seq concurrent="1" nextAc="seek">
+              <p:cTn id="2" dur="indefinite" nodeType="mainSeq">
+                <p:childTnLst>
+                  <p:par>
+                    <p:cTn id="3" fill="hold">
+                      <p:stCondLst>
+                        <p:cond delay="indefinite"/>
+                      </p:stCondLst>
+                      <p:childTnLst>
+                        <p:par>
+                          <p:cTn id="4" fill="hold">
+                            <p:stCondLst>
+                              <p:cond delay="0"/>
+                            </p:stCondLst>
+                            <p:childTnLst>
+                              <p:par>
+                                <p:cTn id="5" presetID="1" presetClass="entr" presetSubtype="0" fill="hold" nodeType="clickEffect">
+                                  <p:stCondLst>
+                                    <p:cond delay="0"/>
+                                  </p:stCondLst>
+                                  <p:childTnLst>
+                                    <p:set>
+                                      <p:cBhvr>
+                                        <p:cTn id="6" dur="1" fill="hold">
+                                          <p:stCondLst>
+                                            <p:cond delay="0"/>
+                                          </p:stCondLst>
+                                        </p:cTn>
+                                        <p:tgtEl>
+                                          <p:spTgt spid="3">
+                                            <p:txEl>
+                                              <p:pRg st="0" end="0"/>
+                                            </p:txEl>
+                                          </p:spTgt>
+                                        </p:tgtEl>
+                                        <p:attrNameLst>
+                                          <p:attrName>style.visibility</p:attrName>
+                                        </p:attrNameLst>
+                                      </p:cBhvr>
+                                      <p:to>
+                                        <p:strVal val="visible"/>
+                                      </p:to>
+                                    </p:set>
+                                  </p:childTnLst>
+                                </p:cTn>
+                              </p:par>
+                              <p:par>
+                                <p:cTn id="7" presetID="1" presetClass="entr" presetSubtype="0" fill="hold" nodeType="withEffect">
+                                  <p:stCondLst>
+                                    <p:cond delay="0"/>
+                                  </p:stCondLst>
+                                  <p:childTnLst>
+                                    <p:set>
+                                      <p:cBhvr>
+                                        <p:cTn id="8" dur="1" fill="hold">
+                                          <p:stCondLst>
+                                            <p:cond delay="0"/>
+                                          </p:stCondLst>
+                                        </p:cTn>
+                                        <p:tgtEl>
+                                          <p:spTgt spid="3">
+                                            <p:txEl>
+                                              <p:pRg st="5" end="5"/>
+                                            </p:txEl>
+                                          </p:spTgt>
+                                        </p:tgtEl>
+                                        <p:attrNameLst>
+                                          <p:attrName>style.visibility</p:attrName>
+                                        </p:attrNameLst>
+                                      </p:cBhvr>
+                                      <p:to>
+                                        <p:strVal val="visible"/>
+                                      </p:to>
+                                    </p:set>
+                                  </p:childTnLst>
+                                </p:cTn>
+                              </p:par>
+                            </p:childTnLst>
+                          </p:cTn>
+                        </p:par>
+                      </p:childTnLst>
+                    </p:cTn>
+                  </p:par>
+                  <p:par>
+                    <p:cTn id="9" fill="hold">
+                      <p:stCondLst>
+                        <p:cond delay="indefinite"/>
+                      </p:stCondLst>
+                      <p:childTnLst>
+                        <p:par>
+                          <p:cTn id="10" fill="hold">
+                            <p:stCondLst>
+                              <p:cond delay="0"/>
+                            </p:stCondLst>
+                            <p:childTnLst>
+                              <p:par>
+                                <p:cTn id="11" presetID="1" presetClass="entr" presetSubtype="0" fill="hold" nodeType="clickEffect">
+                                  <p:stCondLst>
+                                    <p:cond delay="0"/>
+                                  </p:stCondLst>
+                                  <p:childTnLst>
+                                    <p:set>
+                                      <p:cBhvr>
+                                        <p:cTn id="12" dur="1" fill="hold">
+                                          <p:stCondLst>
+                                            <p:cond delay="0"/>
+                                          </p:stCondLst>
+                                        </p:cTn>
+                                        <p:tgtEl>
+                                          <p:spTgt spid="3">
+                                            <p:txEl>
+                                              <p:pRg st="1" end="1"/>
+                                            </p:txEl>
+                                          </p:spTgt>
+                                        </p:tgtEl>
+                                        <p:attrNameLst>
+                                          <p:attrName>style.visibility</p:attrName>
+                                        </p:attrNameLst>
+                                      </p:cBhvr>
+                                      <p:to>
+                                        <p:strVal val="visible"/>
+                                      </p:to>
+                                    </p:set>
+                                  </p:childTnLst>
+                                </p:cTn>
+                              </p:par>
+                            </p:childTnLst>
+                          </p:cTn>
+                        </p:par>
+                      </p:childTnLst>
+                    </p:cTn>
+                  </p:par>
+                  <p:par>
+                    <p:cTn id="13" fill="hold">
+                      <p:stCondLst>
+                        <p:cond delay="indefinite"/>
+                      </p:stCondLst>
+                      <p:childTnLst>
+                        <p:par>
+                          <p:cTn id="14" fill="hold">
+                            <p:stCondLst>
+                              <p:cond delay="0"/>
+                            </p:stCondLst>
+                            <p:childTnLst>
+                              <p:par>
+                                <p:cTn id="15" presetID="1" presetClass="entr" presetSubtype="0" fill="hold" nodeType="clickEffect">
+                                  <p:stCondLst>
+                                    <p:cond delay="0"/>
+                                  </p:stCondLst>
+                                  <p:childTnLst>
+                                    <p:set>
+                                      <p:cBhvr>
+                                        <p:cTn id="16" dur="1" fill="hold">
+                                          <p:stCondLst>
+                                            <p:cond delay="0"/>
+                                          </p:stCondLst>
+                                        </p:cTn>
+                                        <p:tgtEl>
+                                          <p:spTgt spid="3">
+                                            <p:txEl>
+                                              <p:pRg st="2" end="2"/>
+                                            </p:txEl>
+                                          </p:spTgt>
+                                        </p:tgtEl>
+                                        <p:attrNameLst>
+                                          <p:attrName>style.visibility</p:attrName>
+                                        </p:attrNameLst>
+                                      </p:cBhvr>
+                                      <p:to>
+                                        <p:strVal val="visible"/>
+                                      </p:to>
+                                    </p:set>
+                                  </p:childTnLst>
+                                </p:cTn>
+                              </p:par>
+                            </p:childTnLst>
+                          </p:cTn>
+                        </p:par>
+                      </p:childTnLst>
+                    </p:cTn>
+                  </p:par>
+                  <p:par>
+                    <p:cTn id="17" fill="hold">
+                      <p:stCondLst>
+                        <p:cond delay="indefinite"/>
+                      </p:stCondLst>
+                      <p:childTnLst>
+                        <p:par>
+                          <p:cTn id="18" fill="hold">
+                            <p:stCondLst>
+                              <p:cond delay="0"/>
+                            </p:stCondLst>
+                            <p:childTnLst>
+                              <p:par>
+                                <p:cTn id="19" presetID="1" presetClass="entr" presetSubtype="0" fill="hold" nodeType="clickEffect">
+                                  <p:stCondLst>
+                                    <p:cond delay="0"/>
+                                  </p:stCondLst>
+                                  <p:childTnLst>
+                                    <p:set>
+                                      <p:cBhvr>
+                                        <p:cTn id="20" dur="1" fill="hold">
+                                          <p:stCondLst>
+                                            <p:cond delay="0"/>
+                                          </p:stCondLst>
+                                        </p:cTn>
+                                        <p:tgtEl>
+                                          <p:spTgt spid="3">
+                                            <p:txEl>
+                                              <p:pRg st="6" end="6"/>
+                                            </p:txEl>
+                                          </p:spTgt>
+                                        </p:tgtEl>
+                                        <p:attrNameLst>
+                                          <p:attrName>style.visibility</p:attrName>
+                                        </p:attrNameLst>
+                                      </p:cBhvr>
+                                      <p:to>
+                                        <p:strVal val="visible"/>
+                                      </p:to>
+                                    </p:set>
+                                  </p:childTnLst>
+                                </p:cTn>
+                              </p:par>
+                            </p:childTnLst>
+                          </p:cTn>
+                        </p:par>
+                      </p:childTnLst>
+                    </p:cTn>
+                  </p:par>
+                </p:childTnLst>
+              </p:cTn>
+              <p:prevCondLst>
+                <p:cond evt="onPrev" delay="0">
+                  <p:tgtEl>
+                    <p:sldTgt/>
+                  </p:tgtEl>
+                </p:cond>
+              </p:prevCondLst>
+              <p:nextCondLst>
+                <p:cond evt="onNext" delay="0">
+                  <p:tgtEl>
+                    <p:sldTgt/>
+                  </p:tgtEl>
+                </p:cond>
+              </p:nextCondLst>
+            </p:seq>
+          </p:childTnLst>
+        </p:cTn>
+      </p:par>
+    </p:tnLst>
+  </p:timing>
 </p:sld>
 </file>
 

--- a/myMD_Planungsphase.pptx
+++ b/myMD_Planungsphase.pptx
@@ -720,69 +720,6 @@
           </a:p>
         </p:txBody>
       </p:sp>
-      <p:graphicFrame>
-        <p:nvGraphicFramePr>
-          <p:cNvPr id="7" name="Objekt 6">
-            <a:extLst>
-              <a:ext uri="{FF2B5EF4-FFF2-40B4-BE49-F238E27FC236}">
-                <a16:creationId xmlns:a16="http://schemas.microsoft.com/office/drawing/2014/main" id="{933507BC-F992-40D2-82A1-55E539E1714E}"/>
-              </a:ext>
-            </a:extLst>
-          </p:cNvPr>
-          <p:cNvGraphicFramePr>
-            <a:graphicFrameLocks noChangeAspect="1"/>
-          </p:cNvGraphicFramePr>
-          <p:nvPr userDrawn="1">
-            <p:extLst>
-              <p:ext uri="{D42A27DB-BD31-4B8C-83A1-F6EECF244321}">
-                <p14:modId xmlns:p14="http://schemas.microsoft.com/office/powerpoint/2010/main" val="759709651"/>
-              </p:ext>
-            </p:extLst>
-          </p:nvPr>
-        </p:nvGraphicFramePr>
-        <p:xfrm>
-          <a:off x="342900" y="265113"/>
-          <a:ext cx="1866900" cy="857250"/>
-        </p:xfrm>
-        <a:graphic>
-          <a:graphicData uri="http://schemas.openxmlformats.org/presentationml/2006/ole">
-            <mc:AlternateContent xmlns:mc="http://schemas.openxmlformats.org/markup-compatibility/2006">
-              <mc:Choice xmlns:v="urn:schemas-microsoft-com:vml" Requires="v">
-                <p:oleObj spid="_x0000_s1043" name="Acrobat Document" r:id="rId3" imgW="1866722" imgH="857250" progId="AcroExch.Document.DC">
-                  <p:embed/>
-                </p:oleObj>
-              </mc:Choice>
-              <mc:Fallback>
-                <p:oleObj name="Acrobat Document" r:id="rId3" imgW="1866722" imgH="857250" progId="AcroExch.Document.DC">
-                  <p:embed/>
-                  <p:pic>
-                    <p:nvPicPr>
-                      <p:cNvPr id="0" name=""/>
-                      <p:cNvPicPr/>
-                      <p:nvPr/>
-                    </p:nvPicPr>
-                    <p:blipFill>
-                      <a:blip r:embed="rId4"/>
-                      <a:stretch>
-                        <a:fillRect/>
-                      </a:stretch>
-                    </p:blipFill>
-                    <p:spPr>
-                      <a:xfrm>
-                        <a:off x="342900" y="265113"/>
-                        <a:ext cx="1866900" cy="857250"/>
-                      </a:xfrm>
-                      <a:prstGeom prst="rect">
-                        <a:avLst/>
-                      </a:prstGeom>
-                    </p:spPr>
-                  </p:pic>
-                </p:oleObj>
-              </mc:Fallback>
-            </mc:AlternateContent>
-          </a:graphicData>
-        </a:graphic>
-      </p:graphicFrame>
       <p:pic>
         <p:nvPicPr>
           <p:cNvPr id="9" name="Grafik 8" descr="Ein Bild, das Outdoorobjekt enthält.&#10;&#10;Mit hoher Zuverlässigkeit generierte Beschreibung">
@@ -798,7 +735,7 @@
           <p:nvPr userDrawn="1"/>
         </p:nvPicPr>
         <p:blipFill>
-          <a:blip r:embed="rId5">
+          <a:blip r:embed="rId2">
             <a:extLst>
               <a:ext uri="{28A0092B-C50C-407E-A947-70E740481C1C}">
                 <a14:useLocalDpi xmlns:a14="http://schemas.microsoft.com/office/drawing/2010/main" val="0"/>
@@ -819,6 +756,53 @@
           </a:prstGeom>
         </p:spPr>
       </p:pic>
+      <p:pic>
+        <p:nvPicPr>
+          <p:cNvPr id="1046" name="Picture 22" descr="http://www.tkm.uni-karlsruhe.de/~shnirman/kit_logo.png">
+            <a:extLst>
+              <a:ext uri="{FF2B5EF4-FFF2-40B4-BE49-F238E27FC236}">
+                <a16:creationId xmlns:a16="http://schemas.microsoft.com/office/drawing/2014/main" id="{B98AECDC-154B-4972-B535-81AD47CC696C}"/>
+              </a:ext>
+            </a:extLst>
+          </p:cNvPr>
+          <p:cNvPicPr>
+            <a:picLocks noChangeAspect="1" noChangeArrowheads="1"/>
+          </p:cNvPicPr>
+          <p:nvPr userDrawn="1"/>
+        </p:nvPicPr>
+        <p:blipFill>
+          <a:blip r:embed="rId3">
+            <a:extLst>
+              <a:ext uri="{28A0092B-C50C-407E-A947-70E740481C1C}">
+                <a14:useLocalDpi xmlns:a14="http://schemas.microsoft.com/office/drawing/2010/main" val="0"/>
+              </a:ext>
+            </a:extLst>
+          </a:blip>
+          <a:srcRect/>
+          <a:stretch>
+            <a:fillRect/>
+          </a:stretch>
+        </p:blipFill>
+        <p:spPr bwMode="auto">
+          <a:xfrm>
+            <a:off x="86497" y="264319"/>
+            <a:ext cx="1971678" cy="985839"/>
+          </a:xfrm>
+          <a:prstGeom prst="rect">
+            <a:avLst/>
+          </a:prstGeom>
+          <a:noFill/>
+          <a:extLst>
+            <a:ext uri="{909E8E84-426E-40DD-AFC4-6F175D3DCCD1}">
+              <a14:hiddenFill xmlns:a14="http://schemas.microsoft.com/office/drawing/2010/main">
+                <a:solidFill>
+                  <a:srgbClr val="FFFFFF"/>
+                </a:solidFill>
+              </a14:hiddenFill>
+            </a:ext>
+          </a:extLst>
+        </p:spPr>
+      </p:pic>
     </p:spTree>
     <p:extLst>
       <p:ext uri="{BB962C8B-B14F-4D97-AF65-F5344CB8AC3E}">
@@ -829,13 +813,13 @@
   <p:clrMapOvr>
     <a:masterClrMapping/>
   </p:clrMapOvr>
-  <mc:AlternateContent xmlns:mc="http://schemas.openxmlformats.org/markup-compatibility/2006">
-    <mc:Choice xmlns:p14="http://schemas.microsoft.com/office/powerpoint/2010/main" Requires="p14">
+  <mc:AlternateContent xmlns:mc="http://schemas.openxmlformats.org/markup-compatibility/2006" xmlns:p14="http://schemas.microsoft.com/office/powerpoint/2010/main">
+    <mc:Choice Requires="p14">
       <p:transition spd="med" p14:dur="700">
         <p:fade/>
       </p:transition>
     </mc:Choice>
-    <mc:Fallback>
+    <mc:Fallback xmlns="">
       <p:transition spd="med">
         <p:fade/>
       </p:transition>
@@ -1041,13 +1025,13 @@
   <p:clrMapOvr>
     <a:masterClrMapping/>
   </p:clrMapOvr>
-  <mc:AlternateContent xmlns:mc="http://schemas.openxmlformats.org/markup-compatibility/2006">
-    <mc:Choice xmlns:p14="http://schemas.microsoft.com/office/powerpoint/2010/main" Requires="p14">
+  <mc:AlternateContent xmlns:mc="http://schemas.openxmlformats.org/markup-compatibility/2006" xmlns:p14="http://schemas.microsoft.com/office/powerpoint/2010/main">
+    <mc:Choice Requires="p14">
       <p:transition spd="med" p14:dur="700">
         <p:fade/>
       </p:transition>
     </mc:Choice>
-    <mc:Fallback>
+    <mc:Fallback xmlns="">
       <p:transition spd="med">
         <p:fade/>
       </p:transition>
@@ -1263,13 +1247,13 @@
   <p:clrMapOvr>
     <a:masterClrMapping/>
   </p:clrMapOvr>
-  <mc:AlternateContent xmlns:mc="http://schemas.openxmlformats.org/markup-compatibility/2006">
-    <mc:Choice xmlns:p14="http://schemas.microsoft.com/office/powerpoint/2010/main" Requires="p14">
+  <mc:AlternateContent xmlns:mc="http://schemas.openxmlformats.org/markup-compatibility/2006" xmlns:p14="http://schemas.microsoft.com/office/powerpoint/2010/main">
+    <mc:Choice Requires="p14">
       <p:transition spd="med" p14:dur="700">
         <p:fade/>
       </p:transition>
     </mc:Choice>
-    <mc:Fallback>
+    <mc:Fallback xmlns="">
       <p:transition spd="med">
         <p:fade/>
       </p:transition>
@@ -1510,75 +1494,6 @@
           </a:p>
         </p:txBody>
       </p:sp>
-      <p:graphicFrame>
-        <p:nvGraphicFramePr>
-          <p:cNvPr id="7" name="Objekt 6">
-            <a:extLst>
-              <a:ext uri="{FF2B5EF4-FFF2-40B4-BE49-F238E27FC236}">
-                <a16:creationId xmlns:a16="http://schemas.microsoft.com/office/drawing/2014/main" id="{CA5D8834-0F95-4A4A-B5FA-80B39A55F10B}"/>
-              </a:ext>
-            </a:extLst>
-          </p:cNvPr>
-          <p:cNvGraphicFramePr>
-            <a:graphicFrameLocks noChangeAspect="1"/>
-          </p:cNvGraphicFramePr>
-          <p:nvPr userDrawn="1">
-            <p:extLst>
-              <p:ext uri="{D42A27DB-BD31-4B8C-83A1-F6EECF244321}">
-                <p14:modId xmlns:p14="http://schemas.microsoft.com/office/powerpoint/2010/main" val="1449257245"/>
-              </p:ext>
-            </p:extLst>
-          </p:nvPr>
-        </p:nvGraphicFramePr>
-        <p:xfrm>
-          <a:off x="342900" y="265113"/>
-          <a:ext cx="1866900" cy="857250"/>
-        </p:xfrm>
-        <a:graphic>
-          <a:graphicData uri="http://schemas.openxmlformats.org/presentationml/2006/ole">
-            <mc:AlternateContent xmlns:mc="http://schemas.openxmlformats.org/markup-compatibility/2006">
-              <mc:Choice xmlns:v="urn:schemas-microsoft-com:vml" Requires="v">
-                <p:oleObj spid="_x0000_s2062" name="Acrobat Document" r:id="rId3" imgW="1866722" imgH="857250" progId="AcroExch.Document.DC">
-                  <p:embed/>
-                </p:oleObj>
-              </mc:Choice>
-              <mc:Fallback>
-                <p:oleObj name="Acrobat Document" r:id="rId3" imgW="1866722" imgH="857250" progId="AcroExch.Document.DC">
-                  <p:embed/>
-                  <p:pic>
-                    <p:nvPicPr>
-                      <p:cNvPr id="7" name="Objekt 6">
-                        <a:extLst>
-                          <a:ext uri="{FF2B5EF4-FFF2-40B4-BE49-F238E27FC236}">
-                            <a16:creationId xmlns:a16="http://schemas.microsoft.com/office/drawing/2014/main" id="{933507BC-F992-40D2-82A1-55E539E1714E}"/>
-                          </a:ext>
-                        </a:extLst>
-                      </p:cNvPr>
-                      <p:cNvPicPr/>
-                      <p:nvPr/>
-                    </p:nvPicPr>
-                    <p:blipFill>
-                      <a:blip r:embed="rId4"/>
-                      <a:stretch>
-                        <a:fillRect/>
-                      </a:stretch>
-                    </p:blipFill>
-                    <p:spPr>
-                      <a:xfrm>
-                        <a:off x="342900" y="265113"/>
-                        <a:ext cx="1866900" cy="857250"/>
-                      </a:xfrm>
-                      <a:prstGeom prst="rect">
-                        <a:avLst/>
-                      </a:prstGeom>
-                    </p:spPr>
-                  </p:pic>
-                </p:oleObj>
-              </mc:Fallback>
-            </mc:AlternateContent>
-          </a:graphicData>
-        </a:graphic>
-      </p:graphicFrame>
       <p:pic>
         <p:nvPicPr>
           <p:cNvPr id="8" name="Grafik 7" descr="Ein Bild, das Outdoorobjekt enthält.&#10;&#10;Mit hoher Zuverlässigkeit generierte Beschreibung">
@@ -1594,7 +1509,7 @@
           <p:nvPr userDrawn="1"/>
         </p:nvPicPr>
         <p:blipFill>
-          <a:blip r:embed="rId5">
+          <a:blip r:embed="rId2">
             <a:extLst>
               <a:ext uri="{28A0092B-C50C-407E-A947-70E740481C1C}">
                 <a14:useLocalDpi xmlns:a14="http://schemas.microsoft.com/office/drawing/2010/main" val="0"/>
@@ -1615,6 +1530,53 @@
           </a:prstGeom>
         </p:spPr>
       </p:pic>
+      <p:pic>
+        <p:nvPicPr>
+          <p:cNvPr id="9" name="Picture 22" descr="http://www.tkm.uni-karlsruhe.de/~shnirman/kit_logo.png">
+            <a:extLst>
+              <a:ext uri="{FF2B5EF4-FFF2-40B4-BE49-F238E27FC236}">
+                <a16:creationId xmlns:a16="http://schemas.microsoft.com/office/drawing/2014/main" id="{02F42198-A48C-4686-A2C4-8DE5826CE84B}"/>
+              </a:ext>
+            </a:extLst>
+          </p:cNvPr>
+          <p:cNvPicPr>
+            <a:picLocks noChangeAspect="1" noChangeArrowheads="1"/>
+          </p:cNvPicPr>
+          <p:nvPr userDrawn="1"/>
+        </p:nvPicPr>
+        <p:blipFill>
+          <a:blip r:embed="rId3">
+            <a:extLst>
+              <a:ext uri="{28A0092B-C50C-407E-A947-70E740481C1C}">
+                <a14:useLocalDpi xmlns:a14="http://schemas.microsoft.com/office/drawing/2010/main" val="0"/>
+              </a:ext>
+            </a:extLst>
+          </a:blip>
+          <a:srcRect/>
+          <a:stretch>
+            <a:fillRect/>
+          </a:stretch>
+        </p:blipFill>
+        <p:spPr bwMode="auto">
+          <a:xfrm>
+            <a:off x="144162" y="265114"/>
+            <a:ext cx="1971678" cy="985839"/>
+          </a:xfrm>
+          <a:prstGeom prst="rect">
+            <a:avLst/>
+          </a:prstGeom>
+          <a:noFill/>
+          <a:extLst>
+            <a:ext uri="{909E8E84-426E-40DD-AFC4-6F175D3DCCD1}">
+              <a14:hiddenFill xmlns:a14="http://schemas.microsoft.com/office/drawing/2010/main">
+                <a:solidFill>
+                  <a:srgbClr val="FFFFFF"/>
+                </a:solidFill>
+              </a14:hiddenFill>
+            </a:ext>
+          </a:extLst>
+        </p:spPr>
+      </p:pic>
     </p:spTree>
     <p:extLst>
       <p:ext uri="{BB962C8B-B14F-4D97-AF65-F5344CB8AC3E}">
@@ -1625,13 +1587,13 @@
   <p:clrMapOvr>
     <a:masterClrMapping/>
   </p:clrMapOvr>
-  <mc:AlternateContent xmlns:mc="http://schemas.openxmlformats.org/markup-compatibility/2006">
-    <mc:Choice xmlns:p14="http://schemas.microsoft.com/office/powerpoint/2010/main" Requires="p14">
+  <mc:AlternateContent xmlns:mc="http://schemas.openxmlformats.org/markup-compatibility/2006" xmlns:p14="http://schemas.microsoft.com/office/powerpoint/2010/main">
+    <mc:Choice Requires="p14">
       <p:transition spd="med" p14:dur="700">
         <p:fade/>
       </p:transition>
     </mc:Choice>
-    <mc:Fallback>
+    <mc:Fallback xmlns="">
       <p:transition spd="med">
         <p:fade/>
       </p:transition>
@@ -1914,13 +1876,13 @@
   <p:clrMapOvr>
     <a:masterClrMapping/>
   </p:clrMapOvr>
-  <mc:AlternateContent xmlns:mc="http://schemas.openxmlformats.org/markup-compatibility/2006">
-    <mc:Choice xmlns:p14="http://schemas.microsoft.com/office/powerpoint/2010/main" Requires="p14">
+  <mc:AlternateContent xmlns:mc="http://schemas.openxmlformats.org/markup-compatibility/2006" xmlns:p14="http://schemas.microsoft.com/office/powerpoint/2010/main">
+    <mc:Choice Requires="p14">
       <p:transition spd="med" p14:dur="700">
         <p:fade/>
       </p:transition>
     </mc:Choice>
-    <mc:Fallback>
+    <mc:Fallback xmlns="">
       <p:transition spd="med">
         <p:fade/>
       </p:transition>
@@ -2193,13 +2155,13 @@
   <p:clrMapOvr>
     <a:masterClrMapping/>
   </p:clrMapOvr>
-  <mc:AlternateContent xmlns:mc="http://schemas.openxmlformats.org/markup-compatibility/2006">
-    <mc:Choice xmlns:p14="http://schemas.microsoft.com/office/powerpoint/2010/main" Requires="p14">
+  <mc:AlternateContent xmlns:mc="http://schemas.openxmlformats.org/markup-compatibility/2006" xmlns:p14="http://schemas.microsoft.com/office/powerpoint/2010/main">
+    <mc:Choice Requires="p14">
       <p:transition spd="med" p14:dur="700">
         <p:fade/>
       </p:transition>
     </mc:Choice>
-    <mc:Fallback>
+    <mc:Fallback xmlns="">
       <p:transition spd="med">
         <p:fade/>
       </p:transition>
@@ -2619,13 +2581,13 @@
   <p:clrMapOvr>
     <a:masterClrMapping/>
   </p:clrMapOvr>
-  <mc:AlternateContent xmlns:mc="http://schemas.openxmlformats.org/markup-compatibility/2006">
-    <mc:Choice xmlns:p14="http://schemas.microsoft.com/office/powerpoint/2010/main" Requires="p14">
+  <mc:AlternateContent xmlns:mc="http://schemas.openxmlformats.org/markup-compatibility/2006" xmlns:p14="http://schemas.microsoft.com/office/powerpoint/2010/main">
+    <mc:Choice Requires="p14">
       <p:transition spd="med" p14:dur="700">
         <p:fade/>
       </p:transition>
     </mc:Choice>
-    <mc:Fallback>
+    <mc:Fallback xmlns="">
       <p:transition spd="med">
         <p:fade/>
       </p:transition>
@@ -2774,13 +2736,13 @@
   <p:clrMapOvr>
     <a:masterClrMapping/>
   </p:clrMapOvr>
-  <mc:AlternateContent xmlns:mc="http://schemas.openxmlformats.org/markup-compatibility/2006">
-    <mc:Choice xmlns:p14="http://schemas.microsoft.com/office/powerpoint/2010/main" Requires="p14">
+  <mc:AlternateContent xmlns:mc="http://schemas.openxmlformats.org/markup-compatibility/2006" xmlns:p14="http://schemas.microsoft.com/office/powerpoint/2010/main">
+    <mc:Choice Requires="p14">
       <p:transition spd="med" p14:dur="700">
         <p:fade/>
       </p:transition>
     </mc:Choice>
-    <mc:Fallback>
+    <mc:Fallback xmlns="">
       <p:transition spd="med">
         <p:fade/>
       </p:transition>
@@ -2901,13 +2863,13 @@
   <p:clrMapOvr>
     <a:masterClrMapping/>
   </p:clrMapOvr>
-  <mc:AlternateContent xmlns:mc="http://schemas.openxmlformats.org/markup-compatibility/2006">
-    <mc:Choice xmlns:p14="http://schemas.microsoft.com/office/powerpoint/2010/main" Requires="p14">
+  <mc:AlternateContent xmlns:mc="http://schemas.openxmlformats.org/markup-compatibility/2006" xmlns:p14="http://schemas.microsoft.com/office/powerpoint/2010/main">
+    <mc:Choice Requires="p14">
       <p:transition spd="med" p14:dur="700">
         <p:fade/>
       </p:transition>
     </mc:Choice>
-    <mc:Fallback>
+    <mc:Fallback xmlns="">
       <p:transition spd="med">
         <p:fade/>
       </p:transition>
@@ -3226,13 +3188,13 @@
   <p:clrMapOvr>
     <a:masterClrMapping/>
   </p:clrMapOvr>
-  <mc:AlternateContent xmlns:mc="http://schemas.openxmlformats.org/markup-compatibility/2006">
-    <mc:Choice xmlns:p14="http://schemas.microsoft.com/office/powerpoint/2010/main" Requires="p14">
+  <mc:AlternateContent xmlns:mc="http://schemas.openxmlformats.org/markup-compatibility/2006" xmlns:p14="http://schemas.microsoft.com/office/powerpoint/2010/main">
+    <mc:Choice Requires="p14">
       <p:transition spd="med" p14:dur="700">
         <p:fade/>
       </p:transition>
     </mc:Choice>
-    <mc:Fallback>
+    <mc:Fallback xmlns="">
       <p:transition spd="med">
         <p:fade/>
       </p:transition>
@@ -3528,13 +3490,13 @@
   <p:clrMapOvr>
     <a:masterClrMapping/>
   </p:clrMapOvr>
-  <mc:AlternateContent xmlns:mc="http://schemas.openxmlformats.org/markup-compatibility/2006">
-    <mc:Choice xmlns:p14="http://schemas.microsoft.com/office/powerpoint/2010/main" Requires="p14">
+  <mc:AlternateContent xmlns:mc="http://schemas.openxmlformats.org/markup-compatibility/2006" xmlns:p14="http://schemas.microsoft.com/office/powerpoint/2010/main">
+    <mc:Choice Requires="p14">
       <p:transition spd="med" p14:dur="700">
         <p:fade/>
       </p:transition>
     </mc:Choice>
-    <mc:Fallback>
+    <mc:Fallback xmlns="">
       <p:transition spd="med">
         <p:fade/>
       </p:transition>
@@ -3830,13 +3792,13 @@
     <p:sldLayoutId id="2147483658" r:id="rId10"/>
     <p:sldLayoutId id="2147483659" r:id="rId11"/>
   </p:sldLayoutIdLst>
-  <mc:AlternateContent xmlns:mc="http://schemas.openxmlformats.org/markup-compatibility/2006">
-    <mc:Choice xmlns:p14="http://schemas.microsoft.com/office/powerpoint/2010/main" Requires="p14">
+  <mc:AlternateContent xmlns:mc="http://schemas.openxmlformats.org/markup-compatibility/2006" xmlns:p14="http://schemas.microsoft.com/office/powerpoint/2010/main">
+    <mc:Choice Requires="p14">
       <p:transition spd="med" p14:dur="700">
         <p:fade/>
       </p:transition>
     </mc:Choice>
-    <mc:Fallback>
+    <mc:Fallback xmlns="">
       <p:transition spd="med">
         <p:fade/>
       </p:transition>
@@ -4211,13 +4173,13 @@
   <p:clrMapOvr>
     <a:masterClrMapping/>
   </p:clrMapOvr>
-  <mc:AlternateContent xmlns:mc="http://schemas.openxmlformats.org/markup-compatibility/2006">
-    <mc:Choice xmlns:p14="http://schemas.microsoft.com/office/powerpoint/2010/main" Requires="p14">
+  <mc:AlternateContent xmlns:mc="http://schemas.openxmlformats.org/markup-compatibility/2006" xmlns:p14="http://schemas.microsoft.com/office/powerpoint/2010/main">
+    <mc:Choice Requires="p14">
       <p:transition spd="med" p14:dur="700">
         <p:fade/>
       </p:transition>
     </mc:Choice>
-    <mc:Fallback>
+    <mc:Fallback xmlns="">
       <p:transition spd="med">
         <p:fade/>
       </p:transition>
@@ -4426,13 +4388,13 @@
   <p:clrMapOvr>
     <a:masterClrMapping/>
   </p:clrMapOvr>
-  <mc:AlternateContent xmlns:mc="http://schemas.openxmlformats.org/markup-compatibility/2006">
-    <mc:Choice xmlns:p14="http://schemas.microsoft.com/office/powerpoint/2010/main" Requires="p14">
+  <mc:AlternateContent xmlns:mc="http://schemas.openxmlformats.org/markup-compatibility/2006" xmlns:p14="http://schemas.microsoft.com/office/powerpoint/2010/main">
+    <mc:Choice Requires="p14">
       <p:transition spd="med" p14:dur="700">
         <p:fade/>
       </p:transition>
     </mc:Choice>
-    <mc:Fallback>
+    <mc:Fallback xmlns="">
       <p:transition spd="med">
         <p:fade/>
       </p:transition>
@@ -4921,13 +4883,13 @@
   <p:clrMapOvr>
     <a:masterClrMapping/>
   </p:clrMapOvr>
-  <mc:AlternateContent xmlns:mc="http://schemas.openxmlformats.org/markup-compatibility/2006">
-    <mc:Choice xmlns:p14="http://schemas.microsoft.com/office/powerpoint/2010/main" Requires="p14">
+  <mc:AlternateContent xmlns:mc="http://schemas.openxmlformats.org/markup-compatibility/2006" xmlns:p14="http://schemas.microsoft.com/office/powerpoint/2010/main">
+    <mc:Choice Requires="p14">
       <p:transition spd="med" p14:dur="700">
         <p:fade/>
       </p:transition>
     </mc:Choice>
-    <mc:Fallback>
+    <mc:Fallback xmlns="">
       <p:transition spd="med">
         <p:fade/>
       </p:transition>
@@ -5397,13 +5359,13 @@
   <p:clrMapOvr>
     <a:masterClrMapping/>
   </p:clrMapOvr>
-  <mc:AlternateContent xmlns:mc="http://schemas.openxmlformats.org/markup-compatibility/2006">
-    <mc:Choice xmlns:p14="http://schemas.microsoft.com/office/powerpoint/2010/main" Requires="p14">
+  <mc:AlternateContent xmlns:mc="http://schemas.openxmlformats.org/markup-compatibility/2006" xmlns:p14="http://schemas.microsoft.com/office/powerpoint/2010/main">
+    <mc:Choice Requires="p14">
       <p:transition spd="med" p14:dur="700">
         <p:fade/>
       </p:transition>
     </mc:Choice>
-    <mc:Fallback>
+    <mc:Fallback xmlns="">
       <p:transition spd="med">
         <p:fade/>
       </p:transition>
@@ -5806,13 +5768,13 @@
   <p:clrMapOvr>
     <a:masterClrMapping/>
   </p:clrMapOvr>
-  <mc:AlternateContent xmlns:mc="http://schemas.openxmlformats.org/markup-compatibility/2006">
-    <mc:Choice xmlns:p14="http://schemas.microsoft.com/office/powerpoint/2010/main" Requires="p14">
+  <mc:AlternateContent xmlns:mc="http://schemas.openxmlformats.org/markup-compatibility/2006" xmlns:p14="http://schemas.microsoft.com/office/powerpoint/2010/main">
+    <mc:Choice Requires="p14">
       <p:transition spd="med" p14:dur="700">
         <p:fade/>
       </p:transition>
     </mc:Choice>
-    <mc:Fallback>
+    <mc:Fallback xmlns="">
       <p:transition spd="med">
         <p:fade/>
       </p:transition>
@@ -6025,13 +5987,13 @@
   <p:clrMapOvr>
     <a:masterClrMapping/>
   </p:clrMapOvr>
-  <mc:AlternateContent xmlns:mc="http://schemas.openxmlformats.org/markup-compatibility/2006">
-    <mc:Choice xmlns:p14="http://schemas.microsoft.com/office/powerpoint/2010/main" Requires="p14">
+  <mc:AlternateContent xmlns:mc="http://schemas.openxmlformats.org/markup-compatibility/2006" xmlns:p14="http://schemas.microsoft.com/office/powerpoint/2010/main">
+    <mc:Choice Requires="p14">
       <p:transition spd="med" p14:dur="700">
         <p:fade/>
       </p:transition>
     </mc:Choice>
-    <mc:Fallback>
+    <mc:Fallback xmlns="">
       <p:transition spd="med">
         <p:fade/>
       </p:transition>
@@ -6418,13 +6380,13 @@
   <p:clrMapOvr>
     <a:masterClrMapping/>
   </p:clrMapOvr>
-  <mc:AlternateContent xmlns:mc="http://schemas.openxmlformats.org/markup-compatibility/2006">
-    <mc:Choice xmlns:p14="http://schemas.microsoft.com/office/powerpoint/2010/main" Requires="p14">
+  <mc:AlternateContent xmlns:mc="http://schemas.openxmlformats.org/markup-compatibility/2006" xmlns:p14="http://schemas.microsoft.com/office/powerpoint/2010/main">
+    <mc:Choice Requires="p14">
       <p:transition spd="med" p14:dur="700">
         <p:fade/>
       </p:transition>
     </mc:Choice>
-    <mc:Fallback>
+    <mc:Fallback xmlns="">
       <p:transition spd="med">
         <p:fade/>
       </p:transition>
@@ -6937,13 +6899,13 @@
   <p:clrMapOvr>
     <a:masterClrMapping/>
   </p:clrMapOvr>
-  <mc:AlternateContent xmlns:mc="http://schemas.openxmlformats.org/markup-compatibility/2006">
-    <mc:Choice xmlns:p14="http://schemas.microsoft.com/office/powerpoint/2010/main" Requires="p14">
+  <mc:AlternateContent xmlns:mc="http://schemas.openxmlformats.org/markup-compatibility/2006" xmlns:p14="http://schemas.microsoft.com/office/powerpoint/2010/main">
+    <mc:Choice Requires="p14">
       <p:transition spd="med" p14:dur="700">
         <p:fade/>
       </p:transition>
     </mc:Choice>
-    <mc:Fallback>
+    <mc:Fallback xmlns="">
       <p:transition spd="med">
         <p:fade/>
       </p:transition>
@@ -7290,13 +7252,13 @@
   <p:clrMapOvr>
     <a:masterClrMapping/>
   </p:clrMapOvr>
-  <mc:AlternateContent xmlns:mc="http://schemas.openxmlformats.org/markup-compatibility/2006">
-    <mc:Choice xmlns:p14="http://schemas.microsoft.com/office/powerpoint/2010/main" Requires="p14">
+  <mc:AlternateContent xmlns:mc="http://schemas.openxmlformats.org/markup-compatibility/2006" xmlns:p14="http://schemas.microsoft.com/office/powerpoint/2010/main">
+    <mc:Choice Requires="p14">
       <p:transition spd="med" p14:dur="700">
         <p:fade/>
       </p:transition>
     </mc:Choice>
-    <mc:Fallback>
+    <mc:Fallback xmlns="">
       <p:transition spd="med">
         <p:fade/>
       </p:transition>
@@ -7743,13 +7705,13 @@
   <p:clrMapOvr>
     <a:masterClrMapping/>
   </p:clrMapOvr>
-  <mc:AlternateContent xmlns:mc="http://schemas.openxmlformats.org/markup-compatibility/2006">
-    <mc:Choice xmlns:p14="http://schemas.microsoft.com/office/powerpoint/2010/main" Requires="p14">
+  <mc:AlternateContent xmlns:mc="http://schemas.openxmlformats.org/markup-compatibility/2006" xmlns:p14="http://schemas.microsoft.com/office/powerpoint/2010/main">
+    <mc:Choice Requires="p14">
       <p:transition spd="med" p14:dur="700">
         <p:fade/>
       </p:transition>
     </mc:Choice>
-    <mc:Fallback>
+    <mc:Fallback xmlns="">
       <p:transition spd="med">
         <p:fade/>
       </p:transition>
@@ -7959,13 +7921,13 @@
   <p:clrMapOvr>
     <a:masterClrMapping/>
   </p:clrMapOvr>
-  <mc:AlternateContent xmlns:mc="http://schemas.openxmlformats.org/markup-compatibility/2006">
-    <mc:Choice xmlns:p14="http://schemas.microsoft.com/office/powerpoint/2010/main" Requires="p14">
+  <mc:AlternateContent xmlns:mc="http://schemas.openxmlformats.org/markup-compatibility/2006" xmlns:p14="http://schemas.microsoft.com/office/powerpoint/2010/main">
+    <mc:Choice Requires="p14">
       <p:transition spd="med" p14:dur="700">
         <p:fade/>
       </p:transition>
     </mc:Choice>
-    <mc:Fallback>
+    <mc:Fallback xmlns="">
       <p:transition spd="med">
         <p:fade/>
       </p:transition>
@@ -8291,7 +8253,7 @@
           <a:p>
             <a:r>
               <a:rPr lang="de-DE" dirty="0"/>
-              <a:t>Eigene Krankenakte digital zu verwalten</a:t>
+              <a:t>Eigene Krankenakte digital verwalten</a:t>
             </a:r>
           </a:p>
         </p:txBody>
@@ -8306,13 +8268,13 @@
   <p:clrMapOvr>
     <a:masterClrMapping/>
   </p:clrMapOvr>
-  <mc:AlternateContent xmlns:mc="http://schemas.openxmlformats.org/markup-compatibility/2006">
-    <mc:Choice xmlns:p14="http://schemas.microsoft.com/office/powerpoint/2010/main" Requires="p14">
+  <mc:AlternateContent xmlns:mc="http://schemas.openxmlformats.org/markup-compatibility/2006" xmlns:p14="http://schemas.microsoft.com/office/powerpoint/2010/main">
+    <mc:Choice Requires="p14">
       <p:transition spd="med" p14:dur="700">
         <p:fade/>
       </p:transition>
     </mc:Choice>
-    <mc:Fallback>
+    <mc:Fallback xmlns="">
       <p:transition spd="med">
         <p:fade/>
       </p:transition>
@@ -8517,13 +8479,13 @@
   <p:clrMapOvr>
     <a:masterClrMapping/>
   </p:clrMapOvr>
-  <mc:AlternateContent xmlns:mc="http://schemas.openxmlformats.org/markup-compatibility/2006">
-    <mc:Choice xmlns:p14="http://schemas.microsoft.com/office/powerpoint/2010/main" Requires="p14">
+  <mc:AlternateContent xmlns:mc="http://schemas.openxmlformats.org/markup-compatibility/2006" xmlns:p14="http://schemas.microsoft.com/office/powerpoint/2010/main">
+    <mc:Choice Requires="p14">
       <p:transition spd="med" p14:dur="700">
         <p:fade/>
       </p:transition>
     </mc:Choice>
-    <mc:Fallback>
+    <mc:Fallback xmlns="">
       <p:transition spd="med">
         <p:fade/>
       </p:transition>
@@ -8915,13 +8877,13 @@
   <p:clrMapOvr>
     <a:masterClrMapping/>
   </p:clrMapOvr>
-  <mc:AlternateContent xmlns:mc="http://schemas.openxmlformats.org/markup-compatibility/2006">
-    <mc:Choice xmlns:p14="http://schemas.microsoft.com/office/powerpoint/2010/main" Requires="p14">
+  <mc:AlternateContent xmlns:mc="http://schemas.openxmlformats.org/markup-compatibility/2006" xmlns:p14="http://schemas.microsoft.com/office/powerpoint/2010/main">
+    <mc:Choice Requires="p14">
       <p:transition spd="med" p14:dur="700">
         <p:fade/>
       </p:transition>
     </mc:Choice>
-    <mc:Fallback>
+    <mc:Fallback xmlns="">
       <p:transition spd="med">
         <p:fade/>
       </p:transition>
@@ -9122,13 +9084,13 @@
   <p:clrMapOvr>
     <a:masterClrMapping/>
   </p:clrMapOvr>
-  <mc:AlternateContent xmlns:mc="http://schemas.openxmlformats.org/markup-compatibility/2006">
-    <mc:Choice xmlns:p14="http://schemas.microsoft.com/office/powerpoint/2010/main" Requires="p14">
+  <mc:AlternateContent xmlns:mc="http://schemas.openxmlformats.org/markup-compatibility/2006" xmlns:p14="http://schemas.microsoft.com/office/powerpoint/2010/main">
+    <mc:Choice Requires="p14">
       <p:transition spd="med" p14:dur="700">
         <p:fade/>
       </p:transition>
     </mc:Choice>
-    <mc:Fallback>
+    <mc:Fallback xmlns="">
       <p:transition spd="med">
         <p:fade/>
       </p:transition>
@@ -9551,13 +9513,13 @@
   <p:clrMapOvr>
     <a:masterClrMapping/>
   </p:clrMapOvr>
-  <mc:AlternateContent xmlns:mc="http://schemas.openxmlformats.org/markup-compatibility/2006">
-    <mc:Choice xmlns:p14="http://schemas.microsoft.com/office/powerpoint/2010/main" Requires="p14">
+  <mc:AlternateContent xmlns:mc="http://schemas.openxmlformats.org/markup-compatibility/2006" xmlns:p14="http://schemas.microsoft.com/office/powerpoint/2010/main">
+    <mc:Choice Requires="p14">
       <p:transition spd="med" p14:dur="700">
         <p:fade/>
       </p:transition>
     </mc:Choice>
-    <mc:Fallback>
+    <mc:Fallback xmlns="">
       <p:transition spd="med">
         <p:fade/>
       </p:transition>
@@ -9777,13 +9739,13 @@
   <p:clrMapOvr>
     <a:masterClrMapping/>
   </p:clrMapOvr>
-  <mc:AlternateContent xmlns:mc="http://schemas.openxmlformats.org/markup-compatibility/2006">
-    <mc:Choice xmlns:p14="http://schemas.microsoft.com/office/powerpoint/2010/main" Requires="p14">
+  <mc:AlternateContent xmlns:mc="http://schemas.openxmlformats.org/markup-compatibility/2006" xmlns:p14="http://schemas.microsoft.com/office/powerpoint/2010/main">
+    <mc:Choice Requires="p14">
       <p:transition spd="med" p14:dur="700">
         <p:fade/>
       </p:transition>
     </mc:Choice>
-    <mc:Fallback>
+    <mc:Fallback xmlns="">
       <p:transition spd="med">
         <p:fade/>
       </p:transition>
@@ -10003,13 +9965,13 @@
   <p:clrMapOvr>
     <a:masterClrMapping/>
   </p:clrMapOvr>
-  <mc:AlternateContent xmlns:mc="http://schemas.openxmlformats.org/markup-compatibility/2006">
-    <mc:Choice xmlns:p14="http://schemas.microsoft.com/office/powerpoint/2010/main" Requires="p14">
+  <mc:AlternateContent xmlns:mc="http://schemas.openxmlformats.org/markup-compatibility/2006" xmlns:p14="http://schemas.microsoft.com/office/powerpoint/2010/main">
+    <mc:Choice Requires="p14">
       <p:transition spd="med" p14:dur="700">
         <p:fade/>
       </p:transition>
     </mc:Choice>
-    <mc:Fallback>
+    <mc:Fallback xmlns="">
       <p:transition spd="med">
         <p:fade/>
       </p:transition>
@@ -10209,13 +10171,13 @@
   <p:clrMapOvr>
     <a:masterClrMapping/>
   </p:clrMapOvr>
-  <mc:AlternateContent xmlns:mc="http://schemas.openxmlformats.org/markup-compatibility/2006">
-    <mc:Choice xmlns:p14="http://schemas.microsoft.com/office/powerpoint/2010/main" Requires="p14">
+  <mc:AlternateContent xmlns:mc="http://schemas.openxmlformats.org/markup-compatibility/2006" xmlns:p14="http://schemas.microsoft.com/office/powerpoint/2010/main">
+    <mc:Choice Requires="p14">
       <p:transition spd="med" p14:dur="700">
         <p:fade/>
       </p:transition>
     </mc:Choice>
-    <mc:Fallback>
+    <mc:Fallback xmlns="">
       <p:transition spd="med">
         <p:fade/>
       </p:transition>
@@ -10428,13 +10390,13 @@
   <p:clrMapOvr>
     <a:masterClrMapping/>
   </p:clrMapOvr>
-  <mc:AlternateContent xmlns:mc="http://schemas.openxmlformats.org/markup-compatibility/2006">
-    <mc:Choice xmlns:p14="http://schemas.microsoft.com/office/powerpoint/2010/main" Requires="p14">
+  <mc:AlternateContent xmlns:mc="http://schemas.openxmlformats.org/markup-compatibility/2006" xmlns:p14="http://schemas.microsoft.com/office/powerpoint/2010/main">
+    <mc:Choice Requires="p14">
       <p:transition spd="med" p14:dur="700">
         <p:fade/>
       </p:transition>
     </mc:Choice>
-    <mc:Fallback>
+    <mc:Fallback xmlns="">
       <p:transition spd="med">
         <p:fade/>
       </p:transition>
@@ -10814,13 +10776,13 @@
   <p:clrMapOvr>
     <a:masterClrMapping/>
   </p:clrMapOvr>
-  <mc:AlternateContent xmlns:mc="http://schemas.openxmlformats.org/markup-compatibility/2006">
-    <mc:Choice xmlns:p14="http://schemas.microsoft.com/office/powerpoint/2010/main" Requires="p14">
+  <mc:AlternateContent xmlns:mc="http://schemas.openxmlformats.org/markup-compatibility/2006" xmlns:p14="http://schemas.microsoft.com/office/powerpoint/2010/main">
+    <mc:Choice Requires="p14">
       <p:transition spd="med" p14:dur="700">
         <p:fade/>
       </p:transition>
     </mc:Choice>
-    <mc:Fallback>
+    <mc:Fallback xmlns="">
       <p:transition spd="med">
         <p:fade/>
       </p:transition>
@@ -11162,13 +11124,13 @@
   <p:clrMapOvr>
     <a:masterClrMapping/>
   </p:clrMapOvr>
-  <mc:AlternateContent xmlns:mc="http://schemas.openxmlformats.org/markup-compatibility/2006">
-    <mc:Choice xmlns:p14="http://schemas.microsoft.com/office/powerpoint/2010/main" Requires="p14">
+  <mc:AlternateContent xmlns:mc="http://schemas.openxmlformats.org/markup-compatibility/2006" xmlns:p14="http://schemas.microsoft.com/office/powerpoint/2010/main">
+    <mc:Choice Requires="p14">
       <p:transition spd="med" p14:dur="700">
         <p:fade/>
       </p:transition>
     </mc:Choice>
-    <mc:Fallback>
+    <mc:Fallback xmlns="">
       <p:transition spd="med">
         <p:fade/>
       </p:transition>
@@ -11479,13 +11441,13 @@
   <p:clrMapOvr>
     <a:masterClrMapping/>
   </p:clrMapOvr>
-  <mc:AlternateContent xmlns:mc="http://schemas.openxmlformats.org/markup-compatibility/2006">
-    <mc:Choice xmlns:p14="http://schemas.microsoft.com/office/powerpoint/2010/main" Requires="p14">
+  <mc:AlternateContent xmlns:mc="http://schemas.openxmlformats.org/markup-compatibility/2006" xmlns:p14="http://schemas.microsoft.com/office/powerpoint/2010/main">
+    <mc:Choice Requires="p14">
       <p:transition spd="med" p14:dur="700">
         <p:fade/>
       </p:transition>
     </mc:Choice>
-    <mc:Fallback>
+    <mc:Fallback xmlns="">
       <p:transition spd="med">
         <p:fade/>
       </p:transition>
@@ -11810,13 +11772,13 @@
   <p:clrMapOvr>
     <a:masterClrMapping/>
   </p:clrMapOvr>
-  <mc:AlternateContent xmlns:mc="http://schemas.openxmlformats.org/markup-compatibility/2006">
-    <mc:Choice xmlns:p14="http://schemas.microsoft.com/office/powerpoint/2010/main" Requires="p14">
+  <mc:AlternateContent xmlns:mc="http://schemas.openxmlformats.org/markup-compatibility/2006" xmlns:p14="http://schemas.microsoft.com/office/powerpoint/2010/main">
+    <mc:Choice Requires="p14">
       <p:transition spd="med" p14:dur="700">
         <p:fade/>
       </p:transition>
     </mc:Choice>
-    <mc:Fallback>
+    <mc:Fallback xmlns="">
       <p:transition spd="med">
         <p:fade/>
       </p:transition>
@@ -12231,13 +12193,13 @@
   <p:clrMapOvr>
     <a:masterClrMapping/>
   </p:clrMapOvr>
-  <mc:AlternateContent xmlns:mc="http://schemas.openxmlformats.org/markup-compatibility/2006">
-    <mc:Choice xmlns:p14="http://schemas.microsoft.com/office/powerpoint/2010/main" Requires="p14">
+  <mc:AlternateContent xmlns:mc="http://schemas.openxmlformats.org/markup-compatibility/2006" xmlns:p14="http://schemas.microsoft.com/office/powerpoint/2010/main">
+    <mc:Choice Requires="p14">
       <p:transition spd="med" p14:dur="700">
         <p:fade/>
       </p:transition>
     </mc:Choice>
-    <mc:Fallback>
+    <mc:Fallback xmlns="">
       <p:transition spd="med">
         <p:fade/>
       </p:transition>
@@ -12628,13 +12590,13 @@
   <p:clrMapOvr>
     <a:masterClrMapping/>
   </p:clrMapOvr>
-  <mc:AlternateContent xmlns:mc="http://schemas.openxmlformats.org/markup-compatibility/2006">
-    <mc:Choice xmlns:p14="http://schemas.microsoft.com/office/powerpoint/2010/main" Requires="p14">
+  <mc:AlternateContent xmlns:mc="http://schemas.openxmlformats.org/markup-compatibility/2006" xmlns:p14="http://schemas.microsoft.com/office/powerpoint/2010/main">
+    <mc:Choice Requires="p14">
       <p:transition spd="med" p14:dur="700">
         <p:fade/>
       </p:transition>
     </mc:Choice>
-    <mc:Fallback>
+    <mc:Fallback xmlns="">
       <p:transition spd="med">
         <p:fade/>
       </p:transition>
